--- a/2024-Q4/2024-12-15/2024-12-15-Psalms.pptx
+++ b/2024-Q4/2024-12-15/2024-12-15-Psalms.pptx
@@ -6,18 +6,20 @@
     <p:sldMasterId id="2147484131" r:id="rId2"/>
   </p:sldMasterIdLst>
   <p:notesMasterIdLst>
-    <p:notesMasterId r:id="rId12"/>
+    <p:notesMasterId r:id="rId14"/>
   </p:notesMasterIdLst>
   <p:sldIdLst>
     <p:sldId id="395" r:id="rId3"/>
     <p:sldId id="450" r:id="rId4"/>
     <p:sldId id="547" r:id="rId5"/>
-    <p:sldId id="542" r:id="rId6"/>
-    <p:sldId id="501" r:id="rId7"/>
-    <p:sldId id="548" r:id="rId8"/>
-    <p:sldId id="549" r:id="rId9"/>
-    <p:sldId id="550" r:id="rId10"/>
-    <p:sldId id="551" r:id="rId11"/>
+    <p:sldId id="501" r:id="rId6"/>
+    <p:sldId id="552" r:id="rId7"/>
+    <p:sldId id="553" r:id="rId8"/>
+    <p:sldId id="542" r:id="rId9"/>
+    <p:sldId id="548" r:id="rId10"/>
+    <p:sldId id="549" r:id="rId11"/>
+    <p:sldId id="550" r:id="rId12"/>
+    <p:sldId id="551" r:id="rId13"/>
   </p:sldIdLst>
   <p:sldSz cx="9144000" cy="6858000" type="screen4x3"/>
   <p:notesSz cx="7099300" cy="9385300"/>
@@ -285,7 +287,7 @@
               <a:pPr>
                 <a:defRPr/>
               </a:pPr>
-              <a:t>12/14/2024</a:t>
+              <a:t>12/15/2024</a:t>
             </a:fld>
             <a:endParaRPr lang="en-US"/>
           </a:p>
@@ -717,6 +719,238 @@
 </p:notes>
 </file>
 
+<file path=ppt/notesSlides/notesSlide10.xml><?xml version="1.0" encoding="utf-8"?>
+<p:notes xmlns:a="http://schemas.openxmlformats.org/drawingml/2006/main" xmlns:r="http://schemas.openxmlformats.org/officeDocument/2006/relationships" xmlns:p="http://schemas.openxmlformats.org/presentationml/2006/main">
+  <p:cSld>
+    <p:spTree>
+      <p:nvGrpSpPr>
+        <p:cNvPr id="1" name="">
+          <a:extLst>
+            <a:ext uri="{FF2B5EF4-FFF2-40B4-BE49-F238E27FC236}">
+              <a16:creationId xmlns:a16="http://schemas.microsoft.com/office/drawing/2014/main" id="{BA8B3DA7-28A7-32F1-C29E-C9BBE0A174CE}"/>
+            </a:ext>
+          </a:extLst>
+        </p:cNvPr>
+        <p:cNvGrpSpPr/>
+        <p:nvPr/>
+      </p:nvGrpSpPr>
+      <p:grpSpPr>
+        <a:xfrm>
+          <a:off x="0" y="0"/>
+          <a:ext cx="0" cy="0"/>
+          <a:chOff x="0" y="0"/>
+          <a:chExt cx="0" cy="0"/>
+        </a:xfrm>
+      </p:grpSpPr>
+      <p:sp>
+        <p:nvSpPr>
+          <p:cNvPr id="2" name="Slide Image Placeholder 1">
+            <a:extLst>
+              <a:ext uri="{FF2B5EF4-FFF2-40B4-BE49-F238E27FC236}">
+                <a16:creationId xmlns:a16="http://schemas.microsoft.com/office/drawing/2014/main" id="{102A44AD-2521-D119-1AF5-09FD26102A59}"/>
+              </a:ext>
+            </a:extLst>
+          </p:cNvPr>
+          <p:cNvSpPr>
+            <a:spLocks noGrp="1" noRot="1" noChangeAspect="1"/>
+          </p:cNvSpPr>
+          <p:nvPr>
+            <p:ph type="sldImg"/>
+          </p:nvPr>
+        </p:nvSpPr>
+        <p:spPr/>
+      </p:sp>
+      <p:sp>
+        <p:nvSpPr>
+          <p:cNvPr id="3" name="Notes Placeholder 2">
+            <a:extLst>
+              <a:ext uri="{FF2B5EF4-FFF2-40B4-BE49-F238E27FC236}">
+                <a16:creationId xmlns:a16="http://schemas.microsoft.com/office/drawing/2014/main" id="{04C64EA9-5428-E883-4A94-7D7AA4D2790C}"/>
+              </a:ext>
+            </a:extLst>
+          </p:cNvPr>
+          <p:cNvSpPr>
+            <a:spLocks noGrp="1"/>
+          </p:cNvSpPr>
+          <p:nvPr>
+            <p:ph type="body" idx="1"/>
+          </p:nvPr>
+        </p:nvSpPr>
+        <p:spPr/>
+        <p:txBody>
+          <a:bodyPr>
+            <a:normAutofit/>
+          </a:bodyPr>
+          <a:lstStyle/>
+          <a:p>
+            <a:endParaRPr lang="en-US" sz="1400" dirty="0"/>
+          </a:p>
+        </p:txBody>
+      </p:sp>
+      <p:sp>
+        <p:nvSpPr>
+          <p:cNvPr id="4" name="Slide Number Placeholder 3">
+            <a:extLst>
+              <a:ext uri="{FF2B5EF4-FFF2-40B4-BE49-F238E27FC236}">
+                <a16:creationId xmlns:a16="http://schemas.microsoft.com/office/drawing/2014/main" id="{37B691EB-342C-25DC-A39B-054D59904C2D}"/>
+              </a:ext>
+            </a:extLst>
+          </p:cNvPr>
+          <p:cNvSpPr>
+            <a:spLocks noGrp="1"/>
+          </p:cNvSpPr>
+          <p:nvPr>
+            <p:ph type="sldNum" sz="quarter" idx="5"/>
+          </p:nvPr>
+        </p:nvSpPr>
+        <p:spPr/>
+        <p:txBody>
+          <a:bodyPr/>
+          <a:lstStyle/>
+          <a:p>
+            <a:pPr>
+              <a:defRPr/>
+            </a:pPr>
+            <a:fld id="{07776858-791E-4C8D-8FA3-473B3AFECFAC}" type="slidenum">
+              <a:rPr lang="en-US" smtClean="0"/>
+              <a:pPr>
+                <a:defRPr/>
+              </a:pPr>
+              <a:t>10</a:t>
+            </a:fld>
+            <a:endParaRPr lang="en-US"/>
+          </a:p>
+        </p:txBody>
+      </p:sp>
+    </p:spTree>
+    <p:extLst>
+      <p:ext uri="{BB962C8B-B14F-4D97-AF65-F5344CB8AC3E}">
+        <p14:creationId xmlns:p14="http://schemas.microsoft.com/office/powerpoint/2010/main" val="1392003126"/>
+      </p:ext>
+    </p:extLst>
+  </p:cSld>
+  <p:clrMapOvr>
+    <a:masterClrMapping/>
+  </p:clrMapOvr>
+</p:notes>
+</file>
+
+<file path=ppt/notesSlides/notesSlide11.xml><?xml version="1.0" encoding="utf-8"?>
+<p:notes xmlns:a="http://schemas.openxmlformats.org/drawingml/2006/main" xmlns:r="http://schemas.openxmlformats.org/officeDocument/2006/relationships" xmlns:p="http://schemas.openxmlformats.org/presentationml/2006/main">
+  <p:cSld>
+    <p:spTree>
+      <p:nvGrpSpPr>
+        <p:cNvPr id="1" name="">
+          <a:extLst>
+            <a:ext uri="{FF2B5EF4-FFF2-40B4-BE49-F238E27FC236}">
+              <a16:creationId xmlns:a16="http://schemas.microsoft.com/office/drawing/2014/main" id="{3EE23555-AEE2-6653-DF12-F979EAC1633F}"/>
+            </a:ext>
+          </a:extLst>
+        </p:cNvPr>
+        <p:cNvGrpSpPr/>
+        <p:nvPr/>
+      </p:nvGrpSpPr>
+      <p:grpSpPr>
+        <a:xfrm>
+          <a:off x="0" y="0"/>
+          <a:ext cx="0" cy="0"/>
+          <a:chOff x="0" y="0"/>
+          <a:chExt cx="0" cy="0"/>
+        </a:xfrm>
+      </p:grpSpPr>
+      <p:sp>
+        <p:nvSpPr>
+          <p:cNvPr id="2" name="Slide Image Placeholder 1">
+            <a:extLst>
+              <a:ext uri="{FF2B5EF4-FFF2-40B4-BE49-F238E27FC236}">
+                <a16:creationId xmlns:a16="http://schemas.microsoft.com/office/drawing/2014/main" id="{759C7D1C-AA1E-0943-9CEB-758AA0465D34}"/>
+              </a:ext>
+            </a:extLst>
+          </p:cNvPr>
+          <p:cNvSpPr>
+            <a:spLocks noGrp="1" noRot="1" noChangeAspect="1"/>
+          </p:cNvSpPr>
+          <p:nvPr>
+            <p:ph type="sldImg"/>
+          </p:nvPr>
+        </p:nvSpPr>
+        <p:spPr/>
+      </p:sp>
+      <p:sp>
+        <p:nvSpPr>
+          <p:cNvPr id="3" name="Notes Placeholder 2">
+            <a:extLst>
+              <a:ext uri="{FF2B5EF4-FFF2-40B4-BE49-F238E27FC236}">
+                <a16:creationId xmlns:a16="http://schemas.microsoft.com/office/drawing/2014/main" id="{81C712D7-843F-AD13-479D-EA2D779769D3}"/>
+              </a:ext>
+            </a:extLst>
+          </p:cNvPr>
+          <p:cNvSpPr>
+            <a:spLocks noGrp="1"/>
+          </p:cNvSpPr>
+          <p:nvPr>
+            <p:ph type="body" idx="1"/>
+          </p:nvPr>
+        </p:nvSpPr>
+        <p:spPr/>
+        <p:txBody>
+          <a:bodyPr>
+            <a:normAutofit/>
+          </a:bodyPr>
+          <a:lstStyle/>
+          <a:p>
+            <a:endParaRPr lang="en-US" sz="1400" dirty="0"/>
+          </a:p>
+        </p:txBody>
+      </p:sp>
+      <p:sp>
+        <p:nvSpPr>
+          <p:cNvPr id="4" name="Slide Number Placeholder 3">
+            <a:extLst>
+              <a:ext uri="{FF2B5EF4-FFF2-40B4-BE49-F238E27FC236}">
+                <a16:creationId xmlns:a16="http://schemas.microsoft.com/office/drawing/2014/main" id="{FC993BAD-60F9-D7B1-5474-004E860ADBF7}"/>
+              </a:ext>
+            </a:extLst>
+          </p:cNvPr>
+          <p:cNvSpPr>
+            <a:spLocks noGrp="1"/>
+          </p:cNvSpPr>
+          <p:nvPr>
+            <p:ph type="sldNum" sz="quarter" idx="5"/>
+          </p:nvPr>
+        </p:nvSpPr>
+        <p:spPr/>
+        <p:txBody>
+          <a:bodyPr/>
+          <a:lstStyle/>
+          <a:p>
+            <a:pPr>
+              <a:defRPr/>
+            </a:pPr>
+            <a:fld id="{07776858-791E-4C8D-8FA3-473B3AFECFAC}" type="slidenum">
+              <a:rPr lang="en-US" smtClean="0"/>
+              <a:pPr>
+                <a:defRPr/>
+              </a:pPr>
+              <a:t>11</a:t>
+            </a:fld>
+            <a:endParaRPr lang="en-US"/>
+          </a:p>
+        </p:txBody>
+      </p:sp>
+    </p:spTree>
+    <p:extLst>
+      <p:ext uri="{BB962C8B-B14F-4D97-AF65-F5344CB8AC3E}">
+        <p14:creationId xmlns:p14="http://schemas.microsoft.com/office/powerpoint/2010/main" val="2378845235"/>
+      </p:ext>
+    </p:extLst>
+  </p:cSld>
+  <p:clrMapOvr>
+    <a:masterClrMapping/>
+  </p:clrMapOvr>
+</p:notes>
+</file>
+
 <file path=ppt/notesSlides/notesSlide2.xml><?xml version="1.0" encoding="utf-8"?>
 <p:notes xmlns:a="http://schemas.openxmlformats.org/drawingml/2006/main" xmlns:r="http://schemas.openxmlformats.org/officeDocument/2006/relationships" xmlns:p="http://schemas.openxmlformats.org/presentationml/2006/main">
   <p:cSld>
@@ -777,7 +1011,7 @@
         <p:spPr/>
         <p:txBody>
           <a:bodyPr>
-            <a:normAutofit/>
+            <a:normAutofit fontScale="40000" lnSpcReduction="20000"/>
           </a:bodyPr>
           <a:lstStyle/>
           <a:p>
@@ -1248,7 +1482,7 @@
         <p:spPr/>
         <p:txBody>
           <a:bodyPr>
-            <a:normAutofit fontScale="40000" lnSpcReduction="20000"/>
+            <a:normAutofit fontScale="32500" lnSpcReduction="20000"/>
           </a:bodyPr>
           <a:lstStyle/>
           <a:p>
@@ -1700,126 +1934,6 @@
 </file>
 
 <file path=ppt/notesSlides/notesSlide4.xml><?xml version="1.0" encoding="utf-8"?>
-<p:notes xmlns:a="http://schemas.openxmlformats.org/drawingml/2006/main" xmlns:r="http://schemas.openxmlformats.org/officeDocument/2006/relationships" xmlns:p="http://schemas.openxmlformats.org/presentationml/2006/main">
-  <p:cSld>
-    <p:spTree>
-      <p:nvGrpSpPr>
-        <p:cNvPr id="1" name="">
-          <a:extLst>
-            <a:ext uri="{FF2B5EF4-FFF2-40B4-BE49-F238E27FC236}">
-              <a16:creationId xmlns:a16="http://schemas.microsoft.com/office/drawing/2014/main" id="{6421AFEC-B7CA-E18E-47D0-F721CF9A786B}"/>
-            </a:ext>
-          </a:extLst>
-        </p:cNvPr>
-        <p:cNvGrpSpPr/>
-        <p:nvPr/>
-      </p:nvGrpSpPr>
-      <p:grpSpPr>
-        <a:xfrm>
-          <a:off x="0" y="0"/>
-          <a:ext cx="0" cy="0"/>
-          <a:chOff x="0" y="0"/>
-          <a:chExt cx="0" cy="0"/>
-        </a:xfrm>
-      </p:grpSpPr>
-      <p:sp>
-        <p:nvSpPr>
-          <p:cNvPr id="2" name="Slide Image Placeholder 1">
-            <a:extLst>
-              <a:ext uri="{FF2B5EF4-FFF2-40B4-BE49-F238E27FC236}">
-                <a16:creationId xmlns:a16="http://schemas.microsoft.com/office/drawing/2014/main" id="{74D89E66-0235-F65E-47D9-A01D8C9EAC8C}"/>
-              </a:ext>
-            </a:extLst>
-          </p:cNvPr>
-          <p:cNvSpPr>
-            <a:spLocks noGrp="1" noRot="1" noChangeAspect="1"/>
-          </p:cNvSpPr>
-          <p:nvPr>
-            <p:ph type="sldImg"/>
-          </p:nvPr>
-        </p:nvSpPr>
-        <p:spPr/>
-      </p:sp>
-      <p:sp>
-        <p:nvSpPr>
-          <p:cNvPr id="3" name="Notes Placeholder 2">
-            <a:extLst>
-              <a:ext uri="{FF2B5EF4-FFF2-40B4-BE49-F238E27FC236}">
-                <a16:creationId xmlns:a16="http://schemas.microsoft.com/office/drawing/2014/main" id="{399872F4-9D82-0F9D-07ED-01114D9F951A}"/>
-              </a:ext>
-            </a:extLst>
-          </p:cNvPr>
-          <p:cNvSpPr>
-            <a:spLocks noGrp="1"/>
-          </p:cNvSpPr>
-          <p:nvPr>
-            <p:ph type="body" idx="1"/>
-          </p:nvPr>
-        </p:nvSpPr>
-        <p:spPr/>
-        <p:txBody>
-          <a:bodyPr>
-            <a:normAutofit fontScale="32500" lnSpcReduction="20000"/>
-          </a:bodyPr>
-          <a:lstStyle/>
-          <a:p>
-            <a:pPr>
-              <a:buFont typeface="Arial" panose="020B0604020202020204" pitchFamily="34" charset="0"/>
-              <a:buNone/>
-            </a:pPr>
-            <a:endParaRPr lang="en-US" sz="1400" dirty="0"/>
-          </a:p>
-        </p:txBody>
-      </p:sp>
-      <p:sp>
-        <p:nvSpPr>
-          <p:cNvPr id="4" name="Slide Number Placeholder 3">
-            <a:extLst>
-              <a:ext uri="{FF2B5EF4-FFF2-40B4-BE49-F238E27FC236}">
-                <a16:creationId xmlns:a16="http://schemas.microsoft.com/office/drawing/2014/main" id="{FA59E22C-FB98-4633-D06F-80F91587AEE0}"/>
-              </a:ext>
-            </a:extLst>
-          </p:cNvPr>
-          <p:cNvSpPr>
-            <a:spLocks noGrp="1"/>
-          </p:cNvSpPr>
-          <p:nvPr>
-            <p:ph type="sldNum" sz="quarter" idx="5"/>
-          </p:nvPr>
-        </p:nvSpPr>
-        <p:spPr/>
-        <p:txBody>
-          <a:bodyPr/>
-          <a:lstStyle/>
-          <a:p>
-            <a:pPr>
-              <a:defRPr/>
-            </a:pPr>
-            <a:fld id="{07776858-791E-4C8D-8FA3-473B3AFECFAC}" type="slidenum">
-              <a:rPr lang="en-US" smtClean="0"/>
-              <a:pPr>
-                <a:defRPr/>
-              </a:pPr>
-              <a:t>4</a:t>
-            </a:fld>
-            <a:endParaRPr lang="en-US"/>
-          </a:p>
-        </p:txBody>
-      </p:sp>
-    </p:spTree>
-    <p:extLst>
-      <p:ext uri="{BB962C8B-B14F-4D97-AF65-F5344CB8AC3E}">
-        <p14:creationId xmlns:p14="http://schemas.microsoft.com/office/powerpoint/2010/main" val="1313360727"/>
-      </p:ext>
-    </p:extLst>
-  </p:cSld>
-  <p:clrMapOvr>
-    <a:masterClrMapping/>
-  </p:clrMapOvr>
-</p:notes>
-</file>
-
-<file path=ppt/notesSlides/notesSlide5.xml><?xml version="1.0" encoding="utf-8"?>
 <p:notes xmlns:a="http://schemas.openxmlformats.org/drawingml/2006/main" xmlns:r="http://schemas.openxmlformats.org/officeDocument/2006/relationships" xmlns:p="http://schemas.openxmlformats.org/presentationml/2006/main">
   <p:cSld>
     <p:spTree>
@@ -1961,7 +2075,7 @@
               <a:pPr>
                 <a:defRPr/>
               </a:pPr>
-              <a:t>5</a:t>
+              <a:t>4</a:t>
             </a:fld>
             <a:endParaRPr lang="en-US"/>
           </a:p>
@@ -1980,7 +2094,1283 @@
 </p:notes>
 </file>
 
+<file path=ppt/notesSlides/notesSlide5.xml><?xml version="1.0" encoding="utf-8"?>
+<p:notes xmlns:a="http://schemas.openxmlformats.org/drawingml/2006/main" xmlns:r="http://schemas.openxmlformats.org/officeDocument/2006/relationships" xmlns:p="http://schemas.openxmlformats.org/presentationml/2006/main">
+  <p:cSld>
+    <p:spTree>
+      <p:nvGrpSpPr>
+        <p:cNvPr id="1" name="">
+          <a:extLst>
+            <a:ext uri="{FF2B5EF4-FFF2-40B4-BE49-F238E27FC236}">
+              <a16:creationId xmlns:a16="http://schemas.microsoft.com/office/drawing/2014/main" id="{F0E8F37D-E10E-E313-8310-BED02B19C014}"/>
+            </a:ext>
+          </a:extLst>
+        </p:cNvPr>
+        <p:cNvGrpSpPr/>
+        <p:nvPr/>
+      </p:nvGrpSpPr>
+      <p:grpSpPr>
+        <a:xfrm>
+          <a:off x="0" y="0"/>
+          <a:ext cx="0" cy="0"/>
+          <a:chOff x="0" y="0"/>
+          <a:chExt cx="0" cy="0"/>
+        </a:xfrm>
+      </p:grpSpPr>
+      <p:sp>
+        <p:nvSpPr>
+          <p:cNvPr id="2" name="Slide Image Placeholder 1">
+            <a:extLst>
+              <a:ext uri="{FF2B5EF4-FFF2-40B4-BE49-F238E27FC236}">
+                <a16:creationId xmlns:a16="http://schemas.microsoft.com/office/drawing/2014/main" id="{1D4FE202-7FB6-B291-DBAC-0C68B6278627}"/>
+              </a:ext>
+            </a:extLst>
+          </p:cNvPr>
+          <p:cNvSpPr>
+            <a:spLocks noGrp="1" noRot="1" noChangeAspect="1"/>
+          </p:cNvSpPr>
+          <p:nvPr>
+            <p:ph type="sldImg"/>
+          </p:nvPr>
+        </p:nvSpPr>
+        <p:spPr/>
+      </p:sp>
+      <p:sp>
+        <p:nvSpPr>
+          <p:cNvPr id="3" name="Notes Placeholder 2">
+            <a:extLst>
+              <a:ext uri="{FF2B5EF4-FFF2-40B4-BE49-F238E27FC236}">
+                <a16:creationId xmlns:a16="http://schemas.microsoft.com/office/drawing/2014/main" id="{E4295494-8A0C-E495-5095-299F143B2C60}"/>
+              </a:ext>
+            </a:extLst>
+          </p:cNvPr>
+          <p:cNvSpPr>
+            <a:spLocks noGrp="1"/>
+          </p:cNvSpPr>
+          <p:nvPr>
+            <p:ph type="body" idx="1"/>
+          </p:nvPr>
+        </p:nvSpPr>
+        <p:spPr/>
+        <p:txBody>
+          <a:bodyPr>
+            <a:normAutofit fontScale="85000" lnSpcReduction="20000"/>
+          </a:bodyPr>
+          <a:lstStyle/>
+          <a:p>
+            <a:pPr marL="0" marR="0" lvl="0" indent="0" algn="l" defTabSz="914400" rtl="0" eaLnBrk="0" fontAlgn="base" latinLnBrk="0" hangingPunct="0">
+              <a:lnSpc>
+                <a:spcPct val="100000"/>
+              </a:lnSpc>
+              <a:spcBef>
+                <a:spcPct val="30000"/>
+              </a:spcBef>
+              <a:spcAft>
+                <a:spcPct val="0"/>
+              </a:spcAft>
+              <a:buClrTx/>
+              <a:buSzTx/>
+              <a:buFontTx/>
+              <a:buNone/>
+              <a:tabLst/>
+              <a:defRPr/>
+            </a:pPr>
+            <a:r>
+              <a:rPr lang="en-US" sz="1400" dirty="0"/>
+              <a:t>Topical Objectives:</a:t>
+            </a:r>
+          </a:p>
+          <a:p>
+            <a:pPr marL="0" marR="0" lvl="0" indent="0" algn="l" defTabSz="914400" rtl="0" eaLnBrk="0" fontAlgn="base" latinLnBrk="0" hangingPunct="0">
+              <a:lnSpc>
+                <a:spcPct val="100000"/>
+              </a:lnSpc>
+              <a:spcBef>
+                <a:spcPct val="30000"/>
+              </a:spcBef>
+              <a:spcAft>
+                <a:spcPct val="0"/>
+              </a:spcAft>
+              <a:buClrTx/>
+              <a:buSzTx/>
+              <a:buFontTx/>
+              <a:buNone/>
+              <a:tabLst/>
+              <a:defRPr/>
+            </a:pPr>
+            <a:r>
+              <a:rPr lang="en-US" sz="1400" dirty="0"/>
+              <a:t>1. Establish the Reality of God’s Existence and Moral Law:  </a:t>
+            </a:r>
+          </a:p>
+          <a:p>
+            <a:pPr marL="0" marR="0" lvl="0" indent="0" algn="l" defTabSz="914400" rtl="0" eaLnBrk="0" fontAlgn="base" latinLnBrk="0" hangingPunct="0">
+              <a:lnSpc>
+                <a:spcPct val="100000"/>
+              </a:lnSpc>
+              <a:spcBef>
+                <a:spcPct val="30000"/>
+              </a:spcBef>
+              <a:spcAft>
+                <a:spcPct val="0"/>
+              </a:spcAft>
+              <a:buClrTx/>
+              <a:buSzTx/>
+              <a:buFontTx/>
+              <a:buNone/>
+              <a:tabLst/>
+              <a:defRPr/>
+            </a:pPr>
+            <a:r>
+              <a:rPr lang="en-US" sz="1400" dirty="0"/>
+              <a:t>   The approach aims to move beyond abstract spiritual discussions and highlight that God has revealed a moral standard (the Ten Commandments) that everyone has broken.</a:t>
+            </a:r>
+          </a:p>
+          <a:p>
+            <a:pPr marL="0" marR="0" lvl="0" indent="0" algn="l" defTabSz="914400" rtl="0" eaLnBrk="0" fontAlgn="base" latinLnBrk="0" hangingPunct="0">
+              <a:lnSpc>
+                <a:spcPct val="100000"/>
+              </a:lnSpc>
+              <a:spcBef>
+                <a:spcPct val="30000"/>
+              </a:spcBef>
+              <a:spcAft>
+                <a:spcPct val="0"/>
+              </a:spcAft>
+              <a:buClrTx/>
+              <a:buSzTx/>
+              <a:buFontTx/>
+              <a:buNone/>
+              <a:tabLst/>
+              <a:defRPr/>
+            </a:pPr>
+            <a:endParaRPr lang="en-US" sz="1400" dirty="0"/>
+          </a:p>
+          <a:p>
+            <a:pPr marL="0" marR="0" lvl="0" indent="0" algn="l" defTabSz="914400" rtl="0" eaLnBrk="0" fontAlgn="base" latinLnBrk="0" hangingPunct="0">
+              <a:lnSpc>
+                <a:spcPct val="100000"/>
+              </a:lnSpc>
+              <a:spcBef>
+                <a:spcPct val="30000"/>
+              </a:spcBef>
+              <a:spcAft>
+                <a:spcPct val="0"/>
+              </a:spcAft>
+              <a:buClrTx/>
+              <a:buSzTx/>
+              <a:buFontTx/>
+              <a:buNone/>
+              <a:tabLst/>
+              <a:defRPr/>
+            </a:pPr>
+            <a:r>
+              <a:rPr lang="en-US" sz="1400" dirty="0"/>
+              <a:t>2. Convict the Conscience Through God’s Law:  </a:t>
+            </a:r>
+          </a:p>
+          <a:p>
+            <a:pPr marL="0" marR="0" lvl="0" indent="0" algn="l" defTabSz="914400" rtl="0" eaLnBrk="0" fontAlgn="base" latinLnBrk="0" hangingPunct="0">
+              <a:lnSpc>
+                <a:spcPct val="100000"/>
+              </a:lnSpc>
+              <a:spcBef>
+                <a:spcPct val="30000"/>
+              </a:spcBef>
+              <a:spcAft>
+                <a:spcPct val="0"/>
+              </a:spcAft>
+              <a:buClrTx/>
+              <a:buSzTx/>
+              <a:buFontTx/>
+              <a:buNone/>
+              <a:tabLst/>
+              <a:defRPr/>
+            </a:pPr>
+            <a:r>
+              <a:rPr lang="en-US" sz="1400" dirty="0"/>
+              <a:t>   By using the Ten Commandments, the method seeks to stir a sense of guilt over personal sin, demonstrating that no one is truly “good” by God’s perfect moral standard.</a:t>
+            </a:r>
+          </a:p>
+          <a:p>
+            <a:pPr marL="0" marR="0" lvl="0" indent="0" algn="l" defTabSz="914400" rtl="0" eaLnBrk="0" fontAlgn="base" latinLnBrk="0" hangingPunct="0">
+              <a:lnSpc>
+                <a:spcPct val="100000"/>
+              </a:lnSpc>
+              <a:spcBef>
+                <a:spcPct val="30000"/>
+              </a:spcBef>
+              <a:spcAft>
+                <a:spcPct val="0"/>
+              </a:spcAft>
+              <a:buClrTx/>
+              <a:buSzTx/>
+              <a:buFontTx/>
+              <a:buNone/>
+              <a:tabLst/>
+              <a:defRPr/>
+            </a:pPr>
+            <a:endParaRPr lang="en-US" sz="1400" dirty="0"/>
+          </a:p>
+          <a:p>
+            <a:pPr marL="0" marR="0" lvl="0" indent="0" algn="l" defTabSz="914400" rtl="0" eaLnBrk="0" fontAlgn="base" latinLnBrk="0" hangingPunct="0">
+              <a:lnSpc>
+                <a:spcPct val="100000"/>
+              </a:lnSpc>
+              <a:spcBef>
+                <a:spcPct val="30000"/>
+              </a:spcBef>
+              <a:spcAft>
+                <a:spcPct val="0"/>
+              </a:spcAft>
+              <a:buClrTx/>
+              <a:buSzTx/>
+              <a:buFontTx/>
+              <a:buNone/>
+              <a:tabLst/>
+              <a:defRPr/>
+            </a:pPr>
+            <a:r>
+              <a:rPr lang="en-US" sz="1400" dirty="0"/>
+              <a:t>3. Illustrate the Consequence of Sin (God’s Justice):  </a:t>
+            </a:r>
+          </a:p>
+          <a:p>
+            <a:pPr marL="0" marR="0" lvl="0" indent="0" algn="l" defTabSz="914400" rtl="0" eaLnBrk="0" fontAlgn="base" latinLnBrk="0" hangingPunct="0">
+              <a:lnSpc>
+                <a:spcPct val="100000"/>
+              </a:lnSpc>
+              <a:spcBef>
+                <a:spcPct val="30000"/>
+              </a:spcBef>
+              <a:spcAft>
+                <a:spcPct val="0"/>
+              </a:spcAft>
+              <a:buClrTx/>
+              <a:buSzTx/>
+              <a:buFontTx/>
+              <a:buNone/>
+              <a:tabLst/>
+              <a:defRPr/>
+            </a:pPr>
+            <a:r>
+              <a:rPr lang="en-US" sz="1400" dirty="0"/>
+              <a:t>   The goal is to show that sin is not trivial. It brings serious consequence—eternal separation from God—because God is just and must punish wrongdoing.</a:t>
+            </a:r>
+          </a:p>
+          <a:p>
+            <a:pPr marL="0" marR="0" lvl="0" indent="0" algn="l" defTabSz="914400" rtl="0" eaLnBrk="0" fontAlgn="base" latinLnBrk="0" hangingPunct="0">
+              <a:lnSpc>
+                <a:spcPct val="100000"/>
+              </a:lnSpc>
+              <a:spcBef>
+                <a:spcPct val="30000"/>
+              </a:spcBef>
+              <a:spcAft>
+                <a:spcPct val="0"/>
+              </a:spcAft>
+              <a:buClrTx/>
+              <a:buSzTx/>
+              <a:buFontTx/>
+              <a:buNone/>
+              <a:tabLst/>
+              <a:defRPr/>
+            </a:pPr>
+            <a:endParaRPr lang="en-US" sz="1400" dirty="0"/>
+          </a:p>
+          <a:p>
+            <a:pPr marL="0" marR="0" lvl="0" indent="0" algn="l" defTabSz="914400" rtl="0" eaLnBrk="0" fontAlgn="base" latinLnBrk="0" hangingPunct="0">
+              <a:lnSpc>
+                <a:spcPct val="100000"/>
+              </a:lnSpc>
+              <a:spcBef>
+                <a:spcPct val="30000"/>
+              </a:spcBef>
+              <a:spcAft>
+                <a:spcPct val="0"/>
+              </a:spcAft>
+              <a:buClrTx/>
+              <a:buSzTx/>
+              <a:buFontTx/>
+              <a:buNone/>
+              <a:tabLst/>
+              <a:defRPr/>
+            </a:pPr>
+            <a:r>
+              <a:rPr lang="en-US" sz="1400" dirty="0"/>
+              <a:t>4. Present the Gospel of Grace:  </a:t>
+            </a:r>
+          </a:p>
+          <a:p>
+            <a:pPr marL="0" marR="0" lvl="0" indent="0" algn="l" defTabSz="914400" rtl="0" eaLnBrk="0" fontAlgn="base" latinLnBrk="0" hangingPunct="0">
+              <a:lnSpc>
+                <a:spcPct val="100000"/>
+              </a:lnSpc>
+              <a:spcBef>
+                <a:spcPct val="30000"/>
+              </a:spcBef>
+              <a:spcAft>
+                <a:spcPct val="0"/>
+              </a:spcAft>
+              <a:buClrTx/>
+              <a:buSzTx/>
+              <a:buFontTx/>
+              <a:buNone/>
+              <a:tabLst/>
+              <a:defRPr/>
+            </a:pPr>
+            <a:r>
+              <a:rPr lang="en-US" sz="1400" dirty="0"/>
+              <a:t>   After conviction comes the good news: Jesus Christ fulfilled the Law, paid the penalty for sin through His death and resurrection, and offers forgiveness and eternal life as a free gift.</a:t>
+            </a:r>
+          </a:p>
+          <a:p>
+            <a:pPr marL="0" marR="0" lvl="0" indent="0" algn="l" defTabSz="914400" rtl="0" eaLnBrk="0" fontAlgn="base" latinLnBrk="0" hangingPunct="0">
+              <a:lnSpc>
+                <a:spcPct val="100000"/>
+              </a:lnSpc>
+              <a:spcBef>
+                <a:spcPct val="30000"/>
+              </a:spcBef>
+              <a:spcAft>
+                <a:spcPct val="0"/>
+              </a:spcAft>
+              <a:buClrTx/>
+              <a:buSzTx/>
+              <a:buFontTx/>
+              <a:buNone/>
+              <a:tabLst/>
+              <a:defRPr/>
+            </a:pPr>
+            <a:endParaRPr lang="en-US" sz="1400" dirty="0"/>
+          </a:p>
+          <a:p>
+            <a:pPr marL="0" marR="0" lvl="0" indent="0" algn="l" defTabSz="914400" rtl="0" eaLnBrk="0" fontAlgn="base" latinLnBrk="0" hangingPunct="0">
+              <a:lnSpc>
+                <a:spcPct val="100000"/>
+              </a:lnSpc>
+              <a:spcBef>
+                <a:spcPct val="30000"/>
+              </a:spcBef>
+              <a:spcAft>
+                <a:spcPct val="0"/>
+              </a:spcAft>
+              <a:buClrTx/>
+              <a:buSzTx/>
+              <a:buFontTx/>
+              <a:buNone/>
+              <a:tabLst/>
+              <a:defRPr/>
+            </a:pPr>
+            <a:r>
+              <a:rPr lang="en-US" sz="1400" dirty="0"/>
+              <a:t>5. Call for Repentance, Faith, and a Covenant Relationship via Baptism </a:t>
+            </a:r>
+          </a:p>
+          <a:p>
+            <a:pPr marL="0" marR="0" lvl="0" indent="0" algn="l" defTabSz="914400" rtl="0" eaLnBrk="0" fontAlgn="base" latinLnBrk="0" hangingPunct="0">
+              <a:lnSpc>
+                <a:spcPct val="100000"/>
+              </a:lnSpc>
+              <a:spcBef>
+                <a:spcPct val="30000"/>
+              </a:spcBef>
+              <a:spcAft>
+                <a:spcPct val="0"/>
+              </a:spcAft>
+              <a:buClrTx/>
+              <a:buSzTx/>
+              <a:buFontTx/>
+              <a:buNone/>
+              <a:tabLst/>
+              <a:defRPr/>
+            </a:pPr>
+            <a:r>
+              <a:rPr lang="en-US" sz="1400" dirty="0"/>
+              <a:t>   The final objective is to encourage the person to repent (turn from sin) and trust in Jesus Christ alone for salvation, leading to a reconciled relationship with God.</a:t>
+            </a:r>
+          </a:p>
+        </p:txBody>
+      </p:sp>
+      <p:sp>
+        <p:nvSpPr>
+          <p:cNvPr id="4" name="Slide Number Placeholder 3">
+            <a:extLst>
+              <a:ext uri="{FF2B5EF4-FFF2-40B4-BE49-F238E27FC236}">
+                <a16:creationId xmlns:a16="http://schemas.microsoft.com/office/drawing/2014/main" id="{12D96F63-DC04-233D-1BE6-178A8A8D5D07}"/>
+              </a:ext>
+            </a:extLst>
+          </p:cNvPr>
+          <p:cNvSpPr>
+            <a:spLocks noGrp="1"/>
+          </p:cNvSpPr>
+          <p:nvPr>
+            <p:ph type="sldNum" sz="quarter" idx="5"/>
+          </p:nvPr>
+        </p:nvSpPr>
+        <p:spPr/>
+        <p:txBody>
+          <a:bodyPr/>
+          <a:lstStyle/>
+          <a:p>
+            <a:pPr>
+              <a:defRPr/>
+            </a:pPr>
+            <a:fld id="{07776858-791E-4C8D-8FA3-473B3AFECFAC}" type="slidenum">
+              <a:rPr lang="en-US" smtClean="0"/>
+              <a:pPr>
+                <a:defRPr/>
+              </a:pPr>
+              <a:t>5</a:t>
+            </a:fld>
+            <a:endParaRPr lang="en-US"/>
+          </a:p>
+        </p:txBody>
+      </p:sp>
+    </p:spTree>
+    <p:extLst>
+      <p:ext uri="{BB962C8B-B14F-4D97-AF65-F5344CB8AC3E}">
+        <p14:creationId xmlns:p14="http://schemas.microsoft.com/office/powerpoint/2010/main" val="1214132301"/>
+      </p:ext>
+    </p:extLst>
+  </p:cSld>
+  <p:clrMapOvr>
+    <a:masterClrMapping/>
+  </p:clrMapOvr>
+</p:notes>
+</file>
+
 <file path=ppt/notesSlides/notesSlide6.xml><?xml version="1.0" encoding="utf-8"?>
+<p:notes xmlns:a="http://schemas.openxmlformats.org/drawingml/2006/main" xmlns:r="http://schemas.openxmlformats.org/officeDocument/2006/relationships" xmlns:p="http://schemas.openxmlformats.org/presentationml/2006/main">
+  <p:cSld>
+    <p:spTree>
+      <p:nvGrpSpPr>
+        <p:cNvPr id="1" name="">
+          <a:extLst>
+            <a:ext uri="{FF2B5EF4-FFF2-40B4-BE49-F238E27FC236}">
+              <a16:creationId xmlns:a16="http://schemas.microsoft.com/office/drawing/2014/main" id="{44F57BB7-B6DA-CCE9-8131-1165B5E9F667}"/>
+            </a:ext>
+          </a:extLst>
+        </p:cNvPr>
+        <p:cNvGrpSpPr/>
+        <p:nvPr/>
+      </p:nvGrpSpPr>
+      <p:grpSpPr>
+        <a:xfrm>
+          <a:off x="0" y="0"/>
+          <a:ext cx="0" cy="0"/>
+          <a:chOff x="0" y="0"/>
+          <a:chExt cx="0" cy="0"/>
+        </a:xfrm>
+      </p:grpSpPr>
+      <p:sp>
+        <p:nvSpPr>
+          <p:cNvPr id="2" name="Slide Image Placeholder 1">
+            <a:extLst>
+              <a:ext uri="{FF2B5EF4-FFF2-40B4-BE49-F238E27FC236}">
+                <a16:creationId xmlns:a16="http://schemas.microsoft.com/office/drawing/2014/main" id="{26D56541-BEE0-0376-5A9F-E9C93DEFA017}"/>
+              </a:ext>
+            </a:extLst>
+          </p:cNvPr>
+          <p:cNvSpPr>
+            <a:spLocks noGrp="1" noRot="1" noChangeAspect="1"/>
+          </p:cNvSpPr>
+          <p:nvPr>
+            <p:ph type="sldImg"/>
+          </p:nvPr>
+        </p:nvSpPr>
+        <p:spPr/>
+      </p:sp>
+      <p:sp>
+        <p:nvSpPr>
+          <p:cNvPr id="3" name="Notes Placeholder 2">
+            <a:extLst>
+              <a:ext uri="{FF2B5EF4-FFF2-40B4-BE49-F238E27FC236}">
+                <a16:creationId xmlns:a16="http://schemas.microsoft.com/office/drawing/2014/main" id="{869F120B-FAB9-DE59-65FA-477FB360D7C0}"/>
+              </a:ext>
+            </a:extLst>
+          </p:cNvPr>
+          <p:cNvSpPr>
+            <a:spLocks noGrp="1"/>
+          </p:cNvSpPr>
+          <p:nvPr>
+            <p:ph type="body" idx="1"/>
+          </p:nvPr>
+        </p:nvSpPr>
+        <p:spPr/>
+        <p:txBody>
+          <a:bodyPr>
+            <a:normAutofit fontScale="47500" lnSpcReduction="20000"/>
+          </a:bodyPr>
+          <a:lstStyle/>
+          <a:p>
+            <a:pPr marL="0" marR="0" lvl="0" indent="0" algn="l" defTabSz="914400" rtl="0" eaLnBrk="0" fontAlgn="base" latinLnBrk="0" hangingPunct="0">
+              <a:lnSpc>
+                <a:spcPct val="100000"/>
+              </a:lnSpc>
+              <a:spcBef>
+                <a:spcPct val="30000"/>
+              </a:spcBef>
+              <a:spcAft>
+                <a:spcPct val="0"/>
+              </a:spcAft>
+              <a:buClrTx/>
+              <a:buSzTx/>
+              <a:buFontTx/>
+              <a:buNone/>
+              <a:tabLst/>
+              <a:defRPr/>
+            </a:pPr>
+            <a:r>
+              <a:rPr lang="en-US" sz="1400" dirty="0"/>
+              <a:t>Procedural Steps:</a:t>
+            </a:r>
+          </a:p>
+          <a:p>
+            <a:pPr marL="0" marR="0" lvl="0" indent="0" algn="l" defTabSz="914400" rtl="0" eaLnBrk="0" fontAlgn="base" latinLnBrk="0" hangingPunct="0">
+              <a:lnSpc>
+                <a:spcPct val="100000"/>
+              </a:lnSpc>
+              <a:spcBef>
+                <a:spcPct val="30000"/>
+              </a:spcBef>
+              <a:spcAft>
+                <a:spcPct val="0"/>
+              </a:spcAft>
+              <a:buClrTx/>
+              <a:buSzTx/>
+              <a:buFontTx/>
+              <a:buNone/>
+              <a:tabLst/>
+              <a:defRPr/>
+            </a:pPr>
+            <a:r>
+              <a:rPr lang="en-US" sz="1400" dirty="0"/>
+              <a:t>1. Initiate a Friendly, Everyday Conversation:  </a:t>
+            </a:r>
+          </a:p>
+          <a:p>
+            <a:pPr marL="0" marR="0" lvl="0" indent="0" algn="l" defTabSz="914400" rtl="0" eaLnBrk="0" fontAlgn="base" latinLnBrk="0" hangingPunct="0">
+              <a:lnSpc>
+                <a:spcPct val="100000"/>
+              </a:lnSpc>
+              <a:spcBef>
+                <a:spcPct val="30000"/>
+              </a:spcBef>
+              <a:spcAft>
+                <a:spcPct val="0"/>
+              </a:spcAft>
+              <a:buClrTx/>
+              <a:buSzTx/>
+              <a:buFontTx/>
+              <a:buNone/>
+              <a:tabLst/>
+              <a:defRPr/>
+            </a:pPr>
+            <a:r>
+              <a:rPr lang="en-US" sz="1400" dirty="0"/>
+              <a:t>   Begin with non-confrontational, casual discussion—sometimes called “icebreakers”—to establish rapport.</a:t>
+            </a:r>
+          </a:p>
+          <a:p>
+            <a:pPr marL="0" marR="0" lvl="0" indent="0" algn="l" defTabSz="914400" rtl="0" eaLnBrk="0" fontAlgn="base" latinLnBrk="0" hangingPunct="0">
+              <a:lnSpc>
+                <a:spcPct val="100000"/>
+              </a:lnSpc>
+              <a:spcBef>
+                <a:spcPct val="30000"/>
+              </a:spcBef>
+              <a:spcAft>
+                <a:spcPct val="0"/>
+              </a:spcAft>
+              <a:buClrTx/>
+              <a:buSzTx/>
+              <a:buFontTx/>
+              <a:buNone/>
+              <a:tabLst/>
+              <a:defRPr/>
+            </a:pPr>
+            <a:endParaRPr lang="en-US" sz="1400" dirty="0"/>
+          </a:p>
+          <a:p>
+            <a:pPr marL="0" marR="0" lvl="0" indent="0" algn="l" defTabSz="914400" rtl="0" eaLnBrk="0" fontAlgn="base" latinLnBrk="0" hangingPunct="0">
+              <a:lnSpc>
+                <a:spcPct val="100000"/>
+              </a:lnSpc>
+              <a:spcBef>
+                <a:spcPct val="30000"/>
+              </a:spcBef>
+              <a:spcAft>
+                <a:spcPct val="0"/>
+              </a:spcAft>
+              <a:buClrTx/>
+              <a:buSzTx/>
+              <a:buFontTx/>
+              <a:buNone/>
+              <a:tabLst/>
+              <a:defRPr/>
+            </a:pPr>
+            <a:r>
+              <a:rPr lang="en-US" sz="1400" dirty="0"/>
+              <a:t>2. Transition to Spiritual Topics Naturally:  </a:t>
+            </a:r>
+          </a:p>
+          <a:p>
+            <a:pPr marL="0" marR="0" lvl="0" indent="0" algn="l" defTabSz="914400" rtl="0" eaLnBrk="0" fontAlgn="base" latinLnBrk="0" hangingPunct="0">
+              <a:lnSpc>
+                <a:spcPct val="100000"/>
+              </a:lnSpc>
+              <a:spcBef>
+                <a:spcPct val="30000"/>
+              </a:spcBef>
+              <a:spcAft>
+                <a:spcPct val="0"/>
+              </a:spcAft>
+              <a:buClrTx/>
+              <a:buSzTx/>
+              <a:buFontTx/>
+              <a:buNone/>
+              <a:tabLst/>
+              <a:defRPr/>
+            </a:pPr>
+            <a:r>
+              <a:rPr lang="en-US" sz="1400" dirty="0"/>
+              <a:t>   Gently guide the conversation toward spiritual matters. Ask questions like, “Do you believe in an afterlife?” or “What do you think happens after we die?” This segues into a deeper discussion without abruptness.</a:t>
+            </a:r>
+          </a:p>
+          <a:p>
+            <a:pPr marL="0" marR="0" lvl="0" indent="0" algn="l" defTabSz="914400" rtl="0" eaLnBrk="0" fontAlgn="base" latinLnBrk="0" hangingPunct="0">
+              <a:lnSpc>
+                <a:spcPct val="100000"/>
+              </a:lnSpc>
+              <a:spcBef>
+                <a:spcPct val="30000"/>
+              </a:spcBef>
+              <a:spcAft>
+                <a:spcPct val="0"/>
+              </a:spcAft>
+              <a:buClrTx/>
+              <a:buSzTx/>
+              <a:buFontTx/>
+              <a:buNone/>
+              <a:tabLst/>
+              <a:defRPr/>
+            </a:pPr>
+            <a:endParaRPr lang="en-US" sz="1400" dirty="0"/>
+          </a:p>
+          <a:p>
+            <a:pPr marL="0" marR="0" lvl="0" indent="0" algn="l" defTabSz="914400" rtl="0" eaLnBrk="0" fontAlgn="base" latinLnBrk="0" hangingPunct="0">
+              <a:lnSpc>
+                <a:spcPct val="100000"/>
+              </a:lnSpc>
+              <a:spcBef>
+                <a:spcPct val="30000"/>
+              </a:spcBef>
+              <a:spcAft>
+                <a:spcPct val="0"/>
+              </a:spcAft>
+              <a:buClrTx/>
+              <a:buSzTx/>
+              <a:buFontTx/>
+              <a:buNone/>
+              <a:tabLst/>
+              <a:defRPr/>
+            </a:pPr>
+            <a:r>
+              <a:rPr lang="en-US" sz="1400" dirty="0"/>
+              <a:t>3. Ask About Personal Goodness:  </a:t>
+            </a:r>
+          </a:p>
+          <a:p>
+            <a:pPr marL="0" marR="0" lvl="0" indent="0" algn="l" defTabSz="914400" rtl="0" eaLnBrk="0" fontAlgn="base" latinLnBrk="0" hangingPunct="0">
+              <a:lnSpc>
+                <a:spcPct val="100000"/>
+              </a:lnSpc>
+              <a:spcBef>
+                <a:spcPct val="30000"/>
+              </a:spcBef>
+              <a:spcAft>
+                <a:spcPct val="0"/>
+              </a:spcAft>
+              <a:buClrTx/>
+              <a:buSzTx/>
+              <a:buFontTx/>
+              <a:buNone/>
+              <a:tabLst/>
+              <a:defRPr/>
+            </a:pPr>
+            <a:r>
+              <a:rPr lang="en-US" sz="1400" dirty="0"/>
+              <a:t>   Prompt the individual to consider their own moral standing: “Do you think you’re a good person?” Most people will affirm that they are “good” by their own standards.</a:t>
+            </a:r>
+          </a:p>
+          <a:p>
+            <a:pPr marL="0" marR="0" lvl="0" indent="0" algn="l" defTabSz="914400" rtl="0" eaLnBrk="0" fontAlgn="base" latinLnBrk="0" hangingPunct="0">
+              <a:lnSpc>
+                <a:spcPct val="100000"/>
+              </a:lnSpc>
+              <a:spcBef>
+                <a:spcPct val="30000"/>
+              </a:spcBef>
+              <a:spcAft>
+                <a:spcPct val="0"/>
+              </a:spcAft>
+              <a:buClrTx/>
+              <a:buSzTx/>
+              <a:buFontTx/>
+              <a:buNone/>
+              <a:tabLst/>
+              <a:defRPr/>
+            </a:pPr>
+            <a:endParaRPr lang="en-US" sz="1400" dirty="0"/>
+          </a:p>
+          <a:p>
+            <a:pPr marL="0" marR="0" lvl="0" indent="0" algn="l" defTabSz="914400" rtl="0" eaLnBrk="0" fontAlgn="base" latinLnBrk="0" hangingPunct="0">
+              <a:lnSpc>
+                <a:spcPct val="100000"/>
+              </a:lnSpc>
+              <a:spcBef>
+                <a:spcPct val="30000"/>
+              </a:spcBef>
+              <a:spcAft>
+                <a:spcPct val="0"/>
+              </a:spcAft>
+              <a:buClrTx/>
+              <a:buSzTx/>
+              <a:buFontTx/>
+              <a:buNone/>
+              <a:tabLst/>
+              <a:defRPr/>
+            </a:pPr>
+            <a:r>
+              <a:rPr lang="en-US" sz="1400" dirty="0"/>
+              <a:t>4. Use the Ten Commandments as a Moral Standard:  </a:t>
+            </a:r>
+          </a:p>
+          <a:p>
+            <a:pPr marL="0" marR="0" lvl="0" indent="0" algn="l" defTabSz="914400" rtl="0" eaLnBrk="0" fontAlgn="base" latinLnBrk="0" hangingPunct="0">
+              <a:lnSpc>
+                <a:spcPct val="100000"/>
+              </a:lnSpc>
+              <a:spcBef>
+                <a:spcPct val="30000"/>
+              </a:spcBef>
+              <a:spcAft>
+                <a:spcPct val="0"/>
+              </a:spcAft>
+              <a:buClrTx/>
+              <a:buSzTx/>
+              <a:buFontTx/>
+              <a:buNone/>
+              <a:tabLst/>
+              <a:defRPr/>
+            </a:pPr>
+            <a:r>
+              <a:rPr lang="en-US" sz="1400" dirty="0"/>
+              <a:t>   Introduce specific commandments (e.g., lying, stealing, lust, using God’s name in vain) to help the person measure themselves against God’s moral law. Ask questions like, “Have you ever told a lie?” or “Have you ever taken something that didn’t belong to you?”</a:t>
+            </a:r>
+          </a:p>
+          <a:p>
+            <a:pPr marL="0" marR="0" lvl="0" indent="0" algn="l" defTabSz="914400" rtl="0" eaLnBrk="0" fontAlgn="base" latinLnBrk="0" hangingPunct="0">
+              <a:lnSpc>
+                <a:spcPct val="100000"/>
+              </a:lnSpc>
+              <a:spcBef>
+                <a:spcPct val="30000"/>
+              </a:spcBef>
+              <a:spcAft>
+                <a:spcPct val="0"/>
+              </a:spcAft>
+              <a:buClrTx/>
+              <a:buSzTx/>
+              <a:buFontTx/>
+              <a:buNone/>
+              <a:tabLst/>
+              <a:defRPr/>
+            </a:pPr>
+            <a:endParaRPr lang="en-US" sz="1400" dirty="0"/>
+          </a:p>
+          <a:p>
+            <a:pPr marL="0" marR="0" lvl="0" indent="0" algn="l" defTabSz="914400" rtl="0" eaLnBrk="0" fontAlgn="base" latinLnBrk="0" hangingPunct="0">
+              <a:lnSpc>
+                <a:spcPct val="100000"/>
+              </a:lnSpc>
+              <a:spcBef>
+                <a:spcPct val="30000"/>
+              </a:spcBef>
+              <a:spcAft>
+                <a:spcPct val="0"/>
+              </a:spcAft>
+              <a:buClrTx/>
+              <a:buSzTx/>
+              <a:buFontTx/>
+              <a:buNone/>
+              <a:tabLst/>
+              <a:defRPr/>
+            </a:pPr>
+            <a:r>
+              <a:rPr lang="en-US" sz="1400" dirty="0"/>
+              <a:t>5. Reveal the Guilty Verdict:  </a:t>
+            </a:r>
+          </a:p>
+          <a:p>
+            <a:pPr marL="0" marR="0" lvl="0" indent="0" algn="l" defTabSz="914400" rtl="0" eaLnBrk="0" fontAlgn="base" latinLnBrk="0" hangingPunct="0">
+              <a:lnSpc>
+                <a:spcPct val="100000"/>
+              </a:lnSpc>
+              <a:spcBef>
+                <a:spcPct val="30000"/>
+              </a:spcBef>
+              <a:spcAft>
+                <a:spcPct val="0"/>
+              </a:spcAft>
+              <a:buClrTx/>
+              <a:buSzTx/>
+              <a:buFontTx/>
+              <a:buNone/>
+              <a:tabLst/>
+              <a:defRPr/>
+            </a:pPr>
+            <a:r>
+              <a:rPr lang="en-US" sz="1400" dirty="0"/>
+              <a:t>   Once the person acknowledges they have broken these commandments, gently point out that by their own admission, they are a lying, stealing law-breaker in God’s eyes. This aims to awaken the conscience and bring a sense of moral accountability.</a:t>
+            </a:r>
+          </a:p>
+          <a:p>
+            <a:pPr marL="0" marR="0" lvl="0" indent="0" algn="l" defTabSz="914400" rtl="0" eaLnBrk="0" fontAlgn="base" latinLnBrk="0" hangingPunct="0">
+              <a:lnSpc>
+                <a:spcPct val="100000"/>
+              </a:lnSpc>
+              <a:spcBef>
+                <a:spcPct val="30000"/>
+              </a:spcBef>
+              <a:spcAft>
+                <a:spcPct val="0"/>
+              </a:spcAft>
+              <a:buClrTx/>
+              <a:buSzTx/>
+              <a:buFontTx/>
+              <a:buNone/>
+              <a:tabLst/>
+              <a:defRPr/>
+            </a:pPr>
+            <a:endParaRPr lang="en-US" sz="1400" dirty="0"/>
+          </a:p>
+          <a:p>
+            <a:pPr marL="0" marR="0" lvl="0" indent="0" algn="l" defTabSz="914400" rtl="0" eaLnBrk="0" fontAlgn="base" latinLnBrk="0" hangingPunct="0">
+              <a:lnSpc>
+                <a:spcPct val="100000"/>
+              </a:lnSpc>
+              <a:spcBef>
+                <a:spcPct val="30000"/>
+              </a:spcBef>
+              <a:spcAft>
+                <a:spcPct val="0"/>
+              </a:spcAft>
+              <a:buClrTx/>
+              <a:buSzTx/>
+              <a:buFontTx/>
+              <a:buNone/>
+              <a:tabLst/>
+              <a:defRPr/>
+            </a:pPr>
+            <a:r>
+              <a:rPr lang="en-US" sz="1400" dirty="0"/>
+              <a:t>6. Explain the Consequences of Sin:  </a:t>
+            </a:r>
+          </a:p>
+          <a:p>
+            <a:pPr marL="0" marR="0" lvl="0" indent="0" algn="l" defTabSz="914400" rtl="0" eaLnBrk="0" fontAlgn="base" latinLnBrk="0" hangingPunct="0">
+              <a:lnSpc>
+                <a:spcPct val="100000"/>
+              </a:lnSpc>
+              <a:spcBef>
+                <a:spcPct val="30000"/>
+              </a:spcBef>
+              <a:spcAft>
+                <a:spcPct val="0"/>
+              </a:spcAft>
+              <a:buClrTx/>
+              <a:buSzTx/>
+              <a:buFontTx/>
+              <a:buNone/>
+              <a:tabLst/>
+              <a:defRPr/>
+            </a:pPr>
+            <a:r>
+              <a:rPr lang="en-US" sz="1400" dirty="0"/>
+              <a:t>   Show that breaking God’s law is serious and deserves just punishment. “If God is perfectly just, would He find you innocent or guilty?” The answer reveals the need for rescue.</a:t>
+            </a:r>
+          </a:p>
+          <a:p>
+            <a:pPr marL="0" marR="0" lvl="0" indent="0" algn="l" defTabSz="914400" rtl="0" eaLnBrk="0" fontAlgn="base" latinLnBrk="0" hangingPunct="0">
+              <a:lnSpc>
+                <a:spcPct val="100000"/>
+              </a:lnSpc>
+              <a:spcBef>
+                <a:spcPct val="30000"/>
+              </a:spcBef>
+              <a:spcAft>
+                <a:spcPct val="0"/>
+              </a:spcAft>
+              <a:buClrTx/>
+              <a:buSzTx/>
+              <a:buFontTx/>
+              <a:buNone/>
+              <a:tabLst/>
+              <a:defRPr/>
+            </a:pPr>
+            <a:endParaRPr lang="en-US" sz="1400" dirty="0"/>
+          </a:p>
+          <a:p>
+            <a:pPr marL="0" marR="0" lvl="0" indent="0" algn="l" defTabSz="914400" rtl="0" eaLnBrk="0" fontAlgn="base" latinLnBrk="0" hangingPunct="0">
+              <a:lnSpc>
+                <a:spcPct val="100000"/>
+              </a:lnSpc>
+              <a:spcBef>
+                <a:spcPct val="30000"/>
+              </a:spcBef>
+              <a:spcAft>
+                <a:spcPct val="0"/>
+              </a:spcAft>
+              <a:buClrTx/>
+              <a:buSzTx/>
+              <a:buFontTx/>
+              <a:buNone/>
+              <a:tabLst/>
+              <a:defRPr/>
+            </a:pPr>
+            <a:r>
+              <a:rPr lang="en-US" sz="1400" dirty="0"/>
+              <a:t>7. Present Jesus Christ as the Solution:  </a:t>
+            </a:r>
+          </a:p>
+          <a:p>
+            <a:pPr marL="0" marR="0" lvl="0" indent="0" algn="l" defTabSz="914400" rtl="0" eaLnBrk="0" fontAlgn="base" latinLnBrk="0" hangingPunct="0">
+              <a:lnSpc>
+                <a:spcPct val="100000"/>
+              </a:lnSpc>
+              <a:spcBef>
+                <a:spcPct val="30000"/>
+              </a:spcBef>
+              <a:spcAft>
+                <a:spcPct val="0"/>
+              </a:spcAft>
+              <a:buClrTx/>
+              <a:buSzTx/>
+              <a:buFontTx/>
+              <a:buNone/>
+              <a:tabLst/>
+              <a:defRPr/>
+            </a:pPr>
+            <a:r>
+              <a:rPr lang="en-US" sz="1400" dirty="0"/>
+              <a:t>   Having established guilt, now explain the gospel: God, in His love, sent Jesus to take the punishment we deserve. Jesus died and rose again, satisfying God’s justice and offering mercy.</a:t>
+            </a:r>
+          </a:p>
+          <a:p>
+            <a:pPr marL="0" marR="0" lvl="0" indent="0" algn="l" defTabSz="914400" rtl="0" eaLnBrk="0" fontAlgn="base" latinLnBrk="0" hangingPunct="0">
+              <a:lnSpc>
+                <a:spcPct val="100000"/>
+              </a:lnSpc>
+              <a:spcBef>
+                <a:spcPct val="30000"/>
+              </a:spcBef>
+              <a:spcAft>
+                <a:spcPct val="0"/>
+              </a:spcAft>
+              <a:buClrTx/>
+              <a:buSzTx/>
+              <a:buFontTx/>
+              <a:buNone/>
+              <a:tabLst/>
+              <a:defRPr/>
+            </a:pPr>
+            <a:endParaRPr lang="en-US" sz="1400" dirty="0"/>
+          </a:p>
+          <a:p>
+            <a:pPr marL="0" marR="0" lvl="0" indent="0" algn="l" defTabSz="914400" rtl="0" eaLnBrk="0" fontAlgn="base" latinLnBrk="0" hangingPunct="0">
+              <a:lnSpc>
+                <a:spcPct val="100000"/>
+              </a:lnSpc>
+              <a:spcBef>
+                <a:spcPct val="30000"/>
+              </a:spcBef>
+              <a:spcAft>
+                <a:spcPct val="0"/>
+              </a:spcAft>
+              <a:buClrTx/>
+              <a:buSzTx/>
+              <a:buFontTx/>
+              <a:buNone/>
+              <a:tabLst/>
+              <a:defRPr/>
+            </a:pPr>
+            <a:r>
+              <a:rPr lang="en-US" sz="1400" dirty="0"/>
+              <a:t>8. Encourage Repentance, Faith, and Baptism:  </a:t>
+            </a:r>
+          </a:p>
+          <a:p>
+            <a:pPr marL="0" marR="0" lvl="0" indent="0" algn="l" defTabSz="914400" rtl="0" eaLnBrk="0" fontAlgn="base" latinLnBrk="0" hangingPunct="0">
+              <a:lnSpc>
+                <a:spcPct val="100000"/>
+              </a:lnSpc>
+              <a:spcBef>
+                <a:spcPct val="30000"/>
+              </a:spcBef>
+              <a:spcAft>
+                <a:spcPct val="0"/>
+              </a:spcAft>
+              <a:buClrTx/>
+              <a:buSzTx/>
+              <a:buFontTx/>
+              <a:buNone/>
+              <a:tabLst/>
+              <a:defRPr/>
+            </a:pPr>
+            <a:r>
+              <a:rPr lang="en-US" sz="1400" dirty="0"/>
+              <a:t>   Invite the person to turn away from sin and place their trust in Jesus’ finished work on the cross. Emphasize that eternal life is a gift—not earned by good deeds, but granted through faith in Christ.</a:t>
+            </a:r>
+          </a:p>
+          <a:p>
+            <a:pPr marL="0" marR="0" lvl="0" indent="0" algn="l" defTabSz="914400" rtl="0" eaLnBrk="0" fontAlgn="base" latinLnBrk="0" hangingPunct="0">
+              <a:lnSpc>
+                <a:spcPct val="100000"/>
+              </a:lnSpc>
+              <a:spcBef>
+                <a:spcPct val="30000"/>
+              </a:spcBef>
+              <a:spcAft>
+                <a:spcPct val="0"/>
+              </a:spcAft>
+              <a:buClrTx/>
+              <a:buSzTx/>
+              <a:buFontTx/>
+              <a:buNone/>
+              <a:tabLst/>
+              <a:defRPr/>
+            </a:pPr>
+            <a:endParaRPr lang="en-US" sz="1400" dirty="0"/>
+          </a:p>
+          <a:p>
+            <a:pPr marL="0" marR="0" lvl="0" indent="0" algn="l" defTabSz="914400" rtl="0" eaLnBrk="0" fontAlgn="base" latinLnBrk="0" hangingPunct="0">
+              <a:lnSpc>
+                <a:spcPct val="100000"/>
+              </a:lnSpc>
+              <a:spcBef>
+                <a:spcPct val="30000"/>
+              </a:spcBef>
+              <a:spcAft>
+                <a:spcPct val="0"/>
+              </a:spcAft>
+              <a:buClrTx/>
+              <a:buSzTx/>
+              <a:buFontTx/>
+              <a:buNone/>
+              <a:tabLst/>
+              <a:defRPr/>
+            </a:pPr>
+            <a:r>
+              <a:rPr lang="en-US" sz="1400" dirty="0"/>
+              <a:t>9. Provide Follow-Up Discipleship, Resources, and Encouragement:  </a:t>
+            </a:r>
+          </a:p>
+          <a:p>
+            <a:pPr marL="0" marR="0" lvl="0" indent="0" algn="l" defTabSz="914400" rtl="0" eaLnBrk="0" fontAlgn="base" latinLnBrk="0" hangingPunct="0">
+              <a:lnSpc>
+                <a:spcPct val="100000"/>
+              </a:lnSpc>
+              <a:spcBef>
+                <a:spcPct val="30000"/>
+              </a:spcBef>
+              <a:spcAft>
+                <a:spcPct val="0"/>
+              </a:spcAft>
+              <a:buClrTx/>
+              <a:buSzTx/>
+              <a:buFontTx/>
+              <a:buNone/>
+              <a:tabLst/>
+              <a:defRPr/>
+            </a:pPr>
+            <a:r>
+              <a:rPr lang="en-US" sz="1400" dirty="0"/>
+              <a:t>   If the person seems receptive, recommend reading the Bible (e.g., starting with the Gospel of John), attending a sound, Bible-teaching church, or exploring more resources to nurture their understanding of the faith.</a:t>
+            </a:r>
+          </a:p>
+        </p:txBody>
+      </p:sp>
+      <p:sp>
+        <p:nvSpPr>
+          <p:cNvPr id="4" name="Slide Number Placeholder 3">
+            <a:extLst>
+              <a:ext uri="{FF2B5EF4-FFF2-40B4-BE49-F238E27FC236}">
+                <a16:creationId xmlns:a16="http://schemas.microsoft.com/office/drawing/2014/main" id="{0915FF58-A2EA-9AA1-7D82-2078B75F9579}"/>
+              </a:ext>
+            </a:extLst>
+          </p:cNvPr>
+          <p:cNvSpPr>
+            <a:spLocks noGrp="1"/>
+          </p:cNvSpPr>
+          <p:nvPr>
+            <p:ph type="sldNum" sz="quarter" idx="5"/>
+          </p:nvPr>
+        </p:nvSpPr>
+        <p:spPr/>
+        <p:txBody>
+          <a:bodyPr/>
+          <a:lstStyle/>
+          <a:p>
+            <a:pPr>
+              <a:defRPr/>
+            </a:pPr>
+            <a:fld id="{07776858-791E-4C8D-8FA3-473B3AFECFAC}" type="slidenum">
+              <a:rPr lang="en-US" smtClean="0"/>
+              <a:pPr>
+                <a:defRPr/>
+              </a:pPr>
+              <a:t>6</a:t>
+            </a:fld>
+            <a:endParaRPr lang="en-US"/>
+          </a:p>
+        </p:txBody>
+      </p:sp>
+    </p:spTree>
+    <p:extLst>
+      <p:ext uri="{BB962C8B-B14F-4D97-AF65-F5344CB8AC3E}">
+        <p14:creationId xmlns:p14="http://schemas.microsoft.com/office/powerpoint/2010/main" val="2848083681"/>
+      </p:ext>
+    </p:extLst>
+  </p:cSld>
+  <p:clrMapOvr>
+    <a:masterClrMapping/>
+  </p:clrMapOvr>
+</p:notes>
+</file>
+
+<file path=ppt/notesSlides/notesSlide7.xml><?xml version="1.0" encoding="utf-8"?>
+<p:notes xmlns:a="http://schemas.openxmlformats.org/drawingml/2006/main" xmlns:r="http://schemas.openxmlformats.org/officeDocument/2006/relationships" xmlns:p="http://schemas.openxmlformats.org/presentationml/2006/main">
+  <p:cSld>
+    <p:spTree>
+      <p:nvGrpSpPr>
+        <p:cNvPr id="1" name="">
+          <a:extLst>
+            <a:ext uri="{FF2B5EF4-FFF2-40B4-BE49-F238E27FC236}">
+              <a16:creationId xmlns:a16="http://schemas.microsoft.com/office/drawing/2014/main" id="{6421AFEC-B7CA-E18E-47D0-F721CF9A786B}"/>
+            </a:ext>
+          </a:extLst>
+        </p:cNvPr>
+        <p:cNvGrpSpPr/>
+        <p:nvPr/>
+      </p:nvGrpSpPr>
+      <p:grpSpPr>
+        <a:xfrm>
+          <a:off x="0" y="0"/>
+          <a:ext cx="0" cy="0"/>
+          <a:chOff x="0" y="0"/>
+          <a:chExt cx="0" cy="0"/>
+        </a:xfrm>
+      </p:grpSpPr>
+      <p:sp>
+        <p:nvSpPr>
+          <p:cNvPr id="2" name="Slide Image Placeholder 1">
+            <a:extLst>
+              <a:ext uri="{FF2B5EF4-FFF2-40B4-BE49-F238E27FC236}">
+                <a16:creationId xmlns:a16="http://schemas.microsoft.com/office/drawing/2014/main" id="{74D89E66-0235-F65E-47D9-A01D8C9EAC8C}"/>
+              </a:ext>
+            </a:extLst>
+          </p:cNvPr>
+          <p:cNvSpPr>
+            <a:spLocks noGrp="1" noRot="1" noChangeAspect="1"/>
+          </p:cNvSpPr>
+          <p:nvPr>
+            <p:ph type="sldImg"/>
+          </p:nvPr>
+        </p:nvSpPr>
+        <p:spPr/>
+      </p:sp>
+      <p:sp>
+        <p:nvSpPr>
+          <p:cNvPr id="3" name="Notes Placeholder 2">
+            <a:extLst>
+              <a:ext uri="{FF2B5EF4-FFF2-40B4-BE49-F238E27FC236}">
+                <a16:creationId xmlns:a16="http://schemas.microsoft.com/office/drawing/2014/main" id="{399872F4-9D82-0F9D-07ED-01114D9F951A}"/>
+              </a:ext>
+            </a:extLst>
+          </p:cNvPr>
+          <p:cNvSpPr>
+            <a:spLocks noGrp="1"/>
+          </p:cNvSpPr>
+          <p:nvPr>
+            <p:ph type="body" idx="1"/>
+          </p:nvPr>
+        </p:nvSpPr>
+        <p:spPr/>
+        <p:txBody>
+          <a:bodyPr>
+            <a:normAutofit/>
+          </a:bodyPr>
+          <a:lstStyle/>
+          <a:p>
+            <a:pPr>
+              <a:buFont typeface="Arial" panose="020B0604020202020204" pitchFamily="34" charset="0"/>
+              <a:buNone/>
+            </a:pPr>
+            <a:endParaRPr lang="en-US" sz="1400" dirty="0"/>
+          </a:p>
+        </p:txBody>
+      </p:sp>
+      <p:sp>
+        <p:nvSpPr>
+          <p:cNvPr id="4" name="Slide Number Placeholder 3">
+            <a:extLst>
+              <a:ext uri="{FF2B5EF4-FFF2-40B4-BE49-F238E27FC236}">
+                <a16:creationId xmlns:a16="http://schemas.microsoft.com/office/drawing/2014/main" id="{FA59E22C-FB98-4633-D06F-80F91587AEE0}"/>
+              </a:ext>
+            </a:extLst>
+          </p:cNvPr>
+          <p:cNvSpPr>
+            <a:spLocks noGrp="1"/>
+          </p:cNvSpPr>
+          <p:nvPr>
+            <p:ph type="sldNum" sz="quarter" idx="5"/>
+          </p:nvPr>
+        </p:nvSpPr>
+        <p:spPr/>
+        <p:txBody>
+          <a:bodyPr/>
+          <a:lstStyle/>
+          <a:p>
+            <a:pPr>
+              <a:defRPr/>
+            </a:pPr>
+            <a:fld id="{07776858-791E-4C8D-8FA3-473B3AFECFAC}" type="slidenum">
+              <a:rPr lang="en-US" smtClean="0"/>
+              <a:pPr>
+                <a:defRPr/>
+              </a:pPr>
+              <a:t>7</a:t>
+            </a:fld>
+            <a:endParaRPr lang="en-US"/>
+          </a:p>
+        </p:txBody>
+      </p:sp>
+    </p:spTree>
+    <p:extLst>
+      <p:ext uri="{BB962C8B-B14F-4D97-AF65-F5344CB8AC3E}">
+        <p14:creationId xmlns:p14="http://schemas.microsoft.com/office/powerpoint/2010/main" val="1313360727"/>
+      </p:ext>
+    </p:extLst>
+  </p:cSld>
+  <p:clrMapOvr>
+    <a:masterClrMapping/>
+  </p:clrMapOvr>
+</p:notes>
+</file>
+
+<file path=ppt/notesSlides/notesSlide8.xml><?xml version="1.0" encoding="utf-8"?>
 <p:notes xmlns:a="http://schemas.openxmlformats.org/drawingml/2006/main" xmlns:r="http://schemas.openxmlformats.org/officeDocument/2006/relationships" xmlns:p="http://schemas.openxmlformats.org/presentationml/2006/main">
   <p:cSld>
     <p:spTree>
@@ -2106,7 +3496,7 @@
               <a:pPr>
                 <a:defRPr/>
               </a:pPr>
-              <a:t>6</a:t>
+              <a:t>8</a:t>
             </a:fld>
             <a:endParaRPr lang="en-US"/>
           </a:p>
@@ -2125,7 +3515,7 @@
 </p:notes>
 </file>
 
-<file path=ppt/notesSlides/notesSlide7.xml><?xml version="1.0" encoding="utf-8"?>
+<file path=ppt/notesSlides/notesSlide9.xml><?xml version="1.0" encoding="utf-8"?>
 <p:notes xmlns:a="http://schemas.openxmlformats.org/drawingml/2006/main" xmlns:r="http://schemas.openxmlformats.org/officeDocument/2006/relationships" xmlns:p="http://schemas.openxmlformats.org/presentationml/2006/main">
   <p:cSld>
     <p:spTree>
@@ -2226,7 +3616,7 @@
               <a:pPr>
                 <a:defRPr/>
               </a:pPr>
-              <a:t>7</a:t>
+              <a:t>9</a:t>
             </a:fld>
             <a:endParaRPr lang="en-US"/>
           </a:p>
@@ -2236,238 +3626,6 @@
     <p:extLst>
       <p:ext uri="{BB962C8B-B14F-4D97-AF65-F5344CB8AC3E}">
         <p14:creationId xmlns:p14="http://schemas.microsoft.com/office/powerpoint/2010/main" val="2285513602"/>
-      </p:ext>
-    </p:extLst>
-  </p:cSld>
-  <p:clrMapOvr>
-    <a:masterClrMapping/>
-  </p:clrMapOvr>
-</p:notes>
-</file>
-
-<file path=ppt/notesSlides/notesSlide8.xml><?xml version="1.0" encoding="utf-8"?>
-<p:notes xmlns:a="http://schemas.openxmlformats.org/drawingml/2006/main" xmlns:r="http://schemas.openxmlformats.org/officeDocument/2006/relationships" xmlns:p="http://schemas.openxmlformats.org/presentationml/2006/main">
-  <p:cSld>
-    <p:spTree>
-      <p:nvGrpSpPr>
-        <p:cNvPr id="1" name="">
-          <a:extLst>
-            <a:ext uri="{FF2B5EF4-FFF2-40B4-BE49-F238E27FC236}">
-              <a16:creationId xmlns:a16="http://schemas.microsoft.com/office/drawing/2014/main" id="{BA8B3DA7-28A7-32F1-C29E-C9BBE0A174CE}"/>
-            </a:ext>
-          </a:extLst>
-        </p:cNvPr>
-        <p:cNvGrpSpPr/>
-        <p:nvPr/>
-      </p:nvGrpSpPr>
-      <p:grpSpPr>
-        <a:xfrm>
-          <a:off x="0" y="0"/>
-          <a:ext cx="0" cy="0"/>
-          <a:chOff x="0" y="0"/>
-          <a:chExt cx="0" cy="0"/>
-        </a:xfrm>
-      </p:grpSpPr>
-      <p:sp>
-        <p:nvSpPr>
-          <p:cNvPr id="2" name="Slide Image Placeholder 1">
-            <a:extLst>
-              <a:ext uri="{FF2B5EF4-FFF2-40B4-BE49-F238E27FC236}">
-                <a16:creationId xmlns:a16="http://schemas.microsoft.com/office/drawing/2014/main" id="{102A44AD-2521-D119-1AF5-09FD26102A59}"/>
-              </a:ext>
-            </a:extLst>
-          </p:cNvPr>
-          <p:cNvSpPr>
-            <a:spLocks noGrp="1" noRot="1" noChangeAspect="1"/>
-          </p:cNvSpPr>
-          <p:nvPr>
-            <p:ph type="sldImg"/>
-          </p:nvPr>
-        </p:nvSpPr>
-        <p:spPr/>
-      </p:sp>
-      <p:sp>
-        <p:nvSpPr>
-          <p:cNvPr id="3" name="Notes Placeholder 2">
-            <a:extLst>
-              <a:ext uri="{FF2B5EF4-FFF2-40B4-BE49-F238E27FC236}">
-                <a16:creationId xmlns:a16="http://schemas.microsoft.com/office/drawing/2014/main" id="{04C64EA9-5428-E883-4A94-7D7AA4D2790C}"/>
-              </a:ext>
-            </a:extLst>
-          </p:cNvPr>
-          <p:cNvSpPr>
-            <a:spLocks noGrp="1"/>
-          </p:cNvSpPr>
-          <p:nvPr>
-            <p:ph type="body" idx="1"/>
-          </p:nvPr>
-        </p:nvSpPr>
-        <p:spPr/>
-        <p:txBody>
-          <a:bodyPr>
-            <a:normAutofit fontScale="62500" lnSpcReduction="20000"/>
-          </a:bodyPr>
-          <a:lstStyle/>
-          <a:p>
-            <a:endParaRPr lang="en-US" sz="1400" dirty="0"/>
-          </a:p>
-        </p:txBody>
-      </p:sp>
-      <p:sp>
-        <p:nvSpPr>
-          <p:cNvPr id="4" name="Slide Number Placeholder 3">
-            <a:extLst>
-              <a:ext uri="{FF2B5EF4-FFF2-40B4-BE49-F238E27FC236}">
-                <a16:creationId xmlns:a16="http://schemas.microsoft.com/office/drawing/2014/main" id="{37B691EB-342C-25DC-A39B-054D59904C2D}"/>
-              </a:ext>
-            </a:extLst>
-          </p:cNvPr>
-          <p:cNvSpPr>
-            <a:spLocks noGrp="1"/>
-          </p:cNvSpPr>
-          <p:nvPr>
-            <p:ph type="sldNum" sz="quarter" idx="5"/>
-          </p:nvPr>
-        </p:nvSpPr>
-        <p:spPr/>
-        <p:txBody>
-          <a:bodyPr/>
-          <a:lstStyle/>
-          <a:p>
-            <a:pPr>
-              <a:defRPr/>
-            </a:pPr>
-            <a:fld id="{07776858-791E-4C8D-8FA3-473B3AFECFAC}" type="slidenum">
-              <a:rPr lang="en-US" smtClean="0"/>
-              <a:pPr>
-                <a:defRPr/>
-              </a:pPr>
-              <a:t>8</a:t>
-            </a:fld>
-            <a:endParaRPr lang="en-US"/>
-          </a:p>
-        </p:txBody>
-      </p:sp>
-    </p:spTree>
-    <p:extLst>
-      <p:ext uri="{BB962C8B-B14F-4D97-AF65-F5344CB8AC3E}">
-        <p14:creationId xmlns:p14="http://schemas.microsoft.com/office/powerpoint/2010/main" val="1392003126"/>
-      </p:ext>
-    </p:extLst>
-  </p:cSld>
-  <p:clrMapOvr>
-    <a:masterClrMapping/>
-  </p:clrMapOvr>
-</p:notes>
-</file>
-
-<file path=ppt/notesSlides/notesSlide9.xml><?xml version="1.0" encoding="utf-8"?>
-<p:notes xmlns:a="http://schemas.openxmlformats.org/drawingml/2006/main" xmlns:r="http://schemas.openxmlformats.org/officeDocument/2006/relationships" xmlns:p="http://schemas.openxmlformats.org/presentationml/2006/main">
-  <p:cSld>
-    <p:spTree>
-      <p:nvGrpSpPr>
-        <p:cNvPr id="1" name="">
-          <a:extLst>
-            <a:ext uri="{FF2B5EF4-FFF2-40B4-BE49-F238E27FC236}">
-              <a16:creationId xmlns:a16="http://schemas.microsoft.com/office/drawing/2014/main" id="{3EE23555-AEE2-6653-DF12-F979EAC1633F}"/>
-            </a:ext>
-          </a:extLst>
-        </p:cNvPr>
-        <p:cNvGrpSpPr/>
-        <p:nvPr/>
-      </p:nvGrpSpPr>
-      <p:grpSpPr>
-        <a:xfrm>
-          <a:off x="0" y="0"/>
-          <a:ext cx="0" cy="0"/>
-          <a:chOff x="0" y="0"/>
-          <a:chExt cx="0" cy="0"/>
-        </a:xfrm>
-      </p:grpSpPr>
-      <p:sp>
-        <p:nvSpPr>
-          <p:cNvPr id="2" name="Slide Image Placeholder 1">
-            <a:extLst>
-              <a:ext uri="{FF2B5EF4-FFF2-40B4-BE49-F238E27FC236}">
-                <a16:creationId xmlns:a16="http://schemas.microsoft.com/office/drawing/2014/main" id="{759C7D1C-AA1E-0943-9CEB-758AA0465D34}"/>
-              </a:ext>
-            </a:extLst>
-          </p:cNvPr>
-          <p:cNvSpPr>
-            <a:spLocks noGrp="1" noRot="1" noChangeAspect="1"/>
-          </p:cNvSpPr>
-          <p:nvPr>
-            <p:ph type="sldImg"/>
-          </p:nvPr>
-        </p:nvSpPr>
-        <p:spPr/>
-      </p:sp>
-      <p:sp>
-        <p:nvSpPr>
-          <p:cNvPr id="3" name="Notes Placeholder 2">
-            <a:extLst>
-              <a:ext uri="{FF2B5EF4-FFF2-40B4-BE49-F238E27FC236}">
-                <a16:creationId xmlns:a16="http://schemas.microsoft.com/office/drawing/2014/main" id="{81C712D7-843F-AD13-479D-EA2D779769D3}"/>
-              </a:ext>
-            </a:extLst>
-          </p:cNvPr>
-          <p:cNvSpPr>
-            <a:spLocks noGrp="1"/>
-          </p:cNvSpPr>
-          <p:nvPr>
-            <p:ph type="body" idx="1"/>
-          </p:nvPr>
-        </p:nvSpPr>
-        <p:spPr/>
-        <p:txBody>
-          <a:bodyPr>
-            <a:normAutofit fontScale="77500" lnSpcReduction="20000"/>
-          </a:bodyPr>
-          <a:lstStyle/>
-          <a:p>
-            <a:endParaRPr lang="en-US" sz="1400" dirty="0"/>
-          </a:p>
-        </p:txBody>
-      </p:sp>
-      <p:sp>
-        <p:nvSpPr>
-          <p:cNvPr id="4" name="Slide Number Placeholder 3">
-            <a:extLst>
-              <a:ext uri="{FF2B5EF4-FFF2-40B4-BE49-F238E27FC236}">
-                <a16:creationId xmlns:a16="http://schemas.microsoft.com/office/drawing/2014/main" id="{FC993BAD-60F9-D7B1-5474-004E860ADBF7}"/>
-              </a:ext>
-            </a:extLst>
-          </p:cNvPr>
-          <p:cNvSpPr>
-            <a:spLocks noGrp="1"/>
-          </p:cNvSpPr>
-          <p:nvPr>
-            <p:ph type="sldNum" sz="quarter" idx="5"/>
-          </p:nvPr>
-        </p:nvSpPr>
-        <p:spPr/>
-        <p:txBody>
-          <a:bodyPr/>
-          <a:lstStyle/>
-          <a:p>
-            <a:pPr>
-              <a:defRPr/>
-            </a:pPr>
-            <a:fld id="{07776858-791E-4C8D-8FA3-473B3AFECFAC}" type="slidenum">
-              <a:rPr lang="en-US" smtClean="0"/>
-              <a:pPr>
-                <a:defRPr/>
-              </a:pPr>
-              <a:t>9</a:t>
-            </a:fld>
-            <a:endParaRPr lang="en-US"/>
-          </a:p>
-        </p:txBody>
-      </p:sp>
-    </p:spTree>
-    <p:extLst>
-      <p:ext uri="{BB962C8B-B14F-4D97-AF65-F5344CB8AC3E}">
-        <p14:creationId xmlns:p14="http://schemas.microsoft.com/office/powerpoint/2010/main" val="2378845235"/>
       </p:ext>
     </p:extLst>
   </p:cSld>
@@ -4394,6 +5552,1630 @@
 </p:sld>
 </file>
 
+<file path=ppt/slides/slide10.xml><?xml version="1.0" encoding="utf-8"?>
+<p:sld xmlns:a="http://schemas.openxmlformats.org/drawingml/2006/main" xmlns:r="http://schemas.openxmlformats.org/officeDocument/2006/relationships" xmlns:p="http://schemas.openxmlformats.org/presentationml/2006/main">
+  <p:cSld>
+    <p:spTree>
+      <p:nvGrpSpPr>
+        <p:cNvPr id="1" name="">
+          <a:extLst>
+            <a:ext uri="{FF2B5EF4-FFF2-40B4-BE49-F238E27FC236}">
+              <a16:creationId xmlns:a16="http://schemas.microsoft.com/office/drawing/2014/main" id="{C4A0F12E-7211-DA54-2AFA-00D4BE282E7A}"/>
+            </a:ext>
+          </a:extLst>
+        </p:cNvPr>
+        <p:cNvGrpSpPr/>
+        <p:nvPr/>
+      </p:nvGrpSpPr>
+      <p:grpSpPr>
+        <a:xfrm>
+          <a:off x="0" y="0"/>
+          <a:ext cx="0" cy="0"/>
+          <a:chOff x="0" y="0"/>
+          <a:chExt cx="0" cy="0"/>
+        </a:xfrm>
+      </p:grpSpPr>
+      <p:sp>
+        <p:nvSpPr>
+          <p:cNvPr id="4" name="Title 1">
+            <a:extLst>
+              <a:ext uri="{FF2B5EF4-FFF2-40B4-BE49-F238E27FC236}">
+                <a16:creationId xmlns:a16="http://schemas.microsoft.com/office/drawing/2014/main" id="{0171F756-A16B-FC2A-C039-F22A8CD99D1A}"/>
+              </a:ext>
+            </a:extLst>
+          </p:cNvPr>
+          <p:cNvSpPr>
+            <a:spLocks noGrp="1"/>
+          </p:cNvSpPr>
+          <p:nvPr>
+            <p:ph type="title"/>
+          </p:nvPr>
+        </p:nvSpPr>
+        <p:spPr>
+          <a:xfrm>
+            <a:off x="228600" y="7088"/>
+            <a:ext cx="8839200" cy="914400"/>
+          </a:xfrm>
+        </p:spPr>
+        <p:txBody>
+          <a:bodyPr>
+            <a:normAutofit fontScale="90000"/>
+          </a:bodyPr>
+          <a:lstStyle/>
+          <a:p>
+            <a:pPr algn="l"/>
+            <a:r>
+              <a:rPr lang="en-US" sz="3600" dirty="0"/>
+              <a:t>Knowing God – Encouraging Self-Reflection</a:t>
+            </a:r>
+            <a:br>
+              <a:rPr lang="en-US" sz="3600" dirty="0"/>
+            </a:br>
+            <a:r>
+              <a:rPr lang="en-US" sz="2400" dirty="0">
+                <a:solidFill>
+                  <a:schemeClr val="tx2">
+                    <a:lumMod val="60000"/>
+                    <a:lumOff val="40000"/>
+                  </a:schemeClr>
+                </a:solidFill>
+              </a:rPr>
+              <a:t>Questions for the “Religious Man” of Romans 2, 3</a:t>
+            </a:r>
+            <a:endParaRPr lang="en-US" sz="2400" i="1" u="sng" dirty="0">
+              <a:solidFill>
+                <a:schemeClr val="tx2">
+                  <a:lumMod val="60000"/>
+                  <a:lumOff val="40000"/>
+                </a:schemeClr>
+              </a:solidFill>
+            </a:endParaRPr>
+          </a:p>
+        </p:txBody>
+      </p:sp>
+      <p:sp>
+        <p:nvSpPr>
+          <p:cNvPr id="7" name="TextBox 6">
+            <a:extLst>
+              <a:ext uri="{FF2B5EF4-FFF2-40B4-BE49-F238E27FC236}">
+                <a16:creationId xmlns:a16="http://schemas.microsoft.com/office/drawing/2014/main" id="{C94C18F1-EA63-25F5-3DA2-098D88F51D2B}"/>
+              </a:ext>
+            </a:extLst>
+          </p:cNvPr>
+          <p:cNvSpPr txBox="1"/>
+          <p:nvPr/>
+        </p:nvSpPr>
+        <p:spPr>
+          <a:xfrm>
+            <a:off x="76200" y="990600"/>
+            <a:ext cx="8991600" cy="5632311"/>
+          </a:xfrm>
+          <a:prstGeom prst="rect">
+            <a:avLst/>
+          </a:prstGeom>
+          <a:noFill/>
+        </p:spPr>
+        <p:txBody>
+          <a:bodyPr wrap="square">
+            <a:spAutoFit/>
+          </a:bodyPr>
+          <a:lstStyle/>
+          <a:p>
+            <a:r>
+              <a:rPr lang="en-US" sz="2000" b="1" dirty="0">
+                <a:latin typeface="+mn-lt"/>
+              </a:rPr>
+              <a:t>Focus: </a:t>
+            </a:r>
+            <a:r>
+              <a:rPr lang="en-US" sz="2000" b="1" u="sng" dirty="0">
+                <a:latin typeface="+mn-lt"/>
+              </a:rPr>
+              <a:t>The innate desire for God and love for others</a:t>
+            </a:r>
+            <a:r>
+              <a:rPr lang="en-US" sz="2000" b="1" dirty="0">
+                <a:latin typeface="+mn-lt"/>
+              </a:rPr>
+              <a:t> as evidence of divine revelation.</a:t>
+            </a:r>
+          </a:p>
+          <a:p>
+            <a:endParaRPr lang="en-US" sz="2000" dirty="0">
+              <a:latin typeface="+mn-lt"/>
+            </a:endParaRPr>
+          </a:p>
+          <a:p>
+            <a:pPr marL="342900" indent="-342900">
+              <a:buFontTx/>
+              <a:buChar char="-"/>
+            </a:pPr>
+            <a:r>
+              <a:rPr lang="en-US" sz="2000" b="1" dirty="0">
+                <a:latin typeface="+mn-lt"/>
+              </a:rPr>
+              <a:t>“You are seeking a relationship with the divine. Have you considered why this longing is universal across cultures and time, and what that might suggest about a God who designed us to know Him?” </a:t>
+            </a:r>
+          </a:p>
+          <a:p>
+            <a:r>
+              <a:rPr lang="en-US" sz="2000" dirty="0">
+                <a:latin typeface="+mn-lt"/>
+              </a:rPr>
+              <a:t> </a:t>
+            </a:r>
+          </a:p>
+          <a:p>
+            <a:pPr marL="342900" indent="-342900">
+              <a:buFontTx/>
+              <a:buChar char="-"/>
+            </a:pPr>
+            <a:r>
+              <a:rPr lang="en-US" sz="2000" b="1" dirty="0">
+                <a:latin typeface="+mn-lt"/>
+              </a:rPr>
+              <a:t>“Your heart tells you there must be more than what you see around you. Where do you think this spiritual hunger comes from, if not from a Creator who wants to be known?”  </a:t>
+            </a:r>
+          </a:p>
+          <a:p>
+            <a:endParaRPr lang="en-US" sz="2000" dirty="0">
+              <a:latin typeface="+mn-lt"/>
+            </a:endParaRPr>
+          </a:p>
+          <a:p>
+            <a:pPr marL="342900" indent="-342900">
+              <a:buFontTx/>
+              <a:buChar char="-"/>
+            </a:pPr>
+            <a:r>
+              <a:rPr lang="en-US" sz="2000" b="1" dirty="0">
+                <a:latin typeface="+mn-lt"/>
+              </a:rPr>
+              <a:t>“You believe in loving your neighbor, but why should love be a fundamental good unless there is a God who Himself is love and made us in His image?”  </a:t>
+            </a:r>
+          </a:p>
+          <a:p>
+            <a:endParaRPr lang="en-US" sz="2000" dirty="0">
+              <a:latin typeface="+mn-lt"/>
+            </a:endParaRPr>
+          </a:p>
+          <a:p>
+            <a:pPr marL="342900" indent="-342900">
+              <a:buFontTx/>
+              <a:buChar char="-"/>
+            </a:pPr>
+            <a:r>
+              <a:rPr lang="en-US" sz="2000" b="1" dirty="0">
+                <a:latin typeface="+mn-lt"/>
+              </a:rPr>
+              <a:t>“When you pray or meditate, do you sense that you’re reaching out to someone real and personal? Could that Someone be the God who spoke through the prophets and ultimately through Jesus Christ?”</a:t>
+            </a:r>
+          </a:p>
+        </p:txBody>
+      </p:sp>
+    </p:spTree>
+    <p:extLst>
+      <p:ext uri="{BB962C8B-B14F-4D97-AF65-F5344CB8AC3E}">
+        <p14:creationId xmlns:p14="http://schemas.microsoft.com/office/powerpoint/2010/main" val="1407116002"/>
+      </p:ext>
+    </p:extLst>
+  </p:cSld>
+  <p:clrMapOvr>
+    <a:masterClrMapping/>
+  </p:clrMapOvr>
+  <p:timing>
+    <p:tnLst>
+      <p:par>
+        <p:cTn id="1" dur="indefinite" restart="never" nodeType="tmRoot">
+          <p:childTnLst>
+            <p:seq concurrent="1" nextAc="seek">
+              <p:cTn id="2" dur="indefinite" nodeType="mainSeq">
+                <p:childTnLst>
+                  <p:par>
+                    <p:cTn id="3" fill="hold">
+                      <p:stCondLst>
+                        <p:cond delay="indefinite"/>
+                      </p:stCondLst>
+                      <p:childTnLst>
+                        <p:par>
+                          <p:cTn id="4" fill="hold">
+                            <p:stCondLst>
+                              <p:cond delay="0"/>
+                            </p:stCondLst>
+                            <p:childTnLst>
+                              <p:par>
+                                <p:cTn id="5" presetID="42" presetClass="entr" presetSubtype="0" fill="hold" nodeType="clickEffect">
+                                  <p:stCondLst>
+                                    <p:cond delay="0"/>
+                                  </p:stCondLst>
+                                  <p:childTnLst>
+                                    <p:set>
+                                      <p:cBhvr>
+                                        <p:cTn id="6" dur="1" fill="hold">
+                                          <p:stCondLst>
+                                            <p:cond delay="0"/>
+                                          </p:stCondLst>
+                                        </p:cTn>
+                                        <p:tgtEl>
+                                          <p:spTgt spid="7">
+                                            <p:txEl>
+                                              <p:pRg st="0" end="0"/>
+                                            </p:txEl>
+                                          </p:spTgt>
+                                        </p:tgtEl>
+                                        <p:attrNameLst>
+                                          <p:attrName>style.visibility</p:attrName>
+                                        </p:attrNameLst>
+                                      </p:cBhvr>
+                                      <p:to>
+                                        <p:strVal val="visible"/>
+                                      </p:to>
+                                    </p:set>
+                                    <p:animEffect transition="in" filter="fade">
+                                      <p:cBhvr>
+                                        <p:cTn id="7" dur="1000"/>
+                                        <p:tgtEl>
+                                          <p:spTgt spid="7">
+                                            <p:txEl>
+                                              <p:pRg st="0" end="0"/>
+                                            </p:txEl>
+                                          </p:spTgt>
+                                        </p:tgtEl>
+                                      </p:cBhvr>
+                                    </p:animEffect>
+                                    <p:anim calcmode="lin" valueType="num">
+                                      <p:cBhvr>
+                                        <p:cTn id="8" dur="1000" fill="hold"/>
+                                        <p:tgtEl>
+                                          <p:spTgt spid="7">
+                                            <p:txEl>
+                                              <p:pRg st="0" end="0"/>
+                                            </p:txEl>
+                                          </p:spTgt>
+                                        </p:tgtEl>
+                                        <p:attrNameLst>
+                                          <p:attrName>ppt_x</p:attrName>
+                                        </p:attrNameLst>
+                                      </p:cBhvr>
+                                      <p:tavLst>
+                                        <p:tav tm="0">
+                                          <p:val>
+                                            <p:strVal val="#ppt_x"/>
+                                          </p:val>
+                                        </p:tav>
+                                        <p:tav tm="100000">
+                                          <p:val>
+                                            <p:strVal val="#ppt_x"/>
+                                          </p:val>
+                                        </p:tav>
+                                      </p:tavLst>
+                                    </p:anim>
+                                    <p:anim calcmode="lin" valueType="num">
+                                      <p:cBhvr>
+                                        <p:cTn id="9" dur="1000" fill="hold"/>
+                                        <p:tgtEl>
+                                          <p:spTgt spid="7">
+                                            <p:txEl>
+                                              <p:pRg st="0" end="0"/>
+                                            </p:txEl>
+                                          </p:spTgt>
+                                        </p:tgtEl>
+                                        <p:attrNameLst>
+                                          <p:attrName>ppt_y</p:attrName>
+                                        </p:attrNameLst>
+                                      </p:cBhvr>
+                                      <p:tavLst>
+                                        <p:tav tm="0">
+                                          <p:val>
+                                            <p:strVal val="#ppt_y+.1"/>
+                                          </p:val>
+                                        </p:tav>
+                                        <p:tav tm="100000">
+                                          <p:val>
+                                            <p:strVal val="#ppt_y"/>
+                                          </p:val>
+                                        </p:tav>
+                                      </p:tavLst>
+                                    </p:anim>
+                                  </p:childTnLst>
+                                </p:cTn>
+                              </p:par>
+                            </p:childTnLst>
+                          </p:cTn>
+                        </p:par>
+                      </p:childTnLst>
+                    </p:cTn>
+                  </p:par>
+                  <p:par>
+                    <p:cTn id="10" fill="hold">
+                      <p:stCondLst>
+                        <p:cond delay="indefinite"/>
+                      </p:stCondLst>
+                      <p:childTnLst>
+                        <p:par>
+                          <p:cTn id="11" fill="hold">
+                            <p:stCondLst>
+                              <p:cond delay="0"/>
+                            </p:stCondLst>
+                            <p:childTnLst>
+                              <p:par>
+                                <p:cTn id="12" presetID="42" presetClass="entr" presetSubtype="0" fill="hold" nodeType="clickEffect">
+                                  <p:stCondLst>
+                                    <p:cond delay="0"/>
+                                  </p:stCondLst>
+                                  <p:childTnLst>
+                                    <p:set>
+                                      <p:cBhvr>
+                                        <p:cTn id="13" dur="1" fill="hold">
+                                          <p:stCondLst>
+                                            <p:cond delay="0"/>
+                                          </p:stCondLst>
+                                        </p:cTn>
+                                        <p:tgtEl>
+                                          <p:spTgt spid="7">
+                                            <p:txEl>
+                                              <p:pRg st="2" end="2"/>
+                                            </p:txEl>
+                                          </p:spTgt>
+                                        </p:tgtEl>
+                                        <p:attrNameLst>
+                                          <p:attrName>style.visibility</p:attrName>
+                                        </p:attrNameLst>
+                                      </p:cBhvr>
+                                      <p:to>
+                                        <p:strVal val="visible"/>
+                                      </p:to>
+                                    </p:set>
+                                    <p:animEffect transition="in" filter="fade">
+                                      <p:cBhvr>
+                                        <p:cTn id="14" dur="1000"/>
+                                        <p:tgtEl>
+                                          <p:spTgt spid="7">
+                                            <p:txEl>
+                                              <p:pRg st="2" end="2"/>
+                                            </p:txEl>
+                                          </p:spTgt>
+                                        </p:tgtEl>
+                                      </p:cBhvr>
+                                    </p:animEffect>
+                                    <p:anim calcmode="lin" valueType="num">
+                                      <p:cBhvr>
+                                        <p:cTn id="15" dur="1000" fill="hold"/>
+                                        <p:tgtEl>
+                                          <p:spTgt spid="7">
+                                            <p:txEl>
+                                              <p:pRg st="2" end="2"/>
+                                            </p:txEl>
+                                          </p:spTgt>
+                                        </p:tgtEl>
+                                        <p:attrNameLst>
+                                          <p:attrName>ppt_x</p:attrName>
+                                        </p:attrNameLst>
+                                      </p:cBhvr>
+                                      <p:tavLst>
+                                        <p:tav tm="0">
+                                          <p:val>
+                                            <p:strVal val="#ppt_x"/>
+                                          </p:val>
+                                        </p:tav>
+                                        <p:tav tm="100000">
+                                          <p:val>
+                                            <p:strVal val="#ppt_x"/>
+                                          </p:val>
+                                        </p:tav>
+                                      </p:tavLst>
+                                    </p:anim>
+                                    <p:anim calcmode="lin" valueType="num">
+                                      <p:cBhvr>
+                                        <p:cTn id="16" dur="1000" fill="hold"/>
+                                        <p:tgtEl>
+                                          <p:spTgt spid="7">
+                                            <p:txEl>
+                                              <p:pRg st="2" end="2"/>
+                                            </p:txEl>
+                                          </p:spTgt>
+                                        </p:tgtEl>
+                                        <p:attrNameLst>
+                                          <p:attrName>ppt_y</p:attrName>
+                                        </p:attrNameLst>
+                                      </p:cBhvr>
+                                      <p:tavLst>
+                                        <p:tav tm="0">
+                                          <p:val>
+                                            <p:strVal val="#ppt_y+.1"/>
+                                          </p:val>
+                                        </p:tav>
+                                        <p:tav tm="100000">
+                                          <p:val>
+                                            <p:strVal val="#ppt_y"/>
+                                          </p:val>
+                                        </p:tav>
+                                      </p:tavLst>
+                                    </p:anim>
+                                  </p:childTnLst>
+                                </p:cTn>
+                              </p:par>
+                            </p:childTnLst>
+                          </p:cTn>
+                        </p:par>
+                      </p:childTnLst>
+                    </p:cTn>
+                  </p:par>
+                  <p:par>
+                    <p:cTn id="17" fill="hold">
+                      <p:stCondLst>
+                        <p:cond delay="indefinite"/>
+                      </p:stCondLst>
+                      <p:childTnLst>
+                        <p:par>
+                          <p:cTn id="18" fill="hold">
+                            <p:stCondLst>
+                              <p:cond delay="0"/>
+                            </p:stCondLst>
+                            <p:childTnLst>
+                              <p:par>
+                                <p:cTn id="19" presetID="42" presetClass="entr" presetSubtype="0" fill="hold" nodeType="clickEffect">
+                                  <p:stCondLst>
+                                    <p:cond delay="0"/>
+                                  </p:stCondLst>
+                                  <p:childTnLst>
+                                    <p:set>
+                                      <p:cBhvr>
+                                        <p:cTn id="20" dur="1" fill="hold">
+                                          <p:stCondLst>
+                                            <p:cond delay="0"/>
+                                          </p:stCondLst>
+                                        </p:cTn>
+                                        <p:tgtEl>
+                                          <p:spTgt spid="7">
+                                            <p:txEl>
+                                              <p:pRg st="4" end="4"/>
+                                            </p:txEl>
+                                          </p:spTgt>
+                                        </p:tgtEl>
+                                        <p:attrNameLst>
+                                          <p:attrName>style.visibility</p:attrName>
+                                        </p:attrNameLst>
+                                      </p:cBhvr>
+                                      <p:to>
+                                        <p:strVal val="visible"/>
+                                      </p:to>
+                                    </p:set>
+                                    <p:animEffect transition="in" filter="fade">
+                                      <p:cBhvr>
+                                        <p:cTn id="21" dur="1000"/>
+                                        <p:tgtEl>
+                                          <p:spTgt spid="7">
+                                            <p:txEl>
+                                              <p:pRg st="4" end="4"/>
+                                            </p:txEl>
+                                          </p:spTgt>
+                                        </p:tgtEl>
+                                      </p:cBhvr>
+                                    </p:animEffect>
+                                    <p:anim calcmode="lin" valueType="num">
+                                      <p:cBhvr>
+                                        <p:cTn id="22" dur="1000" fill="hold"/>
+                                        <p:tgtEl>
+                                          <p:spTgt spid="7">
+                                            <p:txEl>
+                                              <p:pRg st="4" end="4"/>
+                                            </p:txEl>
+                                          </p:spTgt>
+                                        </p:tgtEl>
+                                        <p:attrNameLst>
+                                          <p:attrName>ppt_x</p:attrName>
+                                        </p:attrNameLst>
+                                      </p:cBhvr>
+                                      <p:tavLst>
+                                        <p:tav tm="0">
+                                          <p:val>
+                                            <p:strVal val="#ppt_x"/>
+                                          </p:val>
+                                        </p:tav>
+                                        <p:tav tm="100000">
+                                          <p:val>
+                                            <p:strVal val="#ppt_x"/>
+                                          </p:val>
+                                        </p:tav>
+                                      </p:tavLst>
+                                    </p:anim>
+                                    <p:anim calcmode="lin" valueType="num">
+                                      <p:cBhvr>
+                                        <p:cTn id="23" dur="1000" fill="hold"/>
+                                        <p:tgtEl>
+                                          <p:spTgt spid="7">
+                                            <p:txEl>
+                                              <p:pRg st="4" end="4"/>
+                                            </p:txEl>
+                                          </p:spTgt>
+                                        </p:tgtEl>
+                                        <p:attrNameLst>
+                                          <p:attrName>ppt_y</p:attrName>
+                                        </p:attrNameLst>
+                                      </p:cBhvr>
+                                      <p:tavLst>
+                                        <p:tav tm="0">
+                                          <p:val>
+                                            <p:strVal val="#ppt_y+.1"/>
+                                          </p:val>
+                                        </p:tav>
+                                        <p:tav tm="100000">
+                                          <p:val>
+                                            <p:strVal val="#ppt_y"/>
+                                          </p:val>
+                                        </p:tav>
+                                      </p:tavLst>
+                                    </p:anim>
+                                  </p:childTnLst>
+                                </p:cTn>
+                              </p:par>
+                            </p:childTnLst>
+                          </p:cTn>
+                        </p:par>
+                      </p:childTnLst>
+                    </p:cTn>
+                  </p:par>
+                  <p:par>
+                    <p:cTn id="24" fill="hold">
+                      <p:stCondLst>
+                        <p:cond delay="indefinite"/>
+                      </p:stCondLst>
+                      <p:childTnLst>
+                        <p:par>
+                          <p:cTn id="25" fill="hold">
+                            <p:stCondLst>
+                              <p:cond delay="0"/>
+                            </p:stCondLst>
+                            <p:childTnLst>
+                              <p:par>
+                                <p:cTn id="26" presetID="42" presetClass="entr" presetSubtype="0" fill="hold" nodeType="clickEffect">
+                                  <p:stCondLst>
+                                    <p:cond delay="0"/>
+                                  </p:stCondLst>
+                                  <p:childTnLst>
+                                    <p:set>
+                                      <p:cBhvr>
+                                        <p:cTn id="27" dur="1" fill="hold">
+                                          <p:stCondLst>
+                                            <p:cond delay="0"/>
+                                          </p:stCondLst>
+                                        </p:cTn>
+                                        <p:tgtEl>
+                                          <p:spTgt spid="7">
+                                            <p:txEl>
+                                              <p:pRg st="6" end="6"/>
+                                            </p:txEl>
+                                          </p:spTgt>
+                                        </p:tgtEl>
+                                        <p:attrNameLst>
+                                          <p:attrName>style.visibility</p:attrName>
+                                        </p:attrNameLst>
+                                      </p:cBhvr>
+                                      <p:to>
+                                        <p:strVal val="visible"/>
+                                      </p:to>
+                                    </p:set>
+                                    <p:animEffect transition="in" filter="fade">
+                                      <p:cBhvr>
+                                        <p:cTn id="28" dur="1000"/>
+                                        <p:tgtEl>
+                                          <p:spTgt spid="7">
+                                            <p:txEl>
+                                              <p:pRg st="6" end="6"/>
+                                            </p:txEl>
+                                          </p:spTgt>
+                                        </p:tgtEl>
+                                      </p:cBhvr>
+                                    </p:animEffect>
+                                    <p:anim calcmode="lin" valueType="num">
+                                      <p:cBhvr>
+                                        <p:cTn id="29" dur="1000" fill="hold"/>
+                                        <p:tgtEl>
+                                          <p:spTgt spid="7">
+                                            <p:txEl>
+                                              <p:pRg st="6" end="6"/>
+                                            </p:txEl>
+                                          </p:spTgt>
+                                        </p:tgtEl>
+                                        <p:attrNameLst>
+                                          <p:attrName>ppt_x</p:attrName>
+                                        </p:attrNameLst>
+                                      </p:cBhvr>
+                                      <p:tavLst>
+                                        <p:tav tm="0">
+                                          <p:val>
+                                            <p:strVal val="#ppt_x"/>
+                                          </p:val>
+                                        </p:tav>
+                                        <p:tav tm="100000">
+                                          <p:val>
+                                            <p:strVal val="#ppt_x"/>
+                                          </p:val>
+                                        </p:tav>
+                                      </p:tavLst>
+                                    </p:anim>
+                                    <p:anim calcmode="lin" valueType="num">
+                                      <p:cBhvr>
+                                        <p:cTn id="30" dur="1000" fill="hold"/>
+                                        <p:tgtEl>
+                                          <p:spTgt spid="7">
+                                            <p:txEl>
+                                              <p:pRg st="6" end="6"/>
+                                            </p:txEl>
+                                          </p:spTgt>
+                                        </p:tgtEl>
+                                        <p:attrNameLst>
+                                          <p:attrName>ppt_y</p:attrName>
+                                        </p:attrNameLst>
+                                      </p:cBhvr>
+                                      <p:tavLst>
+                                        <p:tav tm="0">
+                                          <p:val>
+                                            <p:strVal val="#ppt_y+.1"/>
+                                          </p:val>
+                                        </p:tav>
+                                        <p:tav tm="100000">
+                                          <p:val>
+                                            <p:strVal val="#ppt_y"/>
+                                          </p:val>
+                                        </p:tav>
+                                      </p:tavLst>
+                                    </p:anim>
+                                  </p:childTnLst>
+                                </p:cTn>
+                              </p:par>
+                            </p:childTnLst>
+                          </p:cTn>
+                        </p:par>
+                      </p:childTnLst>
+                    </p:cTn>
+                  </p:par>
+                  <p:par>
+                    <p:cTn id="31" fill="hold">
+                      <p:stCondLst>
+                        <p:cond delay="indefinite"/>
+                      </p:stCondLst>
+                      <p:childTnLst>
+                        <p:par>
+                          <p:cTn id="32" fill="hold">
+                            <p:stCondLst>
+                              <p:cond delay="0"/>
+                            </p:stCondLst>
+                            <p:childTnLst>
+                              <p:par>
+                                <p:cTn id="33" presetID="42" presetClass="entr" presetSubtype="0" fill="hold" nodeType="clickEffect">
+                                  <p:stCondLst>
+                                    <p:cond delay="0"/>
+                                  </p:stCondLst>
+                                  <p:childTnLst>
+                                    <p:set>
+                                      <p:cBhvr>
+                                        <p:cTn id="34" dur="1" fill="hold">
+                                          <p:stCondLst>
+                                            <p:cond delay="0"/>
+                                          </p:stCondLst>
+                                        </p:cTn>
+                                        <p:tgtEl>
+                                          <p:spTgt spid="7">
+                                            <p:txEl>
+                                              <p:pRg st="8" end="8"/>
+                                            </p:txEl>
+                                          </p:spTgt>
+                                        </p:tgtEl>
+                                        <p:attrNameLst>
+                                          <p:attrName>style.visibility</p:attrName>
+                                        </p:attrNameLst>
+                                      </p:cBhvr>
+                                      <p:to>
+                                        <p:strVal val="visible"/>
+                                      </p:to>
+                                    </p:set>
+                                    <p:animEffect transition="in" filter="fade">
+                                      <p:cBhvr>
+                                        <p:cTn id="35" dur="1000"/>
+                                        <p:tgtEl>
+                                          <p:spTgt spid="7">
+                                            <p:txEl>
+                                              <p:pRg st="8" end="8"/>
+                                            </p:txEl>
+                                          </p:spTgt>
+                                        </p:tgtEl>
+                                      </p:cBhvr>
+                                    </p:animEffect>
+                                    <p:anim calcmode="lin" valueType="num">
+                                      <p:cBhvr>
+                                        <p:cTn id="36" dur="1000" fill="hold"/>
+                                        <p:tgtEl>
+                                          <p:spTgt spid="7">
+                                            <p:txEl>
+                                              <p:pRg st="8" end="8"/>
+                                            </p:txEl>
+                                          </p:spTgt>
+                                        </p:tgtEl>
+                                        <p:attrNameLst>
+                                          <p:attrName>ppt_x</p:attrName>
+                                        </p:attrNameLst>
+                                      </p:cBhvr>
+                                      <p:tavLst>
+                                        <p:tav tm="0">
+                                          <p:val>
+                                            <p:strVal val="#ppt_x"/>
+                                          </p:val>
+                                        </p:tav>
+                                        <p:tav tm="100000">
+                                          <p:val>
+                                            <p:strVal val="#ppt_x"/>
+                                          </p:val>
+                                        </p:tav>
+                                      </p:tavLst>
+                                    </p:anim>
+                                    <p:anim calcmode="lin" valueType="num">
+                                      <p:cBhvr>
+                                        <p:cTn id="37" dur="1000" fill="hold"/>
+                                        <p:tgtEl>
+                                          <p:spTgt spid="7">
+                                            <p:txEl>
+                                              <p:pRg st="8" end="8"/>
+                                            </p:txEl>
+                                          </p:spTgt>
+                                        </p:tgtEl>
+                                        <p:attrNameLst>
+                                          <p:attrName>ppt_y</p:attrName>
+                                        </p:attrNameLst>
+                                      </p:cBhvr>
+                                      <p:tavLst>
+                                        <p:tav tm="0">
+                                          <p:val>
+                                            <p:strVal val="#ppt_y+.1"/>
+                                          </p:val>
+                                        </p:tav>
+                                        <p:tav tm="100000">
+                                          <p:val>
+                                            <p:strVal val="#ppt_y"/>
+                                          </p:val>
+                                        </p:tav>
+                                      </p:tavLst>
+                                    </p:anim>
+                                  </p:childTnLst>
+                                </p:cTn>
+                              </p:par>
+                            </p:childTnLst>
+                          </p:cTn>
+                        </p:par>
+                      </p:childTnLst>
+                    </p:cTn>
+                  </p:par>
+                </p:childTnLst>
+              </p:cTn>
+              <p:prevCondLst>
+                <p:cond evt="onPrev" delay="0">
+                  <p:tgtEl>
+                    <p:sldTgt/>
+                  </p:tgtEl>
+                </p:cond>
+              </p:prevCondLst>
+              <p:nextCondLst>
+                <p:cond evt="onNext" delay="0">
+                  <p:tgtEl>
+                    <p:sldTgt/>
+                  </p:tgtEl>
+                </p:cond>
+              </p:nextCondLst>
+            </p:seq>
+          </p:childTnLst>
+        </p:cTn>
+      </p:par>
+    </p:tnLst>
+  </p:timing>
+</p:sld>
+</file>
+
+<file path=ppt/slides/slide11.xml><?xml version="1.0" encoding="utf-8"?>
+<p:sld xmlns:a="http://schemas.openxmlformats.org/drawingml/2006/main" xmlns:r="http://schemas.openxmlformats.org/officeDocument/2006/relationships" xmlns:p="http://schemas.openxmlformats.org/presentationml/2006/main">
+  <p:cSld>
+    <p:spTree>
+      <p:nvGrpSpPr>
+        <p:cNvPr id="1" name="">
+          <a:extLst>
+            <a:ext uri="{FF2B5EF4-FFF2-40B4-BE49-F238E27FC236}">
+              <a16:creationId xmlns:a16="http://schemas.microsoft.com/office/drawing/2014/main" id="{E4047451-AEDC-DD1E-3E50-0211C6E181B1}"/>
+            </a:ext>
+          </a:extLst>
+        </p:cNvPr>
+        <p:cNvGrpSpPr/>
+        <p:nvPr/>
+      </p:nvGrpSpPr>
+      <p:grpSpPr>
+        <a:xfrm>
+          <a:off x="0" y="0"/>
+          <a:ext cx="0" cy="0"/>
+          <a:chOff x="0" y="0"/>
+          <a:chExt cx="0" cy="0"/>
+        </a:xfrm>
+      </p:grpSpPr>
+      <p:sp>
+        <p:nvSpPr>
+          <p:cNvPr id="4" name="Title 1">
+            <a:extLst>
+              <a:ext uri="{FF2B5EF4-FFF2-40B4-BE49-F238E27FC236}">
+                <a16:creationId xmlns:a16="http://schemas.microsoft.com/office/drawing/2014/main" id="{60BA9067-B60B-D7FC-F21C-8DC0B0D83170}"/>
+              </a:ext>
+            </a:extLst>
+          </p:cNvPr>
+          <p:cNvSpPr>
+            <a:spLocks noGrp="1"/>
+          </p:cNvSpPr>
+          <p:nvPr>
+            <p:ph type="title"/>
+          </p:nvPr>
+        </p:nvSpPr>
+        <p:spPr>
+          <a:xfrm>
+            <a:off x="228600" y="7088"/>
+            <a:ext cx="8839200" cy="914400"/>
+          </a:xfrm>
+        </p:spPr>
+        <p:txBody>
+          <a:bodyPr>
+            <a:normAutofit fontScale="90000"/>
+          </a:bodyPr>
+          <a:lstStyle/>
+          <a:p>
+            <a:pPr algn="l"/>
+            <a:r>
+              <a:rPr lang="en-US" sz="3600" dirty="0"/>
+              <a:t>Knowing God – Encouraging Self-Reflection</a:t>
+            </a:r>
+            <a:br>
+              <a:rPr lang="en-US" sz="3600" dirty="0"/>
+            </a:br>
+            <a:r>
+              <a:rPr lang="en-US" sz="2400" dirty="0">
+                <a:solidFill>
+                  <a:schemeClr val="tx2">
+                    <a:lumMod val="60000"/>
+                    <a:lumOff val="40000"/>
+                  </a:schemeClr>
+                </a:solidFill>
+              </a:rPr>
+              <a:t>Questions for the “Just Man” of Romans 4</a:t>
+            </a:r>
+            <a:endParaRPr lang="en-US" sz="2400" i="1" u="sng" dirty="0">
+              <a:solidFill>
+                <a:schemeClr val="tx2">
+                  <a:lumMod val="60000"/>
+                  <a:lumOff val="40000"/>
+                </a:schemeClr>
+              </a:solidFill>
+            </a:endParaRPr>
+          </a:p>
+        </p:txBody>
+      </p:sp>
+      <p:sp>
+        <p:nvSpPr>
+          <p:cNvPr id="7" name="TextBox 6">
+            <a:extLst>
+              <a:ext uri="{FF2B5EF4-FFF2-40B4-BE49-F238E27FC236}">
+                <a16:creationId xmlns:a16="http://schemas.microsoft.com/office/drawing/2014/main" id="{CA7CD438-CFC5-107B-0244-14B4F2F073FF}"/>
+              </a:ext>
+            </a:extLst>
+          </p:cNvPr>
+          <p:cNvSpPr txBox="1"/>
+          <p:nvPr/>
+        </p:nvSpPr>
+        <p:spPr>
+          <a:xfrm>
+            <a:off x="76200" y="990600"/>
+            <a:ext cx="8991600" cy="5940088"/>
+          </a:xfrm>
+          <a:prstGeom prst="rect">
+            <a:avLst/>
+          </a:prstGeom>
+          <a:noFill/>
+        </p:spPr>
+        <p:txBody>
+          <a:bodyPr wrap="square">
+            <a:spAutoFit/>
+          </a:bodyPr>
+          <a:lstStyle/>
+          <a:p>
+            <a:r>
+              <a:rPr lang="en-US" sz="2000" b="1" dirty="0"/>
+              <a:t>Focus: </a:t>
+            </a:r>
+            <a:r>
+              <a:rPr lang="en-US" sz="2000" b="1" u="sng" dirty="0"/>
+              <a:t>Faith as the channel through which we are made right with God</a:t>
+            </a:r>
+            <a:r>
+              <a:rPr lang="en-US" sz="2000" b="1" dirty="0"/>
+              <a:t>, illustrated by Abraham and fulfilled in Christ.</a:t>
+            </a:r>
+          </a:p>
+          <a:p>
+            <a:endParaRPr lang="en-US" sz="2000" b="1" dirty="0"/>
+          </a:p>
+          <a:p>
+            <a:pPr marL="342900" indent="-342900">
+              <a:buFontTx/>
+              <a:buChar char="-"/>
+            </a:pPr>
+            <a:r>
+              <a:rPr lang="en-US" sz="2000" b="1" dirty="0"/>
+              <a:t>“You trust that God keeps His promises, as Abraham did. Why would you believe that God is both faithful and true unless He has revealed Himself as unchanging, trustworthy, and righteous?”  </a:t>
+            </a:r>
+          </a:p>
+          <a:p>
+            <a:endParaRPr lang="en-US" sz="2000" b="1" dirty="0"/>
+          </a:p>
+          <a:p>
+            <a:pPr marL="342900" indent="-342900">
+              <a:buFontTx/>
+              <a:buChar char="-"/>
+            </a:pPr>
+            <a:r>
+              <a:rPr lang="en-US" sz="2000" b="1" dirty="0"/>
+              <a:t>“Your faith points beyond your own goodness to something greater. If your moral efforts are never perfect, on what basis can you stand before a holy God, if not on the righteousness He provides by faith?”  </a:t>
+            </a:r>
+          </a:p>
+          <a:p>
+            <a:endParaRPr lang="en-US" sz="2000" b="1" dirty="0"/>
+          </a:p>
+          <a:p>
+            <a:pPr marL="342900" indent="-342900">
+              <a:buFontTx/>
+              <a:buChar char="-"/>
+            </a:pPr>
+            <a:r>
+              <a:rPr lang="en-US" sz="2000" b="1" dirty="0"/>
+              <a:t>“Consider Abraham: he trusted God’s word before it was fulfilled. Has God’s faithfulness to Abraham and to countless believers since not shown that He is real and that we can be certain of His character?” </a:t>
+            </a:r>
+          </a:p>
+          <a:p>
+            <a:r>
+              <a:rPr lang="en-US" sz="2000" b="1" dirty="0"/>
+              <a:t> </a:t>
+            </a:r>
+          </a:p>
+          <a:p>
+            <a:pPr marL="342900" indent="-342900">
+              <a:buFontTx/>
+              <a:buChar char="-"/>
+            </a:pPr>
+            <a:r>
+              <a:rPr lang="en-US" sz="2000" b="1" dirty="0"/>
+              <a:t>“When you put your faith in </a:t>
+            </a:r>
+            <a:r>
+              <a:rPr lang="en-US" sz="2000" b="1" u="sng" dirty="0"/>
+              <a:t>Jesus Christ as the Just One</a:t>
+            </a:r>
+            <a:r>
+              <a:rPr lang="en-US" sz="2000" b="1" dirty="0"/>
+              <a:t>, how does this confirm for you that God has revealed Himself in history, both through His written word and through the life, death, and resurrection of Jesus?”</a:t>
+            </a:r>
+          </a:p>
+        </p:txBody>
+      </p:sp>
+    </p:spTree>
+    <p:extLst>
+      <p:ext uri="{BB962C8B-B14F-4D97-AF65-F5344CB8AC3E}">
+        <p14:creationId xmlns:p14="http://schemas.microsoft.com/office/powerpoint/2010/main" val="1763214525"/>
+      </p:ext>
+    </p:extLst>
+  </p:cSld>
+  <p:clrMapOvr>
+    <a:masterClrMapping/>
+  </p:clrMapOvr>
+  <p:timing>
+    <p:tnLst>
+      <p:par>
+        <p:cTn id="1" dur="indefinite" restart="never" nodeType="tmRoot">
+          <p:childTnLst>
+            <p:seq concurrent="1" nextAc="seek">
+              <p:cTn id="2" dur="indefinite" nodeType="mainSeq">
+                <p:childTnLst>
+                  <p:par>
+                    <p:cTn id="3" fill="hold">
+                      <p:stCondLst>
+                        <p:cond delay="indefinite"/>
+                      </p:stCondLst>
+                      <p:childTnLst>
+                        <p:par>
+                          <p:cTn id="4" fill="hold">
+                            <p:stCondLst>
+                              <p:cond delay="0"/>
+                            </p:stCondLst>
+                            <p:childTnLst>
+                              <p:par>
+                                <p:cTn id="5" presetID="42" presetClass="entr" presetSubtype="0" fill="hold" nodeType="clickEffect">
+                                  <p:stCondLst>
+                                    <p:cond delay="0"/>
+                                  </p:stCondLst>
+                                  <p:childTnLst>
+                                    <p:set>
+                                      <p:cBhvr>
+                                        <p:cTn id="6" dur="1" fill="hold">
+                                          <p:stCondLst>
+                                            <p:cond delay="0"/>
+                                          </p:stCondLst>
+                                        </p:cTn>
+                                        <p:tgtEl>
+                                          <p:spTgt spid="7">
+                                            <p:txEl>
+                                              <p:pRg st="0" end="0"/>
+                                            </p:txEl>
+                                          </p:spTgt>
+                                        </p:tgtEl>
+                                        <p:attrNameLst>
+                                          <p:attrName>style.visibility</p:attrName>
+                                        </p:attrNameLst>
+                                      </p:cBhvr>
+                                      <p:to>
+                                        <p:strVal val="visible"/>
+                                      </p:to>
+                                    </p:set>
+                                    <p:animEffect transition="in" filter="fade">
+                                      <p:cBhvr>
+                                        <p:cTn id="7" dur="1000"/>
+                                        <p:tgtEl>
+                                          <p:spTgt spid="7">
+                                            <p:txEl>
+                                              <p:pRg st="0" end="0"/>
+                                            </p:txEl>
+                                          </p:spTgt>
+                                        </p:tgtEl>
+                                      </p:cBhvr>
+                                    </p:animEffect>
+                                    <p:anim calcmode="lin" valueType="num">
+                                      <p:cBhvr>
+                                        <p:cTn id="8" dur="1000" fill="hold"/>
+                                        <p:tgtEl>
+                                          <p:spTgt spid="7">
+                                            <p:txEl>
+                                              <p:pRg st="0" end="0"/>
+                                            </p:txEl>
+                                          </p:spTgt>
+                                        </p:tgtEl>
+                                        <p:attrNameLst>
+                                          <p:attrName>ppt_x</p:attrName>
+                                        </p:attrNameLst>
+                                      </p:cBhvr>
+                                      <p:tavLst>
+                                        <p:tav tm="0">
+                                          <p:val>
+                                            <p:strVal val="#ppt_x"/>
+                                          </p:val>
+                                        </p:tav>
+                                        <p:tav tm="100000">
+                                          <p:val>
+                                            <p:strVal val="#ppt_x"/>
+                                          </p:val>
+                                        </p:tav>
+                                      </p:tavLst>
+                                    </p:anim>
+                                    <p:anim calcmode="lin" valueType="num">
+                                      <p:cBhvr>
+                                        <p:cTn id="9" dur="1000" fill="hold"/>
+                                        <p:tgtEl>
+                                          <p:spTgt spid="7">
+                                            <p:txEl>
+                                              <p:pRg st="0" end="0"/>
+                                            </p:txEl>
+                                          </p:spTgt>
+                                        </p:tgtEl>
+                                        <p:attrNameLst>
+                                          <p:attrName>ppt_y</p:attrName>
+                                        </p:attrNameLst>
+                                      </p:cBhvr>
+                                      <p:tavLst>
+                                        <p:tav tm="0">
+                                          <p:val>
+                                            <p:strVal val="#ppt_y+.1"/>
+                                          </p:val>
+                                        </p:tav>
+                                        <p:tav tm="100000">
+                                          <p:val>
+                                            <p:strVal val="#ppt_y"/>
+                                          </p:val>
+                                        </p:tav>
+                                      </p:tavLst>
+                                    </p:anim>
+                                  </p:childTnLst>
+                                </p:cTn>
+                              </p:par>
+                            </p:childTnLst>
+                          </p:cTn>
+                        </p:par>
+                      </p:childTnLst>
+                    </p:cTn>
+                  </p:par>
+                  <p:par>
+                    <p:cTn id="10" fill="hold">
+                      <p:stCondLst>
+                        <p:cond delay="indefinite"/>
+                      </p:stCondLst>
+                      <p:childTnLst>
+                        <p:par>
+                          <p:cTn id="11" fill="hold">
+                            <p:stCondLst>
+                              <p:cond delay="0"/>
+                            </p:stCondLst>
+                            <p:childTnLst>
+                              <p:par>
+                                <p:cTn id="12" presetID="42" presetClass="entr" presetSubtype="0" fill="hold" nodeType="clickEffect">
+                                  <p:stCondLst>
+                                    <p:cond delay="0"/>
+                                  </p:stCondLst>
+                                  <p:childTnLst>
+                                    <p:set>
+                                      <p:cBhvr>
+                                        <p:cTn id="13" dur="1" fill="hold">
+                                          <p:stCondLst>
+                                            <p:cond delay="0"/>
+                                          </p:stCondLst>
+                                        </p:cTn>
+                                        <p:tgtEl>
+                                          <p:spTgt spid="7">
+                                            <p:txEl>
+                                              <p:pRg st="2" end="2"/>
+                                            </p:txEl>
+                                          </p:spTgt>
+                                        </p:tgtEl>
+                                        <p:attrNameLst>
+                                          <p:attrName>style.visibility</p:attrName>
+                                        </p:attrNameLst>
+                                      </p:cBhvr>
+                                      <p:to>
+                                        <p:strVal val="visible"/>
+                                      </p:to>
+                                    </p:set>
+                                    <p:animEffect transition="in" filter="fade">
+                                      <p:cBhvr>
+                                        <p:cTn id="14" dur="1000"/>
+                                        <p:tgtEl>
+                                          <p:spTgt spid="7">
+                                            <p:txEl>
+                                              <p:pRg st="2" end="2"/>
+                                            </p:txEl>
+                                          </p:spTgt>
+                                        </p:tgtEl>
+                                      </p:cBhvr>
+                                    </p:animEffect>
+                                    <p:anim calcmode="lin" valueType="num">
+                                      <p:cBhvr>
+                                        <p:cTn id="15" dur="1000" fill="hold"/>
+                                        <p:tgtEl>
+                                          <p:spTgt spid="7">
+                                            <p:txEl>
+                                              <p:pRg st="2" end="2"/>
+                                            </p:txEl>
+                                          </p:spTgt>
+                                        </p:tgtEl>
+                                        <p:attrNameLst>
+                                          <p:attrName>ppt_x</p:attrName>
+                                        </p:attrNameLst>
+                                      </p:cBhvr>
+                                      <p:tavLst>
+                                        <p:tav tm="0">
+                                          <p:val>
+                                            <p:strVal val="#ppt_x"/>
+                                          </p:val>
+                                        </p:tav>
+                                        <p:tav tm="100000">
+                                          <p:val>
+                                            <p:strVal val="#ppt_x"/>
+                                          </p:val>
+                                        </p:tav>
+                                      </p:tavLst>
+                                    </p:anim>
+                                    <p:anim calcmode="lin" valueType="num">
+                                      <p:cBhvr>
+                                        <p:cTn id="16" dur="1000" fill="hold"/>
+                                        <p:tgtEl>
+                                          <p:spTgt spid="7">
+                                            <p:txEl>
+                                              <p:pRg st="2" end="2"/>
+                                            </p:txEl>
+                                          </p:spTgt>
+                                        </p:tgtEl>
+                                        <p:attrNameLst>
+                                          <p:attrName>ppt_y</p:attrName>
+                                        </p:attrNameLst>
+                                      </p:cBhvr>
+                                      <p:tavLst>
+                                        <p:tav tm="0">
+                                          <p:val>
+                                            <p:strVal val="#ppt_y+.1"/>
+                                          </p:val>
+                                        </p:tav>
+                                        <p:tav tm="100000">
+                                          <p:val>
+                                            <p:strVal val="#ppt_y"/>
+                                          </p:val>
+                                        </p:tav>
+                                      </p:tavLst>
+                                    </p:anim>
+                                  </p:childTnLst>
+                                </p:cTn>
+                              </p:par>
+                            </p:childTnLst>
+                          </p:cTn>
+                        </p:par>
+                      </p:childTnLst>
+                    </p:cTn>
+                  </p:par>
+                  <p:par>
+                    <p:cTn id="17" fill="hold">
+                      <p:stCondLst>
+                        <p:cond delay="indefinite"/>
+                      </p:stCondLst>
+                      <p:childTnLst>
+                        <p:par>
+                          <p:cTn id="18" fill="hold">
+                            <p:stCondLst>
+                              <p:cond delay="0"/>
+                            </p:stCondLst>
+                            <p:childTnLst>
+                              <p:par>
+                                <p:cTn id="19" presetID="42" presetClass="entr" presetSubtype="0" fill="hold" nodeType="clickEffect">
+                                  <p:stCondLst>
+                                    <p:cond delay="0"/>
+                                  </p:stCondLst>
+                                  <p:childTnLst>
+                                    <p:set>
+                                      <p:cBhvr>
+                                        <p:cTn id="20" dur="1" fill="hold">
+                                          <p:stCondLst>
+                                            <p:cond delay="0"/>
+                                          </p:stCondLst>
+                                        </p:cTn>
+                                        <p:tgtEl>
+                                          <p:spTgt spid="7">
+                                            <p:txEl>
+                                              <p:pRg st="4" end="4"/>
+                                            </p:txEl>
+                                          </p:spTgt>
+                                        </p:tgtEl>
+                                        <p:attrNameLst>
+                                          <p:attrName>style.visibility</p:attrName>
+                                        </p:attrNameLst>
+                                      </p:cBhvr>
+                                      <p:to>
+                                        <p:strVal val="visible"/>
+                                      </p:to>
+                                    </p:set>
+                                    <p:animEffect transition="in" filter="fade">
+                                      <p:cBhvr>
+                                        <p:cTn id="21" dur="1000"/>
+                                        <p:tgtEl>
+                                          <p:spTgt spid="7">
+                                            <p:txEl>
+                                              <p:pRg st="4" end="4"/>
+                                            </p:txEl>
+                                          </p:spTgt>
+                                        </p:tgtEl>
+                                      </p:cBhvr>
+                                    </p:animEffect>
+                                    <p:anim calcmode="lin" valueType="num">
+                                      <p:cBhvr>
+                                        <p:cTn id="22" dur="1000" fill="hold"/>
+                                        <p:tgtEl>
+                                          <p:spTgt spid="7">
+                                            <p:txEl>
+                                              <p:pRg st="4" end="4"/>
+                                            </p:txEl>
+                                          </p:spTgt>
+                                        </p:tgtEl>
+                                        <p:attrNameLst>
+                                          <p:attrName>ppt_x</p:attrName>
+                                        </p:attrNameLst>
+                                      </p:cBhvr>
+                                      <p:tavLst>
+                                        <p:tav tm="0">
+                                          <p:val>
+                                            <p:strVal val="#ppt_x"/>
+                                          </p:val>
+                                        </p:tav>
+                                        <p:tav tm="100000">
+                                          <p:val>
+                                            <p:strVal val="#ppt_x"/>
+                                          </p:val>
+                                        </p:tav>
+                                      </p:tavLst>
+                                    </p:anim>
+                                    <p:anim calcmode="lin" valueType="num">
+                                      <p:cBhvr>
+                                        <p:cTn id="23" dur="1000" fill="hold"/>
+                                        <p:tgtEl>
+                                          <p:spTgt spid="7">
+                                            <p:txEl>
+                                              <p:pRg st="4" end="4"/>
+                                            </p:txEl>
+                                          </p:spTgt>
+                                        </p:tgtEl>
+                                        <p:attrNameLst>
+                                          <p:attrName>ppt_y</p:attrName>
+                                        </p:attrNameLst>
+                                      </p:cBhvr>
+                                      <p:tavLst>
+                                        <p:tav tm="0">
+                                          <p:val>
+                                            <p:strVal val="#ppt_y+.1"/>
+                                          </p:val>
+                                        </p:tav>
+                                        <p:tav tm="100000">
+                                          <p:val>
+                                            <p:strVal val="#ppt_y"/>
+                                          </p:val>
+                                        </p:tav>
+                                      </p:tavLst>
+                                    </p:anim>
+                                  </p:childTnLst>
+                                </p:cTn>
+                              </p:par>
+                            </p:childTnLst>
+                          </p:cTn>
+                        </p:par>
+                      </p:childTnLst>
+                    </p:cTn>
+                  </p:par>
+                  <p:par>
+                    <p:cTn id="24" fill="hold">
+                      <p:stCondLst>
+                        <p:cond delay="indefinite"/>
+                      </p:stCondLst>
+                      <p:childTnLst>
+                        <p:par>
+                          <p:cTn id="25" fill="hold">
+                            <p:stCondLst>
+                              <p:cond delay="0"/>
+                            </p:stCondLst>
+                            <p:childTnLst>
+                              <p:par>
+                                <p:cTn id="26" presetID="42" presetClass="entr" presetSubtype="0" fill="hold" nodeType="clickEffect">
+                                  <p:stCondLst>
+                                    <p:cond delay="0"/>
+                                  </p:stCondLst>
+                                  <p:childTnLst>
+                                    <p:set>
+                                      <p:cBhvr>
+                                        <p:cTn id="27" dur="1" fill="hold">
+                                          <p:stCondLst>
+                                            <p:cond delay="0"/>
+                                          </p:stCondLst>
+                                        </p:cTn>
+                                        <p:tgtEl>
+                                          <p:spTgt spid="7">
+                                            <p:txEl>
+                                              <p:pRg st="6" end="6"/>
+                                            </p:txEl>
+                                          </p:spTgt>
+                                        </p:tgtEl>
+                                        <p:attrNameLst>
+                                          <p:attrName>style.visibility</p:attrName>
+                                        </p:attrNameLst>
+                                      </p:cBhvr>
+                                      <p:to>
+                                        <p:strVal val="visible"/>
+                                      </p:to>
+                                    </p:set>
+                                    <p:animEffect transition="in" filter="fade">
+                                      <p:cBhvr>
+                                        <p:cTn id="28" dur="1000"/>
+                                        <p:tgtEl>
+                                          <p:spTgt spid="7">
+                                            <p:txEl>
+                                              <p:pRg st="6" end="6"/>
+                                            </p:txEl>
+                                          </p:spTgt>
+                                        </p:tgtEl>
+                                      </p:cBhvr>
+                                    </p:animEffect>
+                                    <p:anim calcmode="lin" valueType="num">
+                                      <p:cBhvr>
+                                        <p:cTn id="29" dur="1000" fill="hold"/>
+                                        <p:tgtEl>
+                                          <p:spTgt spid="7">
+                                            <p:txEl>
+                                              <p:pRg st="6" end="6"/>
+                                            </p:txEl>
+                                          </p:spTgt>
+                                        </p:tgtEl>
+                                        <p:attrNameLst>
+                                          <p:attrName>ppt_x</p:attrName>
+                                        </p:attrNameLst>
+                                      </p:cBhvr>
+                                      <p:tavLst>
+                                        <p:tav tm="0">
+                                          <p:val>
+                                            <p:strVal val="#ppt_x"/>
+                                          </p:val>
+                                        </p:tav>
+                                        <p:tav tm="100000">
+                                          <p:val>
+                                            <p:strVal val="#ppt_x"/>
+                                          </p:val>
+                                        </p:tav>
+                                      </p:tavLst>
+                                    </p:anim>
+                                    <p:anim calcmode="lin" valueType="num">
+                                      <p:cBhvr>
+                                        <p:cTn id="30" dur="1000" fill="hold"/>
+                                        <p:tgtEl>
+                                          <p:spTgt spid="7">
+                                            <p:txEl>
+                                              <p:pRg st="6" end="6"/>
+                                            </p:txEl>
+                                          </p:spTgt>
+                                        </p:tgtEl>
+                                        <p:attrNameLst>
+                                          <p:attrName>ppt_y</p:attrName>
+                                        </p:attrNameLst>
+                                      </p:cBhvr>
+                                      <p:tavLst>
+                                        <p:tav tm="0">
+                                          <p:val>
+                                            <p:strVal val="#ppt_y+.1"/>
+                                          </p:val>
+                                        </p:tav>
+                                        <p:tav tm="100000">
+                                          <p:val>
+                                            <p:strVal val="#ppt_y"/>
+                                          </p:val>
+                                        </p:tav>
+                                      </p:tavLst>
+                                    </p:anim>
+                                  </p:childTnLst>
+                                </p:cTn>
+                              </p:par>
+                            </p:childTnLst>
+                          </p:cTn>
+                        </p:par>
+                      </p:childTnLst>
+                    </p:cTn>
+                  </p:par>
+                  <p:par>
+                    <p:cTn id="31" fill="hold">
+                      <p:stCondLst>
+                        <p:cond delay="indefinite"/>
+                      </p:stCondLst>
+                      <p:childTnLst>
+                        <p:par>
+                          <p:cTn id="32" fill="hold">
+                            <p:stCondLst>
+                              <p:cond delay="0"/>
+                            </p:stCondLst>
+                            <p:childTnLst>
+                              <p:par>
+                                <p:cTn id="33" presetID="42" presetClass="entr" presetSubtype="0" fill="hold" nodeType="clickEffect">
+                                  <p:stCondLst>
+                                    <p:cond delay="0"/>
+                                  </p:stCondLst>
+                                  <p:childTnLst>
+                                    <p:set>
+                                      <p:cBhvr>
+                                        <p:cTn id="34" dur="1" fill="hold">
+                                          <p:stCondLst>
+                                            <p:cond delay="0"/>
+                                          </p:stCondLst>
+                                        </p:cTn>
+                                        <p:tgtEl>
+                                          <p:spTgt spid="7">
+                                            <p:txEl>
+                                              <p:pRg st="8" end="8"/>
+                                            </p:txEl>
+                                          </p:spTgt>
+                                        </p:tgtEl>
+                                        <p:attrNameLst>
+                                          <p:attrName>style.visibility</p:attrName>
+                                        </p:attrNameLst>
+                                      </p:cBhvr>
+                                      <p:to>
+                                        <p:strVal val="visible"/>
+                                      </p:to>
+                                    </p:set>
+                                    <p:animEffect transition="in" filter="fade">
+                                      <p:cBhvr>
+                                        <p:cTn id="35" dur="1000"/>
+                                        <p:tgtEl>
+                                          <p:spTgt spid="7">
+                                            <p:txEl>
+                                              <p:pRg st="8" end="8"/>
+                                            </p:txEl>
+                                          </p:spTgt>
+                                        </p:tgtEl>
+                                      </p:cBhvr>
+                                    </p:animEffect>
+                                    <p:anim calcmode="lin" valueType="num">
+                                      <p:cBhvr>
+                                        <p:cTn id="36" dur="1000" fill="hold"/>
+                                        <p:tgtEl>
+                                          <p:spTgt spid="7">
+                                            <p:txEl>
+                                              <p:pRg st="8" end="8"/>
+                                            </p:txEl>
+                                          </p:spTgt>
+                                        </p:tgtEl>
+                                        <p:attrNameLst>
+                                          <p:attrName>ppt_x</p:attrName>
+                                        </p:attrNameLst>
+                                      </p:cBhvr>
+                                      <p:tavLst>
+                                        <p:tav tm="0">
+                                          <p:val>
+                                            <p:strVal val="#ppt_x"/>
+                                          </p:val>
+                                        </p:tav>
+                                        <p:tav tm="100000">
+                                          <p:val>
+                                            <p:strVal val="#ppt_x"/>
+                                          </p:val>
+                                        </p:tav>
+                                      </p:tavLst>
+                                    </p:anim>
+                                    <p:anim calcmode="lin" valueType="num">
+                                      <p:cBhvr>
+                                        <p:cTn id="37" dur="1000" fill="hold"/>
+                                        <p:tgtEl>
+                                          <p:spTgt spid="7">
+                                            <p:txEl>
+                                              <p:pRg st="8" end="8"/>
+                                            </p:txEl>
+                                          </p:spTgt>
+                                        </p:tgtEl>
+                                        <p:attrNameLst>
+                                          <p:attrName>ppt_y</p:attrName>
+                                        </p:attrNameLst>
+                                      </p:cBhvr>
+                                      <p:tavLst>
+                                        <p:tav tm="0">
+                                          <p:val>
+                                            <p:strVal val="#ppt_y+.1"/>
+                                          </p:val>
+                                        </p:tav>
+                                        <p:tav tm="100000">
+                                          <p:val>
+                                            <p:strVal val="#ppt_y"/>
+                                          </p:val>
+                                        </p:tav>
+                                      </p:tavLst>
+                                    </p:anim>
+                                  </p:childTnLst>
+                                </p:cTn>
+                              </p:par>
+                            </p:childTnLst>
+                          </p:cTn>
+                        </p:par>
+                      </p:childTnLst>
+                    </p:cTn>
+                  </p:par>
+                </p:childTnLst>
+              </p:cTn>
+              <p:prevCondLst>
+                <p:cond evt="onPrev" delay="0">
+                  <p:tgtEl>
+                    <p:sldTgt/>
+                  </p:tgtEl>
+                </p:cond>
+              </p:prevCondLst>
+              <p:nextCondLst>
+                <p:cond evt="onNext" delay="0">
+                  <p:tgtEl>
+                    <p:sldTgt/>
+                  </p:tgtEl>
+                </p:cond>
+              </p:nextCondLst>
+            </p:seq>
+          </p:childTnLst>
+        </p:cTn>
+      </p:par>
+    </p:tnLst>
+  </p:timing>
+</p:sld>
+</file>
+
 <file path=ppt/slides/slide2.xml><?xml version="1.0" encoding="utf-8"?>
 <p:sld xmlns:a="http://schemas.openxmlformats.org/drawingml/2006/main" xmlns:r="http://schemas.openxmlformats.org/officeDocument/2006/relationships" xmlns:p="http://schemas.openxmlformats.org/presentationml/2006/main">
   <p:cSld>
@@ -5206,10 +7988,4402 @@
   <p:clrMapOvr>
     <a:masterClrMapping/>
   </p:clrMapOvr>
+  <p:timing>
+    <p:tnLst>
+      <p:par>
+        <p:cTn id="1" dur="indefinite" restart="never" nodeType="tmRoot">
+          <p:childTnLst>
+            <p:seq concurrent="1" nextAc="seek">
+              <p:cTn id="2" dur="indefinite" nodeType="mainSeq">
+                <p:childTnLst>
+                  <p:par>
+                    <p:cTn id="3" fill="hold">
+                      <p:stCondLst>
+                        <p:cond delay="indefinite"/>
+                      </p:stCondLst>
+                      <p:childTnLst>
+                        <p:par>
+                          <p:cTn id="4" fill="hold">
+                            <p:stCondLst>
+                              <p:cond delay="0"/>
+                            </p:stCondLst>
+                            <p:childTnLst>
+                              <p:par>
+                                <p:cTn id="5" presetID="42" presetClass="entr" presetSubtype="0" fill="hold" nodeType="clickEffect">
+                                  <p:stCondLst>
+                                    <p:cond delay="0"/>
+                                  </p:stCondLst>
+                                  <p:childTnLst>
+                                    <p:set>
+                                      <p:cBhvr>
+                                        <p:cTn id="6" dur="1" fill="hold">
+                                          <p:stCondLst>
+                                            <p:cond delay="0"/>
+                                          </p:stCondLst>
+                                        </p:cTn>
+                                        <p:tgtEl>
+                                          <p:spTgt spid="7">
+                                            <p:txEl>
+                                              <p:pRg st="0" end="0"/>
+                                            </p:txEl>
+                                          </p:spTgt>
+                                        </p:tgtEl>
+                                        <p:attrNameLst>
+                                          <p:attrName>style.visibility</p:attrName>
+                                        </p:attrNameLst>
+                                      </p:cBhvr>
+                                      <p:to>
+                                        <p:strVal val="visible"/>
+                                      </p:to>
+                                    </p:set>
+                                    <p:animEffect transition="in" filter="fade">
+                                      <p:cBhvr>
+                                        <p:cTn id="7" dur="1000"/>
+                                        <p:tgtEl>
+                                          <p:spTgt spid="7">
+                                            <p:txEl>
+                                              <p:pRg st="0" end="0"/>
+                                            </p:txEl>
+                                          </p:spTgt>
+                                        </p:tgtEl>
+                                      </p:cBhvr>
+                                    </p:animEffect>
+                                    <p:anim calcmode="lin" valueType="num">
+                                      <p:cBhvr>
+                                        <p:cTn id="8" dur="1000" fill="hold"/>
+                                        <p:tgtEl>
+                                          <p:spTgt spid="7">
+                                            <p:txEl>
+                                              <p:pRg st="0" end="0"/>
+                                            </p:txEl>
+                                          </p:spTgt>
+                                        </p:tgtEl>
+                                        <p:attrNameLst>
+                                          <p:attrName>ppt_x</p:attrName>
+                                        </p:attrNameLst>
+                                      </p:cBhvr>
+                                      <p:tavLst>
+                                        <p:tav tm="0">
+                                          <p:val>
+                                            <p:strVal val="#ppt_x"/>
+                                          </p:val>
+                                        </p:tav>
+                                        <p:tav tm="100000">
+                                          <p:val>
+                                            <p:strVal val="#ppt_x"/>
+                                          </p:val>
+                                        </p:tav>
+                                      </p:tavLst>
+                                    </p:anim>
+                                    <p:anim calcmode="lin" valueType="num">
+                                      <p:cBhvr>
+                                        <p:cTn id="9" dur="1000" fill="hold"/>
+                                        <p:tgtEl>
+                                          <p:spTgt spid="7">
+                                            <p:txEl>
+                                              <p:pRg st="0" end="0"/>
+                                            </p:txEl>
+                                          </p:spTgt>
+                                        </p:tgtEl>
+                                        <p:attrNameLst>
+                                          <p:attrName>ppt_y</p:attrName>
+                                        </p:attrNameLst>
+                                      </p:cBhvr>
+                                      <p:tavLst>
+                                        <p:tav tm="0">
+                                          <p:val>
+                                            <p:strVal val="#ppt_y+.1"/>
+                                          </p:val>
+                                        </p:tav>
+                                        <p:tav tm="100000">
+                                          <p:val>
+                                            <p:strVal val="#ppt_y"/>
+                                          </p:val>
+                                        </p:tav>
+                                      </p:tavLst>
+                                    </p:anim>
+                                  </p:childTnLst>
+                                </p:cTn>
+                              </p:par>
+                              <p:par>
+                                <p:cTn id="10" presetID="42" presetClass="entr" presetSubtype="0" fill="hold" nodeType="withEffect">
+                                  <p:stCondLst>
+                                    <p:cond delay="0"/>
+                                  </p:stCondLst>
+                                  <p:childTnLst>
+                                    <p:set>
+                                      <p:cBhvr>
+                                        <p:cTn id="11" dur="1" fill="hold">
+                                          <p:stCondLst>
+                                            <p:cond delay="0"/>
+                                          </p:stCondLst>
+                                        </p:cTn>
+                                        <p:tgtEl>
+                                          <p:spTgt spid="7">
+                                            <p:txEl>
+                                              <p:pRg st="1" end="1"/>
+                                            </p:txEl>
+                                          </p:spTgt>
+                                        </p:tgtEl>
+                                        <p:attrNameLst>
+                                          <p:attrName>style.visibility</p:attrName>
+                                        </p:attrNameLst>
+                                      </p:cBhvr>
+                                      <p:to>
+                                        <p:strVal val="visible"/>
+                                      </p:to>
+                                    </p:set>
+                                    <p:animEffect transition="in" filter="fade">
+                                      <p:cBhvr>
+                                        <p:cTn id="12" dur="1000"/>
+                                        <p:tgtEl>
+                                          <p:spTgt spid="7">
+                                            <p:txEl>
+                                              <p:pRg st="1" end="1"/>
+                                            </p:txEl>
+                                          </p:spTgt>
+                                        </p:tgtEl>
+                                      </p:cBhvr>
+                                    </p:animEffect>
+                                    <p:anim calcmode="lin" valueType="num">
+                                      <p:cBhvr>
+                                        <p:cTn id="13" dur="1000" fill="hold"/>
+                                        <p:tgtEl>
+                                          <p:spTgt spid="7">
+                                            <p:txEl>
+                                              <p:pRg st="1" end="1"/>
+                                            </p:txEl>
+                                          </p:spTgt>
+                                        </p:tgtEl>
+                                        <p:attrNameLst>
+                                          <p:attrName>ppt_x</p:attrName>
+                                        </p:attrNameLst>
+                                      </p:cBhvr>
+                                      <p:tavLst>
+                                        <p:tav tm="0">
+                                          <p:val>
+                                            <p:strVal val="#ppt_x"/>
+                                          </p:val>
+                                        </p:tav>
+                                        <p:tav tm="100000">
+                                          <p:val>
+                                            <p:strVal val="#ppt_x"/>
+                                          </p:val>
+                                        </p:tav>
+                                      </p:tavLst>
+                                    </p:anim>
+                                    <p:anim calcmode="lin" valueType="num">
+                                      <p:cBhvr>
+                                        <p:cTn id="14" dur="1000" fill="hold"/>
+                                        <p:tgtEl>
+                                          <p:spTgt spid="7">
+                                            <p:txEl>
+                                              <p:pRg st="1" end="1"/>
+                                            </p:txEl>
+                                          </p:spTgt>
+                                        </p:tgtEl>
+                                        <p:attrNameLst>
+                                          <p:attrName>ppt_y</p:attrName>
+                                        </p:attrNameLst>
+                                      </p:cBhvr>
+                                      <p:tavLst>
+                                        <p:tav tm="0">
+                                          <p:val>
+                                            <p:strVal val="#ppt_y+.1"/>
+                                          </p:val>
+                                        </p:tav>
+                                        <p:tav tm="100000">
+                                          <p:val>
+                                            <p:strVal val="#ppt_y"/>
+                                          </p:val>
+                                        </p:tav>
+                                      </p:tavLst>
+                                    </p:anim>
+                                  </p:childTnLst>
+                                </p:cTn>
+                              </p:par>
+                              <p:par>
+                                <p:cTn id="15" presetID="42" presetClass="entr" presetSubtype="0" fill="hold" nodeType="withEffect">
+                                  <p:stCondLst>
+                                    <p:cond delay="0"/>
+                                  </p:stCondLst>
+                                  <p:childTnLst>
+                                    <p:set>
+                                      <p:cBhvr>
+                                        <p:cTn id="16" dur="1" fill="hold">
+                                          <p:stCondLst>
+                                            <p:cond delay="0"/>
+                                          </p:stCondLst>
+                                        </p:cTn>
+                                        <p:tgtEl>
+                                          <p:spTgt spid="7">
+                                            <p:txEl>
+                                              <p:pRg st="2" end="2"/>
+                                            </p:txEl>
+                                          </p:spTgt>
+                                        </p:tgtEl>
+                                        <p:attrNameLst>
+                                          <p:attrName>style.visibility</p:attrName>
+                                        </p:attrNameLst>
+                                      </p:cBhvr>
+                                      <p:to>
+                                        <p:strVal val="visible"/>
+                                      </p:to>
+                                    </p:set>
+                                    <p:animEffect transition="in" filter="fade">
+                                      <p:cBhvr>
+                                        <p:cTn id="17" dur="1000"/>
+                                        <p:tgtEl>
+                                          <p:spTgt spid="7">
+                                            <p:txEl>
+                                              <p:pRg st="2" end="2"/>
+                                            </p:txEl>
+                                          </p:spTgt>
+                                        </p:tgtEl>
+                                      </p:cBhvr>
+                                    </p:animEffect>
+                                    <p:anim calcmode="lin" valueType="num">
+                                      <p:cBhvr>
+                                        <p:cTn id="18" dur="1000" fill="hold"/>
+                                        <p:tgtEl>
+                                          <p:spTgt spid="7">
+                                            <p:txEl>
+                                              <p:pRg st="2" end="2"/>
+                                            </p:txEl>
+                                          </p:spTgt>
+                                        </p:tgtEl>
+                                        <p:attrNameLst>
+                                          <p:attrName>ppt_x</p:attrName>
+                                        </p:attrNameLst>
+                                      </p:cBhvr>
+                                      <p:tavLst>
+                                        <p:tav tm="0">
+                                          <p:val>
+                                            <p:strVal val="#ppt_x"/>
+                                          </p:val>
+                                        </p:tav>
+                                        <p:tav tm="100000">
+                                          <p:val>
+                                            <p:strVal val="#ppt_x"/>
+                                          </p:val>
+                                        </p:tav>
+                                      </p:tavLst>
+                                    </p:anim>
+                                    <p:anim calcmode="lin" valueType="num">
+                                      <p:cBhvr>
+                                        <p:cTn id="19" dur="1000" fill="hold"/>
+                                        <p:tgtEl>
+                                          <p:spTgt spid="7">
+                                            <p:txEl>
+                                              <p:pRg st="2" end="2"/>
+                                            </p:txEl>
+                                          </p:spTgt>
+                                        </p:tgtEl>
+                                        <p:attrNameLst>
+                                          <p:attrName>ppt_y</p:attrName>
+                                        </p:attrNameLst>
+                                      </p:cBhvr>
+                                      <p:tavLst>
+                                        <p:tav tm="0">
+                                          <p:val>
+                                            <p:strVal val="#ppt_y+.1"/>
+                                          </p:val>
+                                        </p:tav>
+                                        <p:tav tm="100000">
+                                          <p:val>
+                                            <p:strVal val="#ppt_y"/>
+                                          </p:val>
+                                        </p:tav>
+                                      </p:tavLst>
+                                    </p:anim>
+                                  </p:childTnLst>
+                                </p:cTn>
+                              </p:par>
+                              <p:par>
+                                <p:cTn id="20" presetID="42" presetClass="entr" presetSubtype="0" fill="hold" nodeType="withEffect">
+                                  <p:stCondLst>
+                                    <p:cond delay="0"/>
+                                  </p:stCondLst>
+                                  <p:childTnLst>
+                                    <p:set>
+                                      <p:cBhvr>
+                                        <p:cTn id="21" dur="1" fill="hold">
+                                          <p:stCondLst>
+                                            <p:cond delay="0"/>
+                                          </p:stCondLst>
+                                        </p:cTn>
+                                        <p:tgtEl>
+                                          <p:spTgt spid="7">
+                                            <p:txEl>
+                                              <p:pRg st="3" end="3"/>
+                                            </p:txEl>
+                                          </p:spTgt>
+                                        </p:tgtEl>
+                                        <p:attrNameLst>
+                                          <p:attrName>style.visibility</p:attrName>
+                                        </p:attrNameLst>
+                                      </p:cBhvr>
+                                      <p:to>
+                                        <p:strVal val="visible"/>
+                                      </p:to>
+                                    </p:set>
+                                    <p:animEffect transition="in" filter="fade">
+                                      <p:cBhvr>
+                                        <p:cTn id="22" dur="1000"/>
+                                        <p:tgtEl>
+                                          <p:spTgt spid="7">
+                                            <p:txEl>
+                                              <p:pRg st="3" end="3"/>
+                                            </p:txEl>
+                                          </p:spTgt>
+                                        </p:tgtEl>
+                                      </p:cBhvr>
+                                    </p:animEffect>
+                                    <p:anim calcmode="lin" valueType="num">
+                                      <p:cBhvr>
+                                        <p:cTn id="23" dur="1000" fill="hold"/>
+                                        <p:tgtEl>
+                                          <p:spTgt spid="7">
+                                            <p:txEl>
+                                              <p:pRg st="3" end="3"/>
+                                            </p:txEl>
+                                          </p:spTgt>
+                                        </p:tgtEl>
+                                        <p:attrNameLst>
+                                          <p:attrName>ppt_x</p:attrName>
+                                        </p:attrNameLst>
+                                      </p:cBhvr>
+                                      <p:tavLst>
+                                        <p:tav tm="0">
+                                          <p:val>
+                                            <p:strVal val="#ppt_x"/>
+                                          </p:val>
+                                        </p:tav>
+                                        <p:tav tm="100000">
+                                          <p:val>
+                                            <p:strVal val="#ppt_x"/>
+                                          </p:val>
+                                        </p:tav>
+                                      </p:tavLst>
+                                    </p:anim>
+                                    <p:anim calcmode="lin" valueType="num">
+                                      <p:cBhvr>
+                                        <p:cTn id="24" dur="1000" fill="hold"/>
+                                        <p:tgtEl>
+                                          <p:spTgt spid="7">
+                                            <p:txEl>
+                                              <p:pRg st="3" end="3"/>
+                                            </p:txEl>
+                                          </p:spTgt>
+                                        </p:tgtEl>
+                                        <p:attrNameLst>
+                                          <p:attrName>ppt_y</p:attrName>
+                                        </p:attrNameLst>
+                                      </p:cBhvr>
+                                      <p:tavLst>
+                                        <p:tav tm="0">
+                                          <p:val>
+                                            <p:strVal val="#ppt_y+.1"/>
+                                          </p:val>
+                                        </p:tav>
+                                        <p:tav tm="100000">
+                                          <p:val>
+                                            <p:strVal val="#ppt_y"/>
+                                          </p:val>
+                                        </p:tav>
+                                      </p:tavLst>
+                                    </p:anim>
+                                  </p:childTnLst>
+                                </p:cTn>
+                              </p:par>
+                            </p:childTnLst>
+                          </p:cTn>
+                        </p:par>
+                      </p:childTnLst>
+                    </p:cTn>
+                  </p:par>
+                  <p:par>
+                    <p:cTn id="25" fill="hold">
+                      <p:stCondLst>
+                        <p:cond delay="indefinite"/>
+                      </p:stCondLst>
+                      <p:childTnLst>
+                        <p:par>
+                          <p:cTn id="26" fill="hold">
+                            <p:stCondLst>
+                              <p:cond delay="0"/>
+                            </p:stCondLst>
+                            <p:childTnLst>
+                              <p:par>
+                                <p:cTn id="27" presetID="42" presetClass="entr" presetSubtype="0" fill="hold" nodeType="clickEffect">
+                                  <p:stCondLst>
+                                    <p:cond delay="0"/>
+                                  </p:stCondLst>
+                                  <p:childTnLst>
+                                    <p:set>
+                                      <p:cBhvr>
+                                        <p:cTn id="28" dur="1" fill="hold">
+                                          <p:stCondLst>
+                                            <p:cond delay="0"/>
+                                          </p:stCondLst>
+                                        </p:cTn>
+                                        <p:tgtEl>
+                                          <p:spTgt spid="7">
+                                            <p:txEl>
+                                              <p:pRg st="5" end="5"/>
+                                            </p:txEl>
+                                          </p:spTgt>
+                                        </p:tgtEl>
+                                        <p:attrNameLst>
+                                          <p:attrName>style.visibility</p:attrName>
+                                        </p:attrNameLst>
+                                      </p:cBhvr>
+                                      <p:to>
+                                        <p:strVal val="visible"/>
+                                      </p:to>
+                                    </p:set>
+                                    <p:animEffect transition="in" filter="fade">
+                                      <p:cBhvr>
+                                        <p:cTn id="29" dur="1000"/>
+                                        <p:tgtEl>
+                                          <p:spTgt spid="7">
+                                            <p:txEl>
+                                              <p:pRg st="5" end="5"/>
+                                            </p:txEl>
+                                          </p:spTgt>
+                                        </p:tgtEl>
+                                      </p:cBhvr>
+                                    </p:animEffect>
+                                    <p:anim calcmode="lin" valueType="num">
+                                      <p:cBhvr>
+                                        <p:cTn id="30" dur="1000" fill="hold"/>
+                                        <p:tgtEl>
+                                          <p:spTgt spid="7">
+                                            <p:txEl>
+                                              <p:pRg st="5" end="5"/>
+                                            </p:txEl>
+                                          </p:spTgt>
+                                        </p:tgtEl>
+                                        <p:attrNameLst>
+                                          <p:attrName>ppt_x</p:attrName>
+                                        </p:attrNameLst>
+                                      </p:cBhvr>
+                                      <p:tavLst>
+                                        <p:tav tm="0">
+                                          <p:val>
+                                            <p:strVal val="#ppt_x"/>
+                                          </p:val>
+                                        </p:tav>
+                                        <p:tav tm="100000">
+                                          <p:val>
+                                            <p:strVal val="#ppt_x"/>
+                                          </p:val>
+                                        </p:tav>
+                                      </p:tavLst>
+                                    </p:anim>
+                                    <p:anim calcmode="lin" valueType="num">
+                                      <p:cBhvr>
+                                        <p:cTn id="31" dur="1000" fill="hold"/>
+                                        <p:tgtEl>
+                                          <p:spTgt spid="7">
+                                            <p:txEl>
+                                              <p:pRg st="5" end="5"/>
+                                            </p:txEl>
+                                          </p:spTgt>
+                                        </p:tgtEl>
+                                        <p:attrNameLst>
+                                          <p:attrName>ppt_y</p:attrName>
+                                        </p:attrNameLst>
+                                      </p:cBhvr>
+                                      <p:tavLst>
+                                        <p:tav tm="0">
+                                          <p:val>
+                                            <p:strVal val="#ppt_y+.1"/>
+                                          </p:val>
+                                        </p:tav>
+                                        <p:tav tm="100000">
+                                          <p:val>
+                                            <p:strVal val="#ppt_y"/>
+                                          </p:val>
+                                        </p:tav>
+                                      </p:tavLst>
+                                    </p:anim>
+                                  </p:childTnLst>
+                                </p:cTn>
+                              </p:par>
+                              <p:par>
+                                <p:cTn id="32" presetID="42" presetClass="entr" presetSubtype="0" fill="hold" nodeType="withEffect">
+                                  <p:stCondLst>
+                                    <p:cond delay="0"/>
+                                  </p:stCondLst>
+                                  <p:childTnLst>
+                                    <p:set>
+                                      <p:cBhvr>
+                                        <p:cTn id="33" dur="1" fill="hold">
+                                          <p:stCondLst>
+                                            <p:cond delay="0"/>
+                                          </p:stCondLst>
+                                        </p:cTn>
+                                        <p:tgtEl>
+                                          <p:spTgt spid="7">
+                                            <p:txEl>
+                                              <p:pRg st="6" end="6"/>
+                                            </p:txEl>
+                                          </p:spTgt>
+                                        </p:tgtEl>
+                                        <p:attrNameLst>
+                                          <p:attrName>style.visibility</p:attrName>
+                                        </p:attrNameLst>
+                                      </p:cBhvr>
+                                      <p:to>
+                                        <p:strVal val="visible"/>
+                                      </p:to>
+                                    </p:set>
+                                    <p:animEffect transition="in" filter="fade">
+                                      <p:cBhvr>
+                                        <p:cTn id="34" dur="1000"/>
+                                        <p:tgtEl>
+                                          <p:spTgt spid="7">
+                                            <p:txEl>
+                                              <p:pRg st="6" end="6"/>
+                                            </p:txEl>
+                                          </p:spTgt>
+                                        </p:tgtEl>
+                                      </p:cBhvr>
+                                    </p:animEffect>
+                                    <p:anim calcmode="lin" valueType="num">
+                                      <p:cBhvr>
+                                        <p:cTn id="35" dur="1000" fill="hold"/>
+                                        <p:tgtEl>
+                                          <p:spTgt spid="7">
+                                            <p:txEl>
+                                              <p:pRg st="6" end="6"/>
+                                            </p:txEl>
+                                          </p:spTgt>
+                                        </p:tgtEl>
+                                        <p:attrNameLst>
+                                          <p:attrName>ppt_x</p:attrName>
+                                        </p:attrNameLst>
+                                      </p:cBhvr>
+                                      <p:tavLst>
+                                        <p:tav tm="0">
+                                          <p:val>
+                                            <p:strVal val="#ppt_x"/>
+                                          </p:val>
+                                        </p:tav>
+                                        <p:tav tm="100000">
+                                          <p:val>
+                                            <p:strVal val="#ppt_x"/>
+                                          </p:val>
+                                        </p:tav>
+                                      </p:tavLst>
+                                    </p:anim>
+                                    <p:anim calcmode="lin" valueType="num">
+                                      <p:cBhvr>
+                                        <p:cTn id="36" dur="1000" fill="hold"/>
+                                        <p:tgtEl>
+                                          <p:spTgt spid="7">
+                                            <p:txEl>
+                                              <p:pRg st="6" end="6"/>
+                                            </p:txEl>
+                                          </p:spTgt>
+                                        </p:tgtEl>
+                                        <p:attrNameLst>
+                                          <p:attrName>ppt_y</p:attrName>
+                                        </p:attrNameLst>
+                                      </p:cBhvr>
+                                      <p:tavLst>
+                                        <p:tav tm="0">
+                                          <p:val>
+                                            <p:strVal val="#ppt_y+.1"/>
+                                          </p:val>
+                                        </p:tav>
+                                        <p:tav tm="100000">
+                                          <p:val>
+                                            <p:strVal val="#ppt_y"/>
+                                          </p:val>
+                                        </p:tav>
+                                      </p:tavLst>
+                                    </p:anim>
+                                  </p:childTnLst>
+                                </p:cTn>
+                              </p:par>
+                              <p:par>
+                                <p:cTn id="37" presetID="42" presetClass="entr" presetSubtype="0" fill="hold" nodeType="withEffect">
+                                  <p:stCondLst>
+                                    <p:cond delay="0"/>
+                                  </p:stCondLst>
+                                  <p:childTnLst>
+                                    <p:set>
+                                      <p:cBhvr>
+                                        <p:cTn id="38" dur="1" fill="hold">
+                                          <p:stCondLst>
+                                            <p:cond delay="0"/>
+                                          </p:stCondLst>
+                                        </p:cTn>
+                                        <p:tgtEl>
+                                          <p:spTgt spid="7">
+                                            <p:txEl>
+                                              <p:pRg st="7" end="7"/>
+                                            </p:txEl>
+                                          </p:spTgt>
+                                        </p:tgtEl>
+                                        <p:attrNameLst>
+                                          <p:attrName>style.visibility</p:attrName>
+                                        </p:attrNameLst>
+                                      </p:cBhvr>
+                                      <p:to>
+                                        <p:strVal val="visible"/>
+                                      </p:to>
+                                    </p:set>
+                                    <p:animEffect transition="in" filter="fade">
+                                      <p:cBhvr>
+                                        <p:cTn id="39" dur="1000"/>
+                                        <p:tgtEl>
+                                          <p:spTgt spid="7">
+                                            <p:txEl>
+                                              <p:pRg st="7" end="7"/>
+                                            </p:txEl>
+                                          </p:spTgt>
+                                        </p:tgtEl>
+                                      </p:cBhvr>
+                                    </p:animEffect>
+                                    <p:anim calcmode="lin" valueType="num">
+                                      <p:cBhvr>
+                                        <p:cTn id="40" dur="1000" fill="hold"/>
+                                        <p:tgtEl>
+                                          <p:spTgt spid="7">
+                                            <p:txEl>
+                                              <p:pRg st="7" end="7"/>
+                                            </p:txEl>
+                                          </p:spTgt>
+                                        </p:tgtEl>
+                                        <p:attrNameLst>
+                                          <p:attrName>ppt_x</p:attrName>
+                                        </p:attrNameLst>
+                                      </p:cBhvr>
+                                      <p:tavLst>
+                                        <p:tav tm="0">
+                                          <p:val>
+                                            <p:strVal val="#ppt_x"/>
+                                          </p:val>
+                                        </p:tav>
+                                        <p:tav tm="100000">
+                                          <p:val>
+                                            <p:strVal val="#ppt_x"/>
+                                          </p:val>
+                                        </p:tav>
+                                      </p:tavLst>
+                                    </p:anim>
+                                    <p:anim calcmode="lin" valueType="num">
+                                      <p:cBhvr>
+                                        <p:cTn id="41" dur="1000" fill="hold"/>
+                                        <p:tgtEl>
+                                          <p:spTgt spid="7">
+                                            <p:txEl>
+                                              <p:pRg st="7" end="7"/>
+                                            </p:txEl>
+                                          </p:spTgt>
+                                        </p:tgtEl>
+                                        <p:attrNameLst>
+                                          <p:attrName>ppt_y</p:attrName>
+                                        </p:attrNameLst>
+                                      </p:cBhvr>
+                                      <p:tavLst>
+                                        <p:tav tm="0">
+                                          <p:val>
+                                            <p:strVal val="#ppt_y+.1"/>
+                                          </p:val>
+                                        </p:tav>
+                                        <p:tav tm="100000">
+                                          <p:val>
+                                            <p:strVal val="#ppt_y"/>
+                                          </p:val>
+                                        </p:tav>
+                                      </p:tavLst>
+                                    </p:anim>
+                                  </p:childTnLst>
+                                </p:cTn>
+                              </p:par>
+                              <p:par>
+                                <p:cTn id="42" presetID="42" presetClass="entr" presetSubtype="0" fill="hold" nodeType="withEffect">
+                                  <p:stCondLst>
+                                    <p:cond delay="0"/>
+                                  </p:stCondLst>
+                                  <p:childTnLst>
+                                    <p:set>
+                                      <p:cBhvr>
+                                        <p:cTn id="43" dur="1" fill="hold">
+                                          <p:stCondLst>
+                                            <p:cond delay="0"/>
+                                          </p:stCondLst>
+                                        </p:cTn>
+                                        <p:tgtEl>
+                                          <p:spTgt spid="7">
+                                            <p:txEl>
+                                              <p:pRg st="8" end="8"/>
+                                            </p:txEl>
+                                          </p:spTgt>
+                                        </p:tgtEl>
+                                        <p:attrNameLst>
+                                          <p:attrName>style.visibility</p:attrName>
+                                        </p:attrNameLst>
+                                      </p:cBhvr>
+                                      <p:to>
+                                        <p:strVal val="visible"/>
+                                      </p:to>
+                                    </p:set>
+                                    <p:animEffect transition="in" filter="fade">
+                                      <p:cBhvr>
+                                        <p:cTn id="44" dur="1000"/>
+                                        <p:tgtEl>
+                                          <p:spTgt spid="7">
+                                            <p:txEl>
+                                              <p:pRg st="8" end="8"/>
+                                            </p:txEl>
+                                          </p:spTgt>
+                                        </p:tgtEl>
+                                      </p:cBhvr>
+                                    </p:animEffect>
+                                    <p:anim calcmode="lin" valueType="num">
+                                      <p:cBhvr>
+                                        <p:cTn id="45" dur="1000" fill="hold"/>
+                                        <p:tgtEl>
+                                          <p:spTgt spid="7">
+                                            <p:txEl>
+                                              <p:pRg st="8" end="8"/>
+                                            </p:txEl>
+                                          </p:spTgt>
+                                        </p:tgtEl>
+                                        <p:attrNameLst>
+                                          <p:attrName>ppt_x</p:attrName>
+                                        </p:attrNameLst>
+                                      </p:cBhvr>
+                                      <p:tavLst>
+                                        <p:tav tm="0">
+                                          <p:val>
+                                            <p:strVal val="#ppt_x"/>
+                                          </p:val>
+                                        </p:tav>
+                                        <p:tav tm="100000">
+                                          <p:val>
+                                            <p:strVal val="#ppt_x"/>
+                                          </p:val>
+                                        </p:tav>
+                                      </p:tavLst>
+                                    </p:anim>
+                                    <p:anim calcmode="lin" valueType="num">
+                                      <p:cBhvr>
+                                        <p:cTn id="46" dur="1000" fill="hold"/>
+                                        <p:tgtEl>
+                                          <p:spTgt spid="7">
+                                            <p:txEl>
+                                              <p:pRg st="8" end="8"/>
+                                            </p:txEl>
+                                          </p:spTgt>
+                                        </p:tgtEl>
+                                        <p:attrNameLst>
+                                          <p:attrName>ppt_y</p:attrName>
+                                        </p:attrNameLst>
+                                      </p:cBhvr>
+                                      <p:tavLst>
+                                        <p:tav tm="0">
+                                          <p:val>
+                                            <p:strVal val="#ppt_y+.1"/>
+                                          </p:val>
+                                        </p:tav>
+                                        <p:tav tm="100000">
+                                          <p:val>
+                                            <p:strVal val="#ppt_y"/>
+                                          </p:val>
+                                        </p:tav>
+                                      </p:tavLst>
+                                    </p:anim>
+                                  </p:childTnLst>
+                                </p:cTn>
+                              </p:par>
+                              <p:par>
+                                <p:cTn id="47" presetID="42" presetClass="entr" presetSubtype="0" fill="hold" nodeType="withEffect">
+                                  <p:stCondLst>
+                                    <p:cond delay="0"/>
+                                  </p:stCondLst>
+                                  <p:childTnLst>
+                                    <p:set>
+                                      <p:cBhvr>
+                                        <p:cTn id="48" dur="1" fill="hold">
+                                          <p:stCondLst>
+                                            <p:cond delay="0"/>
+                                          </p:stCondLst>
+                                        </p:cTn>
+                                        <p:tgtEl>
+                                          <p:spTgt spid="7">
+                                            <p:txEl>
+                                              <p:pRg st="9" end="9"/>
+                                            </p:txEl>
+                                          </p:spTgt>
+                                        </p:tgtEl>
+                                        <p:attrNameLst>
+                                          <p:attrName>style.visibility</p:attrName>
+                                        </p:attrNameLst>
+                                      </p:cBhvr>
+                                      <p:to>
+                                        <p:strVal val="visible"/>
+                                      </p:to>
+                                    </p:set>
+                                    <p:animEffect transition="in" filter="fade">
+                                      <p:cBhvr>
+                                        <p:cTn id="49" dur="1000"/>
+                                        <p:tgtEl>
+                                          <p:spTgt spid="7">
+                                            <p:txEl>
+                                              <p:pRg st="9" end="9"/>
+                                            </p:txEl>
+                                          </p:spTgt>
+                                        </p:tgtEl>
+                                      </p:cBhvr>
+                                    </p:animEffect>
+                                    <p:anim calcmode="lin" valueType="num">
+                                      <p:cBhvr>
+                                        <p:cTn id="50" dur="1000" fill="hold"/>
+                                        <p:tgtEl>
+                                          <p:spTgt spid="7">
+                                            <p:txEl>
+                                              <p:pRg st="9" end="9"/>
+                                            </p:txEl>
+                                          </p:spTgt>
+                                        </p:tgtEl>
+                                        <p:attrNameLst>
+                                          <p:attrName>ppt_x</p:attrName>
+                                        </p:attrNameLst>
+                                      </p:cBhvr>
+                                      <p:tavLst>
+                                        <p:tav tm="0">
+                                          <p:val>
+                                            <p:strVal val="#ppt_x"/>
+                                          </p:val>
+                                        </p:tav>
+                                        <p:tav tm="100000">
+                                          <p:val>
+                                            <p:strVal val="#ppt_x"/>
+                                          </p:val>
+                                        </p:tav>
+                                      </p:tavLst>
+                                    </p:anim>
+                                    <p:anim calcmode="lin" valueType="num">
+                                      <p:cBhvr>
+                                        <p:cTn id="51" dur="1000" fill="hold"/>
+                                        <p:tgtEl>
+                                          <p:spTgt spid="7">
+                                            <p:txEl>
+                                              <p:pRg st="9" end="9"/>
+                                            </p:txEl>
+                                          </p:spTgt>
+                                        </p:tgtEl>
+                                        <p:attrNameLst>
+                                          <p:attrName>ppt_y</p:attrName>
+                                        </p:attrNameLst>
+                                      </p:cBhvr>
+                                      <p:tavLst>
+                                        <p:tav tm="0">
+                                          <p:val>
+                                            <p:strVal val="#ppt_y+.1"/>
+                                          </p:val>
+                                        </p:tav>
+                                        <p:tav tm="100000">
+                                          <p:val>
+                                            <p:strVal val="#ppt_y"/>
+                                          </p:val>
+                                        </p:tav>
+                                      </p:tavLst>
+                                    </p:anim>
+                                  </p:childTnLst>
+                                </p:cTn>
+                              </p:par>
+                              <p:par>
+                                <p:cTn id="52" presetID="42" presetClass="entr" presetSubtype="0" fill="hold" nodeType="withEffect">
+                                  <p:stCondLst>
+                                    <p:cond delay="0"/>
+                                  </p:stCondLst>
+                                  <p:childTnLst>
+                                    <p:set>
+                                      <p:cBhvr>
+                                        <p:cTn id="53" dur="1" fill="hold">
+                                          <p:stCondLst>
+                                            <p:cond delay="0"/>
+                                          </p:stCondLst>
+                                        </p:cTn>
+                                        <p:tgtEl>
+                                          <p:spTgt spid="7">
+                                            <p:txEl>
+                                              <p:pRg st="10" end="10"/>
+                                            </p:txEl>
+                                          </p:spTgt>
+                                        </p:tgtEl>
+                                        <p:attrNameLst>
+                                          <p:attrName>style.visibility</p:attrName>
+                                        </p:attrNameLst>
+                                      </p:cBhvr>
+                                      <p:to>
+                                        <p:strVal val="visible"/>
+                                      </p:to>
+                                    </p:set>
+                                    <p:animEffect transition="in" filter="fade">
+                                      <p:cBhvr>
+                                        <p:cTn id="54" dur="1000"/>
+                                        <p:tgtEl>
+                                          <p:spTgt spid="7">
+                                            <p:txEl>
+                                              <p:pRg st="10" end="10"/>
+                                            </p:txEl>
+                                          </p:spTgt>
+                                        </p:tgtEl>
+                                      </p:cBhvr>
+                                    </p:animEffect>
+                                    <p:anim calcmode="lin" valueType="num">
+                                      <p:cBhvr>
+                                        <p:cTn id="55" dur="1000" fill="hold"/>
+                                        <p:tgtEl>
+                                          <p:spTgt spid="7">
+                                            <p:txEl>
+                                              <p:pRg st="10" end="10"/>
+                                            </p:txEl>
+                                          </p:spTgt>
+                                        </p:tgtEl>
+                                        <p:attrNameLst>
+                                          <p:attrName>ppt_x</p:attrName>
+                                        </p:attrNameLst>
+                                      </p:cBhvr>
+                                      <p:tavLst>
+                                        <p:tav tm="0">
+                                          <p:val>
+                                            <p:strVal val="#ppt_x"/>
+                                          </p:val>
+                                        </p:tav>
+                                        <p:tav tm="100000">
+                                          <p:val>
+                                            <p:strVal val="#ppt_x"/>
+                                          </p:val>
+                                        </p:tav>
+                                      </p:tavLst>
+                                    </p:anim>
+                                    <p:anim calcmode="lin" valueType="num">
+                                      <p:cBhvr>
+                                        <p:cTn id="56" dur="1000" fill="hold"/>
+                                        <p:tgtEl>
+                                          <p:spTgt spid="7">
+                                            <p:txEl>
+                                              <p:pRg st="10" end="10"/>
+                                            </p:txEl>
+                                          </p:spTgt>
+                                        </p:tgtEl>
+                                        <p:attrNameLst>
+                                          <p:attrName>ppt_y</p:attrName>
+                                        </p:attrNameLst>
+                                      </p:cBhvr>
+                                      <p:tavLst>
+                                        <p:tav tm="0">
+                                          <p:val>
+                                            <p:strVal val="#ppt_y+.1"/>
+                                          </p:val>
+                                        </p:tav>
+                                        <p:tav tm="100000">
+                                          <p:val>
+                                            <p:strVal val="#ppt_y"/>
+                                          </p:val>
+                                        </p:tav>
+                                      </p:tavLst>
+                                    </p:anim>
+                                  </p:childTnLst>
+                                </p:cTn>
+                              </p:par>
+                            </p:childTnLst>
+                          </p:cTn>
+                        </p:par>
+                      </p:childTnLst>
+                    </p:cTn>
+                  </p:par>
+                  <p:par>
+                    <p:cTn id="57" fill="hold">
+                      <p:stCondLst>
+                        <p:cond delay="indefinite"/>
+                      </p:stCondLst>
+                      <p:childTnLst>
+                        <p:par>
+                          <p:cTn id="58" fill="hold">
+                            <p:stCondLst>
+                              <p:cond delay="0"/>
+                            </p:stCondLst>
+                            <p:childTnLst>
+                              <p:par>
+                                <p:cTn id="59" presetID="42" presetClass="entr" presetSubtype="0" fill="hold" nodeType="clickEffect">
+                                  <p:stCondLst>
+                                    <p:cond delay="0"/>
+                                  </p:stCondLst>
+                                  <p:childTnLst>
+                                    <p:set>
+                                      <p:cBhvr>
+                                        <p:cTn id="60" dur="1" fill="hold">
+                                          <p:stCondLst>
+                                            <p:cond delay="0"/>
+                                          </p:stCondLst>
+                                        </p:cTn>
+                                        <p:tgtEl>
+                                          <p:spTgt spid="7">
+                                            <p:txEl>
+                                              <p:pRg st="12" end="12"/>
+                                            </p:txEl>
+                                          </p:spTgt>
+                                        </p:tgtEl>
+                                        <p:attrNameLst>
+                                          <p:attrName>style.visibility</p:attrName>
+                                        </p:attrNameLst>
+                                      </p:cBhvr>
+                                      <p:to>
+                                        <p:strVal val="visible"/>
+                                      </p:to>
+                                    </p:set>
+                                    <p:animEffect transition="in" filter="fade">
+                                      <p:cBhvr>
+                                        <p:cTn id="61" dur="1000"/>
+                                        <p:tgtEl>
+                                          <p:spTgt spid="7">
+                                            <p:txEl>
+                                              <p:pRg st="12" end="12"/>
+                                            </p:txEl>
+                                          </p:spTgt>
+                                        </p:tgtEl>
+                                      </p:cBhvr>
+                                    </p:animEffect>
+                                    <p:anim calcmode="lin" valueType="num">
+                                      <p:cBhvr>
+                                        <p:cTn id="62" dur="1000" fill="hold"/>
+                                        <p:tgtEl>
+                                          <p:spTgt spid="7">
+                                            <p:txEl>
+                                              <p:pRg st="12" end="12"/>
+                                            </p:txEl>
+                                          </p:spTgt>
+                                        </p:tgtEl>
+                                        <p:attrNameLst>
+                                          <p:attrName>ppt_x</p:attrName>
+                                        </p:attrNameLst>
+                                      </p:cBhvr>
+                                      <p:tavLst>
+                                        <p:tav tm="0">
+                                          <p:val>
+                                            <p:strVal val="#ppt_x"/>
+                                          </p:val>
+                                        </p:tav>
+                                        <p:tav tm="100000">
+                                          <p:val>
+                                            <p:strVal val="#ppt_x"/>
+                                          </p:val>
+                                        </p:tav>
+                                      </p:tavLst>
+                                    </p:anim>
+                                    <p:anim calcmode="lin" valueType="num">
+                                      <p:cBhvr>
+                                        <p:cTn id="63" dur="1000" fill="hold"/>
+                                        <p:tgtEl>
+                                          <p:spTgt spid="7">
+                                            <p:txEl>
+                                              <p:pRg st="12" end="12"/>
+                                            </p:txEl>
+                                          </p:spTgt>
+                                        </p:tgtEl>
+                                        <p:attrNameLst>
+                                          <p:attrName>ppt_y</p:attrName>
+                                        </p:attrNameLst>
+                                      </p:cBhvr>
+                                      <p:tavLst>
+                                        <p:tav tm="0">
+                                          <p:val>
+                                            <p:strVal val="#ppt_y+.1"/>
+                                          </p:val>
+                                        </p:tav>
+                                        <p:tav tm="100000">
+                                          <p:val>
+                                            <p:strVal val="#ppt_y"/>
+                                          </p:val>
+                                        </p:tav>
+                                      </p:tavLst>
+                                    </p:anim>
+                                  </p:childTnLst>
+                                </p:cTn>
+                              </p:par>
+                            </p:childTnLst>
+                          </p:cTn>
+                        </p:par>
+                      </p:childTnLst>
+                    </p:cTn>
+                  </p:par>
+                </p:childTnLst>
+              </p:cTn>
+              <p:prevCondLst>
+                <p:cond evt="onPrev" delay="0">
+                  <p:tgtEl>
+                    <p:sldTgt/>
+                  </p:tgtEl>
+                </p:cond>
+              </p:prevCondLst>
+              <p:nextCondLst>
+                <p:cond evt="onNext" delay="0">
+                  <p:tgtEl>
+                    <p:sldTgt/>
+                  </p:tgtEl>
+                </p:cond>
+              </p:nextCondLst>
+            </p:seq>
+          </p:childTnLst>
+        </p:cTn>
+      </p:par>
+    </p:tnLst>
+  </p:timing>
 </p:sld>
 </file>
 
 <file path=ppt/slides/slide4.xml><?xml version="1.0" encoding="utf-8"?>
+<p:sld xmlns:a="http://schemas.openxmlformats.org/drawingml/2006/main" xmlns:r="http://schemas.openxmlformats.org/officeDocument/2006/relationships" xmlns:p="http://schemas.openxmlformats.org/presentationml/2006/main" show="0">
+  <p:cSld>
+    <p:spTree>
+      <p:nvGrpSpPr>
+        <p:cNvPr id="1" name="">
+          <a:extLst>
+            <a:ext uri="{FF2B5EF4-FFF2-40B4-BE49-F238E27FC236}">
+              <a16:creationId xmlns:a16="http://schemas.microsoft.com/office/drawing/2014/main" id="{CEFD780E-16BB-83ED-5052-FB094C4CE3F2}"/>
+            </a:ext>
+          </a:extLst>
+        </p:cNvPr>
+        <p:cNvGrpSpPr/>
+        <p:nvPr/>
+      </p:nvGrpSpPr>
+      <p:grpSpPr>
+        <a:xfrm>
+          <a:off x="0" y="0"/>
+          <a:ext cx="0" cy="0"/>
+          <a:chOff x="0" y="0"/>
+          <a:chExt cx="0" cy="0"/>
+        </a:xfrm>
+      </p:grpSpPr>
+      <p:sp>
+        <p:nvSpPr>
+          <p:cNvPr id="2" name="Title 1">
+            <a:extLst>
+              <a:ext uri="{FF2B5EF4-FFF2-40B4-BE49-F238E27FC236}">
+                <a16:creationId xmlns:a16="http://schemas.microsoft.com/office/drawing/2014/main" id="{69F9038C-A589-6823-2EB8-B4E49682D967}"/>
+              </a:ext>
+            </a:extLst>
+          </p:cNvPr>
+          <p:cNvSpPr>
+            <a:spLocks noGrp="1"/>
+          </p:cNvSpPr>
+          <p:nvPr>
+            <p:ph type="title"/>
+          </p:nvPr>
+        </p:nvSpPr>
+        <p:spPr>
+          <a:xfrm>
+            <a:off x="457200" y="0"/>
+            <a:ext cx="8229600" cy="914400"/>
+          </a:xfrm>
+        </p:spPr>
+        <p:txBody>
+          <a:bodyPr>
+            <a:normAutofit fontScale="90000"/>
+          </a:bodyPr>
+          <a:lstStyle/>
+          <a:p>
+            <a:pPr algn="l"/>
+            <a:r>
+              <a:rPr lang="en-US" sz="3600" dirty="0"/>
+              <a:t>A quick review…</a:t>
+            </a:r>
+            <a:br>
+              <a:rPr lang="en-US" dirty="0"/>
+            </a:br>
+            <a:r>
+              <a:rPr lang="en-US" sz="2400" dirty="0">
+                <a:solidFill>
+                  <a:schemeClr val="tx2">
+                    <a:lumMod val="60000"/>
+                    <a:lumOff val="40000"/>
+                  </a:schemeClr>
+                </a:solidFill>
+              </a:rPr>
+              <a:t>Truth, The Nature of Mankind, and Worldviews</a:t>
+            </a:r>
+          </a:p>
+        </p:txBody>
+      </p:sp>
+      <p:sp>
+        <p:nvSpPr>
+          <p:cNvPr id="5" name="Scroll: Horizontal 3">
+            <a:extLst>
+              <a:ext uri="{FF2B5EF4-FFF2-40B4-BE49-F238E27FC236}">
+                <a16:creationId xmlns:a16="http://schemas.microsoft.com/office/drawing/2014/main" id="{E1785E24-9EC4-E403-5A7A-5B947EB38332}"/>
+              </a:ext>
+            </a:extLst>
+          </p:cNvPr>
+          <p:cNvSpPr/>
+          <p:nvPr/>
+        </p:nvSpPr>
+        <p:spPr>
+          <a:xfrm>
+            <a:off x="457200" y="229618"/>
+            <a:ext cx="8307977" cy="6628382"/>
+          </a:xfrm>
+          <a:prstGeom prst="horizontalScroll">
+            <a:avLst/>
+          </a:prstGeom>
+          <a:solidFill>
+            <a:schemeClr val="accent6">
+              <a:lumMod val="75000"/>
+            </a:schemeClr>
+          </a:solidFill>
+        </p:spPr>
+        <p:style>
+          <a:lnRef idx="2">
+            <a:schemeClr val="accent1">
+              <a:shade val="50000"/>
+            </a:schemeClr>
+          </a:lnRef>
+          <a:fillRef idx="1">
+            <a:schemeClr val="accent1"/>
+          </a:fillRef>
+          <a:effectRef idx="0">
+            <a:schemeClr val="accent1"/>
+          </a:effectRef>
+          <a:fontRef idx="minor">
+            <a:schemeClr val="lt1"/>
+          </a:fontRef>
+        </p:style>
+        <p:txBody>
+          <a:bodyPr rtlCol="0" anchor="ctr"/>
+          <a:lstStyle/>
+          <a:p>
+            <a:pPr marL="285750" indent="-285750">
+              <a:buFont typeface="Arial" panose="020B0604020202020204" pitchFamily="34" charset="0"/>
+              <a:buChar char="•"/>
+            </a:pPr>
+            <a:r>
+              <a:rPr lang="en-US" b="1" dirty="0"/>
+              <a:t>Truth</a:t>
+            </a:r>
+            <a:r>
+              <a:rPr lang="en-US" dirty="0"/>
+              <a:t> is objective, knowable, and </a:t>
+            </a:r>
+            <a:r>
+              <a:rPr lang="en-US" u="sng" dirty="0"/>
+              <a:t>personified</a:t>
+            </a:r>
+            <a:r>
+              <a:rPr lang="en-US" dirty="0"/>
+              <a:t> in Jesus of Nazareth. (John 14:6-11; John 18:37; Acts 2:22)</a:t>
+            </a:r>
+          </a:p>
+          <a:p>
+            <a:endParaRPr lang="en-US" dirty="0"/>
+          </a:p>
+          <a:p>
+            <a:pPr marL="285750" indent="-285750">
+              <a:buFont typeface="Arial" panose="020B0604020202020204" pitchFamily="34" charset="0"/>
+              <a:buChar char="•"/>
+            </a:pPr>
+            <a:r>
+              <a:rPr lang="en-US" dirty="0"/>
+              <a:t>The </a:t>
+            </a:r>
+            <a:r>
+              <a:rPr lang="en-US" b="1" dirty="0"/>
+              <a:t>Natural Man</a:t>
+            </a:r>
+            <a:r>
+              <a:rPr lang="en-US" dirty="0"/>
+              <a:t> recognizes God’s creativity and intelligence in the created order; </a:t>
+            </a:r>
+            <a:r>
+              <a:rPr lang="en-US" i="1" dirty="0"/>
+              <a:t>but suppresses the truth in unrighteousness</a:t>
+            </a:r>
+            <a:r>
+              <a:rPr lang="en-US" dirty="0"/>
+              <a:t>. (Romans 1)</a:t>
+            </a:r>
+          </a:p>
+          <a:p>
+            <a:pPr marL="285750" indent="-285750">
+              <a:buFont typeface="Arial" panose="020B0604020202020204" pitchFamily="34" charset="0"/>
+              <a:buChar char="•"/>
+            </a:pPr>
+            <a:endParaRPr lang="en-US" dirty="0"/>
+          </a:p>
+          <a:p>
+            <a:pPr marL="285750" indent="-285750">
+              <a:buFont typeface="Arial" panose="020B0604020202020204" pitchFamily="34" charset="0"/>
+              <a:buChar char="•"/>
+            </a:pPr>
+            <a:r>
+              <a:rPr lang="en-US" dirty="0"/>
+              <a:t>The </a:t>
+            </a:r>
+            <a:r>
+              <a:rPr lang="en-US" b="1" dirty="0"/>
+              <a:t>Moral Man</a:t>
+            </a:r>
+            <a:r>
+              <a:rPr lang="en-US" dirty="0"/>
+              <a:t> recognizes how things ought to be; </a:t>
+            </a:r>
+            <a:r>
+              <a:rPr lang="en-US" i="1" dirty="0"/>
+              <a:t>but falls short of God’s goodness revealed via his own conscience and rationality</a:t>
+            </a:r>
+            <a:r>
+              <a:rPr lang="en-US" dirty="0"/>
+              <a:t>. (Romans 2)</a:t>
+            </a:r>
+          </a:p>
+          <a:p>
+            <a:pPr marL="285750" indent="-285750">
+              <a:buFont typeface="Arial" panose="020B0604020202020204" pitchFamily="34" charset="0"/>
+              <a:buChar char="•"/>
+            </a:pPr>
+            <a:endParaRPr lang="en-US" dirty="0"/>
+          </a:p>
+          <a:p>
+            <a:pPr marL="285750" indent="-285750">
+              <a:buFont typeface="Arial" panose="020B0604020202020204" pitchFamily="34" charset="0"/>
+              <a:buChar char="•"/>
+            </a:pPr>
+            <a:r>
+              <a:rPr lang="en-US" dirty="0"/>
+              <a:t>The </a:t>
+            </a:r>
+            <a:r>
+              <a:rPr lang="en-US" b="1" dirty="0"/>
+              <a:t>Religious Man</a:t>
+            </a:r>
+            <a:r>
+              <a:rPr lang="en-US" dirty="0"/>
+              <a:t> recognizes that God exists, and that God has expectations; </a:t>
+            </a:r>
+            <a:r>
+              <a:rPr lang="en-US" i="1" dirty="0"/>
+              <a:t>but succumbs to selfish pride, artificial authority, arrogance, and hypocrisy</a:t>
+            </a:r>
+            <a:r>
+              <a:rPr lang="en-US" dirty="0"/>
+              <a:t>. (Romans 3)</a:t>
+            </a:r>
+          </a:p>
+          <a:p>
+            <a:endParaRPr lang="en-US" dirty="0"/>
+          </a:p>
+          <a:p>
+            <a:pPr marL="285750" indent="-285750">
+              <a:buFont typeface="Arial" panose="020B0604020202020204" pitchFamily="34" charset="0"/>
+              <a:buChar char="•"/>
+            </a:pPr>
+            <a:r>
+              <a:rPr lang="en-US" dirty="0"/>
+              <a:t>The </a:t>
+            </a:r>
+            <a:r>
+              <a:rPr lang="en-US" b="1" dirty="0"/>
+              <a:t>Just Man </a:t>
+            </a:r>
+            <a:r>
+              <a:rPr lang="en-US" dirty="0"/>
+              <a:t>relies upon God’s promise, lives by faith; </a:t>
+            </a:r>
+            <a:r>
+              <a:rPr lang="en-US" i="1" dirty="0"/>
+              <a:t>and receives the blessing of imputed righteousness. </a:t>
+            </a:r>
+            <a:r>
+              <a:rPr lang="en-US" dirty="0"/>
+              <a:t>(Romans 4) </a:t>
+            </a:r>
+          </a:p>
+          <a:p>
+            <a:pPr marL="285750" indent="-285750">
+              <a:buFont typeface="Arial" panose="020B0604020202020204" pitchFamily="34" charset="0"/>
+              <a:buChar char="•"/>
+            </a:pPr>
+            <a:endParaRPr lang="en-US" dirty="0"/>
+          </a:p>
+        </p:txBody>
+      </p:sp>
+      <p:sp>
+        <p:nvSpPr>
+          <p:cNvPr id="3" name="TextBox 2">
+            <a:extLst>
+              <a:ext uri="{FF2B5EF4-FFF2-40B4-BE49-F238E27FC236}">
+                <a16:creationId xmlns:a16="http://schemas.microsoft.com/office/drawing/2014/main" id="{83EB2878-5A97-E86C-4891-CF7A2C641EAB}"/>
+              </a:ext>
+            </a:extLst>
+          </p:cNvPr>
+          <p:cNvSpPr txBox="1"/>
+          <p:nvPr/>
+        </p:nvSpPr>
+        <p:spPr>
+          <a:xfrm>
+            <a:off x="8251152" y="6496970"/>
+            <a:ext cx="511679" cy="246221"/>
+          </a:xfrm>
+          <a:prstGeom prst="rect">
+            <a:avLst/>
+          </a:prstGeom>
+          <a:noFill/>
+        </p:spPr>
+        <p:txBody>
+          <a:bodyPr wrap="none" rtlCol="0">
+            <a:spAutoFit/>
+          </a:bodyPr>
+          <a:lstStyle/>
+          <a:p>
+            <a:r>
+              <a:rPr lang="en-US" sz="1000" dirty="0"/>
+              <a:t>NKJV</a:t>
+            </a:r>
+          </a:p>
+        </p:txBody>
+      </p:sp>
+    </p:spTree>
+    <p:extLst>
+      <p:ext uri="{BB962C8B-B14F-4D97-AF65-F5344CB8AC3E}">
+        <p14:creationId xmlns:p14="http://schemas.microsoft.com/office/powerpoint/2010/main" val="3830492099"/>
+      </p:ext>
+    </p:extLst>
+  </p:cSld>
+  <p:clrMapOvr>
+    <a:masterClrMapping/>
+  </p:clrMapOvr>
+  <p:timing>
+    <p:tnLst>
+      <p:par>
+        <p:cTn id="1" dur="indefinite" restart="never" nodeType="tmRoot">
+          <p:childTnLst>
+            <p:seq concurrent="1" nextAc="seek">
+              <p:cTn id="2" dur="indefinite" nodeType="mainSeq">
+                <p:childTnLst>
+                  <p:par>
+                    <p:cTn id="3" fill="hold">
+                      <p:stCondLst>
+                        <p:cond delay="indefinite"/>
+                      </p:stCondLst>
+                      <p:childTnLst>
+                        <p:par>
+                          <p:cTn id="4" fill="hold">
+                            <p:stCondLst>
+                              <p:cond delay="0"/>
+                            </p:stCondLst>
+                            <p:childTnLst>
+                              <p:par>
+                                <p:cTn id="5" presetID="42" presetClass="entr" presetSubtype="0" fill="hold" grpId="0" nodeType="clickEffect">
+                                  <p:stCondLst>
+                                    <p:cond delay="0"/>
+                                  </p:stCondLst>
+                                  <p:childTnLst>
+                                    <p:set>
+                                      <p:cBhvr>
+                                        <p:cTn id="6" dur="1" fill="hold">
+                                          <p:stCondLst>
+                                            <p:cond delay="0"/>
+                                          </p:stCondLst>
+                                        </p:cTn>
+                                        <p:tgtEl>
+                                          <p:spTgt spid="5"/>
+                                        </p:tgtEl>
+                                        <p:attrNameLst>
+                                          <p:attrName>style.visibility</p:attrName>
+                                        </p:attrNameLst>
+                                      </p:cBhvr>
+                                      <p:to>
+                                        <p:strVal val="visible"/>
+                                      </p:to>
+                                    </p:set>
+                                    <p:animEffect transition="in" filter="fade">
+                                      <p:cBhvr>
+                                        <p:cTn id="7" dur="1000"/>
+                                        <p:tgtEl>
+                                          <p:spTgt spid="5"/>
+                                        </p:tgtEl>
+                                      </p:cBhvr>
+                                    </p:animEffect>
+                                    <p:anim calcmode="lin" valueType="num">
+                                      <p:cBhvr>
+                                        <p:cTn id="8" dur="1000" fill="hold"/>
+                                        <p:tgtEl>
+                                          <p:spTgt spid="5"/>
+                                        </p:tgtEl>
+                                        <p:attrNameLst>
+                                          <p:attrName>ppt_x</p:attrName>
+                                        </p:attrNameLst>
+                                      </p:cBhvr>
+                                      <p:tavLst>
+                                        <p:tav tm="0">
+                                          <p:val>
+                                            <p:strVal val="#ppt_x"/>
+                                          </p:val>
+                                        </p:tav>
+                                        <p:tav tm="100000">
+                                          <p:val>
+                                            <p:strVal val="#ppt_x"/>
+                                          </p:val>
+                                        </p:tav>
+                                      </p:tavLst>
+                                    </p:anim>
+                                    <p:anim calcmode="lin" valueType="num">
+                                      <p:cBhvr>
+                                        <p:cTn id="9" dur="1000" fill="hold"/>
+                                        <p:tgtEl>
+                                          <p:spTgt spid="5"/>
+                                        </p:tgtEl>
+                                        <p:attrNameLst>
+                                          <p:attrName>ppt_y</p:attrName>
+                                        </p:attrNameLst>
+                                      </p:cBhvr>
+                                      <p:tavLst>
+                                        <p:tav tm="0">
+                                          <p:val>
+                                            <p:strVal val="#ppt_y+.1"/>
+                                          </p:val>
+                                        </p:tav>
+                                        <p:tav tm="100000">
+                                          <p:val>
+                                            <p:strVal val="#ppt_y"/>
+                                          </p:val>
+                                        </p:tav>
+                                      </p:tavLst>
+                                    </p:anim>
+                                  </p:childTnLst>
+                                </p:cTn>
+                              </p:par>
+                            </p:childTnLst>
+                          </p:cTn>
+                        </p:par>
+                      </p:childTnLst>
+                    </p:cTn>
+                  </p:par>
+                  <p:par>
+                    <p:cTn id="10" fill="hold">
+                      <p:stCondLst>
+                        <p:cond delay="indefinite"/>
+                      </p:stCondLst>
+                      <p:childTnLst>
+                        <p:par>
+                          <p:cTn id="11" fill="hold">
+                            <p:stCondLst>
+                              <p:cond delay="0"/>
+                            </p:stCondLst>
+                            <p:childTnLst>
+                              <p:par>
+                                <p:cTn id="12" presetID="42" presetClass="entr" presetSubtype="0" fill="hold" nodeType="clickEffect">
+                                  <p:stCondLst>
+                                    <p:cond delay="0"/>
+                                  </p:stCondLst>
+                                  <p:childTnLst>
+                                    <p:set>
+                                      <p:cBhvr>
+                                        <p:cTn id="13" dur="1" fill="hold">
+                                          <p:stCondLst>
+                                            <p:cond delay="0"/>
+                                          </p:stCondLst>
+                                        </p:cTn>
+                                        <p:tgtEl>
+                                          <p:spTgt spid="5">
+                                            <p:txEl>
+                                              <p:pRg st="0" end="0"/>
+                                            </p:txEl>
+                                          </p:spTgt>
+                                        </p:tgtEl>
+                                        <p:attrNameLst>
+                                          <p:attrName>style.visibility</p:attrName>
+                                        </p:attrNameLst>
+                                      </p:cBhvr>
+                                      <p:to>
+                                        <p:strVal val="visible"/>
+                                      </p:to>
+                                    </p:set>
+                                    <p:animEffect transition="in" filter="fade">
+                                      <p:cBhvr>
+                                        <p:cTn id="14" dur="1000"/>
+                                        <p:tgtEl>
+                                          <p:spTgt spid="5">
+                                            <p:txEl>
+                                              <p:pRg st="0" end="0"/>
+                                            </p:txEl>
+                                          </p:spTgt>
+                                        </p:tgtEl>
+                                      </p:cBhvr>
+                                    </p:animEffect>
+                                    <p:anim calcmode="lin" valueType="num">
+                                      <p:cBhvr>
+                                        <p:cTn id="15" dur="1000" fill="hold"/>
+                                        <p:tgtEl>
+                                          <p:spTgt spid="5">
+                                            <p:txEl>
+                                              <p:pRg st="0" end="0"/>
+                                            </p:txEl>
+                                          </p:spTgt>
+                                        </p:tgtEl>
+                                        <p:attrNameLst>
+                                          <p:attrName>ppt_x</p:attrName>
+                                        </p:attrNameLst>
+                                      </p:cBhvr>
+                                      <p:tavLst>
+                                        <p:tav tm="0">
+                                          <p:val>
+                                            <p:strVal val="#ppt_x"/>
+                                          </p:val>
+                                        </p:tav>
+                                        <p:tav tm="100000">
+                                          <p:val>
+                                            <p:strVal val="#ppt_x"/>
+                                          </p:val>
+                                        </p:tav>
+                                      </p:tavLst>
+                                    </p:anim>
+                                    <p:anim calcmode="lin" valueType="num">
+                                      <p:cBhvr>
+                                        <p:cTn id="16" dur="1000" fill="hold"/>
+                                        <p:tgtEl>
+                                          <p:spTgt spid="5">
+                                            <p:txEl>
+                                              <p:pRg st="0" end="0"/>
+                                            </p:txEl>
+                                          </p:spTgt>
+                                        </p:tgtEl>
+                                        <p:attrNameLst>
+                                          <p:attrName>ppt_y</p:attrName>
+                                        </p:attrNameLst>
+                                      </p:cBhvr>
+                                      <p:tavLst>
+                                        <p:tav tm="0">
+                                          <p:val>
+                                            <p:strVal val="#ppt_y+.1"/>
+                                          </p:val>
+                                        </p:tav>
+                                        <p:tav tm="100000">
+                                          <p:val>
+                                            <p:strVal val="#ppt_y"/>
+                                          </p:val>
+                                        </p:tav>
+                                      </p:tavLst>
+                                    </p:anim>
+                                  </p:childTnLst>
+                                </p:cTn>
+                              </p:par>
+                            </p:childTnLst>
+                          </p:cTn>
+                        </p:par>
+                      </p:childTnLst>
+                    </p:cTn>
+                  </p:par>
+                  <p:par>
+                    <p:cTn id="17" fill="hold">
+                      <p:stCondLst>
+                        <p:cond delay="indefinite"/>
+                      </p:stCondLst>
+                      <p:childTnLst>
+                        <p:par>
+                          <p:cTn id="18" fill="hold">
+                            <p:stCondLst>
+                              <p:cond delay="0"/>
+                            </p:stCondLst>
+                            <p:childTnLst>
+                              <p:par>
+                                <p:cTn id="19" presetID="42" presetClass="entr" presetSubtype="0" fill="hold" nodeType="clickEffect">
+                                  <p:stCondLst>
+                                    <p:cond delay="0"/>
+                                  </p:stCondLst>
+                                  <p:childTnLst>
+                                    <p:set>
+                                      <p:cBhvr>
+                                        <p:cTn id="20" dur="1" fill="hold">
+                                          <p:stCondLst>
+                                            <p:cond delay="0"/>
+                                          </p:stCondLst>
+                                        </p:cTn>
+                                        <p:tgtEl>
+                                          <p:spTgt spid="5">
+                                            <p:txEl>
+                                              <p:pRg st="2" end="2"/>
+                                            </p:txEl>
+                                          </p:spTgt>
+                                        </p:tgtEl>
+                                        <p:attrNameLst>
+                                          <p:attrName>style.visibility</p:attrName>
+                                        </p:attrNameLst>
+                                      </p:cBhvr>
+                                      <p:to>
+                                        <p:strVal val="visible"/>
+                                      </p:to>
+                                    </p:set>
+                                    <p:animEffect transition="in" filter="fade">
+                                      <p:cBhvr>
+                                        <p:cTn id="21" dur="1000"/>
+                                        <p:tgtEl>
+                                          <p:spTgt spid="5">
+                                            <p:txEl>
+                                              <p:pRg st="2" end="2"/>
+                                            </p:txEl>
+                                          </p:spTgt>
+                                        </p:tgtEl>
+                                      </p:cBhvr>
+                                    </p:animEffect>
+                                    <p:anim calcmode="lin" valueType="num">
+                                      <p:cBhvr>
+                                        <p:cTn id="22" dur="1000" fill="hold"/>
+                                        <p:tgtEl>
+                                          <p:spTgt spid="5">
+                                            <p:txEl>
+                                              <p:pRg st="2" end="2"/>
+                                            </p:txEl>
+                                          </p:spTgt>
+                                        </p:tgtEl>
+                                        <p:attrNameLst>
+                                          <p:attrName>ppt_x</p:attrName>
+                                        </p:attrNameLst>
+                                      </p:cBhvr>
+                                      <p:tavLst>
+                                        <p:tav tm="0">
+                                          <p:val>
+                                            <p:strVal val="#ppt_x"/>
+                                          </p:val>
+                                        </p:tav>
+                                        <p:tav tm="100000">
+                                          <p:val>
+                                            <p:strVal val="#ppt_x"/>
+                                          </p:val>
+                                        </p:tav>
+                                      </p:tavLst>
+                                    </p:anim>
+                                    <p:anim calcmode="lin" valueType="num">
+                                      <p:cBhvr>
+                                        <p:cTn id="23" dur="1000" fill="hold"/>
+                                        <p:tgtEl>
+                                          <p:spTgt spid="5">
+                                            <p:txEl>
+                                              <p:pRg st="2" end="2"/>
+                                            </p:txEl>
+                                          </p:spTgt>
+                                        </p:tgtEl>
+                                        <p:attrNameLst>
+                                          <p:attrName>ppt_y</p:attrName>
+                                        </p:attrNameLst>
+                                      </p:cBhvr>
+                                      <p:tavLst>
+                                        <p:tav tm="0">
+                                          <p:val>
+                                            <p:strVal val="#ppt_y+.1"/>
+                                          </p:val>
+                                        </p:tav>
+                                        <p:tav tm="100000">
+                                          <p:val>
+                                            <p:strVal val="#ppt_y"/>
+                                          </p:val>
+                                        </p:tav>
+                                      </p:tavLst>
+                                    </p:anim>
+                                  </p:childTnLst>
+                                </p:cTn>
+                              </p:par>
+                            </p:childTnLst>
+                          </p:cTn>
+                        </p:par>
+                      </p:childTnLst>
+                    </p:cTn>
+                  </p:par>
+                  <p:par>
+                    <p:cTn id="24" fill="hold">
+                      <p:stCondLst>
+                        <p:cond delay="indefinite"/>
+                      </p:stCondLst>
+                      <p:childTnLst>
+                        <p:par>
+                          <p:cTn id="25" fill="hold">
+                            <p:stCondLst>
+                              <p:cond delay="0"/>
+                            </p:stCondLst>
+                            <p:childTnLst>
+                              <p:par>
+                                <p:cTn id="26" presetID="42" presetClass="entr" presetSubtype="0" fill="hold" nodeType="clickEffect">
+                                  <p:stCondLst>
+                                    <p:cond delay="0"/>
+                                  </p:stCondLst>
+                                  <p:childTnLst>
+                                    <p:set>
+                                      <p:cBhvr>
+                                        <p:cTn id="27" dur="1" fill="hold">
+                                          <p:stCondLst>
+                                            <p:cond delay="0"/>
+                                          </p:stCondLst>
+                                        </p:cTn>
+                                        <p:tgtEl>
+                                          <p:spTgt spid="5">
+                                            <p:txEl>
+                                              <p:pRg st="4" end="4"/>
+                                            </p:txEl>
+                                          </p:spTgt>
+                                        </p:tgtEl>
+                                        <p:attrNameLst>
+                                          <p:attrName>style.visibility</p:attrName>
+                                        </p:attrNameLst>
+                                      </p:cBhvr>
+                                      <p:to>
+                                        <p:strVal val="visible"/>
+                                      </p:to>
+                                    </p:set>
+                                    <p:animEffect transition="in" filter="fade">
+                                      <p:cBhvr>
+                                        <p:cTn id="28" dur="1000"/>
+                                        <p:tgtEl>
+                                          <p:spTgt spid="5">
+                                            <p:txEl>
+                                              <p:pRg st="4" end="4"/>
+                                            </p:txEl>
+                                          </p:spTgt>
+                                        </p:tgtEl>
+                                      </p:cBhvr>
+                                    </p:animEffect>
+                                    <p:anim calcmode="lin" valueType="num">
+                                      <p:cBhvr>
+                                        <p:cTn id="29" dur="1000" fill="hold"/>
+                                        <p:tgtEl>
+                                          <p:spTgt spid="5">
+                                            <p:txEl>
+                                              <p:pRg st="4" end="4"/>
+                                            </p:txEl>
+                                          </p:spTgt>
+                                        </p:tgtEl>
+                                        <p:attrNameLst>
+                                          <p:attrName>ppt_x</p:attrName>
+                                        </p:attrNameLst>
+                                      </p:cBhvr>
+                                      <p:tavLst>
+                                        <p:tav tm="0">
+                                          <p:val>
+                                            <p:strVal val="#ppt_x"/>
+                                          </p:val>
+                                        </p:tav>
+                                        <p:tav tm="100000">
+                                          <p:val>
+                                            <p:strVal val="#ppt_x"/>
+                                          </p:val>
+                                        </p:tav>
+                                      </p:tavLst>
+                                    </p:anim>
+                                    <p:anim calcmode="lin" valueType="num">
+                                      <p:cBhvr>
+                                        <p:cTn id="30" dur="1000" fill="hold"/>
+                                        <p:tgtEl>
+                                          <p:spTgt spid="5">
+                                            <p:txEl>
+                                              <p:pRg st="4" end="4"/>
+                                            </p:txEl>
+                                          </p:spTgt>
+                                        </p:tgtEl>
+                                        <p:attrNameLst>
+                                          <p:attrName>ppt_y</p:attrName>
+                                        </p:attrNameLst>
+                                      </p:cBhvr>
+                                      <p:tavLst>
+                                        <p:tav tm="0">
+                                          <p:val>
+                                            <p:strVal val="#ppt_y+.1"/>
+                                          </p:val>
+                                        </p:tav>
+                                        <p:tav tm="100000">
+                                          <p:val>
+                                            <p:strVal val="#ppt_y"/>
+                                          </p:val>
+                                        </p:tav>
+                                      </p:tavLst>
+                                    </p:anim>
+                                  </p:childTnLst>
+                                </p:cTn>
+                              </p:par>
+                            </p:childTnLst>
+                          </p:cTn>
+                        </p:par>
+                      </p:childTnLst>
+                    </p:cTn>
+                  </p:par>
+                  <p:par>
+                    <p:cTn id="31" fill="hold">
+                      <p:stCondLst>
+                        <p:cond delay="indefinite"/>
+                      </p:stCondLst>
+                      <p:childTnLst>
+                        <p:par>
+                          <p:cTn id="32" fill="hold">
+                            <p:stCondLst>
+                              <p:cond delay="0"/>
+                            </p:stCondLst>
+                            <p:childTnLst>
+                              <p:par>
+                                <p:cTn id="33" presetID="42" presetClass="entr" presetSubtype="0" fill="hold" nodeType="clickEffect">
+                                  <p:stCondLst>
+                                    <p:cond delay="0"/>
+                                  </p:stCondLst>
+                                  <p:childTnLst>
+                                    <p:set>
+                                      <p:cBhvr>
+                                        <p:cTn id="34" dur="1" fill="hold">
+                                          <p:stCondLst>
+                                            <p:cond delay="0"/>
+                                          </p:stCondLst>
+                                        </p:cTn>
+                                        <p:tgtEl>
+                                          <p:spTgt spid="5">
+                                            <p:txEl>
+                                              <p:pRg st="6" end="6"/>
+                                            </p:txEl>
+                                          </p:spTgt>
+                                        </p:tgtEl>
+                                        <p:attrNameLst>
+                                          <p:attrName>style.visibility</p:attrName>
+                                        </p:attrNameLst>
+                                      </p:cBhvr>
+                                      <p:to>
+                                        <p:strVal val="visible"/>
+                                      </p:to>
+                                    </p:set>
+                                    <p:animEffect transition="in" filter="fade">
+                                      <p:cBhvr>
+                                        <p:cTn id="35" dur="1000"/>
+                                        <p:tgtEl>
+                                          <p:spTgt spid="5">
+                                            <p:txEl>
+                                              <p:pRg st="6" end="6"/>
+                                            </p:txEl>
+                                          </p:spTgt>
+                                        </p:tgtEl>
+                                      </p:cBhvr>
+                                    </p:animEffect>
+                                    <p:anim calcmode="lin" valueType="num">
+                                      <p:cBhvr>
+                                        <p:cTn id="36" dur="1000" fill="hold"/>
+                                        <p:tgtEl>
+                                          <p:spTgt spid="5">
+                                            <p:txEl>
+                                              <p:pRg st="6" end="6"/>
+                                            </p:txEl>
+                                          </p:spTgt>
+                                        </p:tgtEl>
+                                        <p:attrNameLst>
+                                          <p:attrName>ppt_x</p:attrName>
+                                        </p:attrNameLst>
+                                      </p:cBhvr>
+                                      <p:tavLst>
+                                        <p:tav tm="0">
+                                          <p:val>
+                                            <p:strVal val="#ppt_x"/>
+                                          </p:val>
+                                        </p:tav>
+                                        <p:tav tm="100000">
+                                          <p:val>
+                                            <p:strVal val="#ppt_x"/>
+                                          </p:val>
+                                        </p:tav>
+                                      </p:tavLst>
+                                    </p:anim>
+                                    <p:anim calcmode="lin" valueType="num">
+                                      <p:cBhvr>
+                                        <p:cTn id="37" dur="1000" fill="hold"/>
+                                        <p:tgtEl>
+                                          <p:spTgt spid="5">
+                                            <p:txEl>
+                                              <p:pRg st="6" end="6"/>
+                                            </p:txEl>
+                                          </p:spTgt>
+                                        </p:tgtEl>
+                                        <p:attrNameLst>
+                                          <p:attrName>ppt_y</p:attrName>
+                                        </p:attrNameLst>
+                                      </p:cBhvr>
+                                      <p:tavLst>
+                                        <p:tav tm="0">
+                                          <p:val>
+                                            <p:strVal val="#ppt_y+.1"/>
+                                          </p:val>
+                                        </p:tav>
+                                        <p:tav tm="100000">
+                                          <p:val>
+                                            <p:strVal val="#ppt_y"/>
+                                          </p:val>
+                                        </p:tav>
+                                      </p:tavLst>
+                                    </p:anim>
+                                  </p:childTnLst>
+                                </p:cTn>
+                              </p:par>
+                            </p:childTnLst>
+                          </p:cTn>
+                        </p:par>
+                      </p:childTnLst>
+                    </p:cTn>
+                  </p:par>
+                  <p:par>
+                    <p:cTn id="38" fill="hold">
+                      <p:stCondLst>
+                        <p:cond delay="indefinite"/>
+                      </p:stCondLst>
+                      <p:childTnLst>
+                        <p:par>
+                          <p:cTn id="39" fill="hold">
+                            <p:stCondLst>
+                              <p:cond delay="0"/>
+                            </p:stCondLst>
+                            <p:childTnLst>
+                              <p:par>
+                                <p:cTn id="40" presetID="42" presetClass="entr" presetSubtype="0" fill="hold" nodeType="clickEffect">
+                                  <p:stCondLst>
+                                    <p:cond delay="0"/>
+                                  </p:stCondLst>
+                                  <p:childTnLst>
+                                    <p:set>
+                                      <p:cBhvr>
+                                        <p:cTn id="41" dur="1" fill="hold">
+                                          <p:stCondLst>
+                                            <p:cond delay="0"/>
+                                          </p:stCondLst>
+                                        </p:cTn>
+                                        <p:tgtEl>
+                                          <p:spTgt spid="5">
+                                            <p:txEl>
+                                              <p:pRg st="8" end="8"/>
+                                            </p:txEl>
+                                          </p:spTgt>
+                                        </p:tgtEl>
+                                        <p:attrNameLst>
+                                          <p:attrName>style.visibility</p:attrName>
+                                        </p:attrNameLst>
+                                      </p:cBhvr>
+                                      <p:to>
+                                        <p:strVal val="visible"/>
+                                      </p:to>
+                                    </p:set>
+                                    <p:animEffect transition="in" filter="fade">
+                                      <p:cBhvr>
+                                        <p:cTn id="42" dur="1000"/>
+                                        <p:tgtEl>
+                                          <p:spTgt spid="5">
+                                            <p:txEl>
+                                              <p:pRg st="8" end="8"/>
+                                            </p:txEl>
+                                          </p:spTgt>
+                                        </p:tgtEl>
+                                      </p:cBhvr>
+                                    </p:animEffect>
+                                    <p:anim calcmode="lin" valueType="num">
+                                      <p:cBhvr>
+                                        <p:cTn id="43" dur="1000" fill="hold"/>
+                                        <p:tgtEl>
+                                          <p:spTgt spid="5">
+                                            <p:txEl>
+                                              <p:pRg st="8" end="8"/>
+                                            </p:txEl>
+                                          </p:spTgt>
+                                        </p:tgtEl>
+                                        <p:attrNameLst>
+                                          <p:attrName>ppt_x</p:attrName>
+                                        </p:attrNameLst>
+                                      </p:cBhvr>
+                                      <p:tavLst>
+                                        <p:tav tm="0">
+                                          <p:val>
+                                            <p:strVal val="#ppt_x"/>
+                                          </p:val>
+                                        </p:tav>
+                                        <p:tav tm="100000">
+                                          <p:val>
+                                            <p:strVal val="#ppt_x"/>
+                                          </p:val>
+                                        </p:tav>
+                                      </p:tavLst>
+                                    </p:anim>
+                                    <p:anim calcmode="lin" valueType="num">
+                                      <p:cBhvr>
+                                        <p:cTn id="44" dur="1000" fill="hold"/>
+                                        <p:tgtEl>
+                                          <p:spTgt spid="5">
+                                            <p:txEl>
+                                              <p:pRg st="8" end="8"/>
+                                            </p:txEl>
+                                          </p:spTgt>
+                                        </p:tgtEl>
+                                        <p:attrNameLst>
+                                          <p:attrName>ppt_y</p:attrName>
+                                        </p:attrNameLst>
+                                      </p:cBhvr>
+                                      <p:tavLst>
+                                        <p:tav tm="0">
+                                          <p:val>
+                                            <p:strVal val="#ppt_y+.1"/>
+                                          </p:val>
+                                        </p:tav>
+                                        <p:tav tm="100000">
+                                          <p:val>
+                                            <p:strVal val="#ppt_y"/>
+                                          </p:val>
+                                        </p:tav>
+                                      </p:tavLst>
+                                    </p:anim>
+                                  </p:childTnLst>
+                                </p:cTn>
+                              </p:par>
+                            </p:childTnLst>
+                          </p:cTn>
+                        </p:par>
+                      </p:childTnLst>
+                    </p:cTn>
+                  </p:par>
+                </p:childTnLst>
+              </p:cTn>
+              <p:prevCondLst>
+                <p:cond evt="onPrev" delay="0">
+                  <p:tgtEl>
+                    <p:sldTgt/>
+                  </p:tgtEl>
+                </p:cond>
+              </p:prevCondLst>
+              <p:nextCondLst>
+                <p:cond evt="onNext" delay="0">
+                  <p:tgtEl>
+                    <p:sldTgt/>
+                  </p:tgtEl>
+                </p:cond>
+              </p:nextCondLst>
+            </p:seq>
+          </p:childTnLst>
+        </p:cTn>
+      </p:par>
+    </p:tnLst>
+    <p:bldLst>
+      <p:bldP spid="5" grpId="0" animBg="1"/>
+    </p:bldLst>
+  </p:timing>
+</p:sld>
+</file>
+
+<file path=ppt/slides/slide5.xml><?xml version="1.0" encoding="utf-8"?>
+<p:sld xmlns:a="http://schemas.openxmlformats.org/drawingml/2006/main" xmlns:r="http://schemas.openxmlformats.org/officeDocument/2006/relationships" xmlns:p="http://schemas.openxmlformats.org/presentationml/2006/main">
+  <p:cSld>
+    <p:spTree>
+      <p:nvGrpSpPr>
+        <p:cNvPr id="1" name="">
+          <a:extLst>
+            <a:ext uri="{FF2B5EF4-FFF2-40B4-BE49-F238E27FC236}">
+              <a16:creationId xmlns:a16="http://schemas.microsoft.com/office/drawing/2014/main" id="{56F0C206-0727-D279-3924-4433DBE1DD4B}"/>
+            </a:ext>
+          </a:extLst>
+        </p:cNvPr>
+        <p:cNvGrpSpPr/>
+        <p:nvPr/>
+      </p:nvGrpSpPr>
+      <p:grpSpPr>
+        <a:xfrm>
+          <a:off x="0" y="0"/>
+          <a:ext cx="0" cy="0"/>
+          <a:chOff x="0" y="0"/>
+          <a:chExt cx="0" cy="0"/>
+        </a:xfrm>
+      </p:grpSpPr>
+      <p:sp>
+        <p:nvSpPr>
+          <p:cNvPr id="4" name="Title 1">
+            <a:extLst>
+              <a:ext uri="{FF2B5EF4-FFF2-40B4-BE49-F238E27FC236}">
+                <a16:creationId xmlns:a16="http://schemas.microsoft.com/office/drawing/2014/main" id="{901A5497-55FD-095A-1D89-F41A571A6C76}"/>
+              </a:ext>
+            </a:extLst>
+          </p:cNvPr>
+          <p:cNvSpPr>
+            <a:spLocks noGrp="1"/>
+          </p:cNvSpPr>
+          <p:nvPr>
+            <p:ph type="title"/>
+          </p:nvPr>
+        </p:nvSpPr>
+        <p:spPr>
+          <a:xfrm>
+            <a:off x="228600" y="7088"/>
+            <a:ext cx="8839200" cy="914400"/>
+          </a:xfrm>
+        </p:spPr>
+        <p:txBody>
+          <a:bodyPr>
+            <a:normAutofit fontScale="90000"/>
+          </a:bodyPr>
+          <a:lstStyle/>
+          <a:p>
+            <a:pPr algn="l"/>
+            <a:r>
+              <a:rPr lang="en-US" sz="3600" dirty="0"/>
+              <a:t>Knowing God – Encouraging Self-Reflection</a:t>
+            </a:r>
+            <a:br>
+              <a:rPr lang="en-US" sz="3600" dirty="0"/>
+            </a:br>
+            <a:r>
+              <a:rPr lang="en-US" sz="2400" dirty="0">
+                <a:solidFill>
+                  <a:schemeClr val="tx2">
+                    <a:lumMod val="60000"/>
+                    <a:lumOff val="40000"/>
+                  </a:schemeClr>
+                </a:solidFill>
+              </a:rPr>
+              <a:t>Leveraging the </a:t>
+            </a:r>
+            <a:r>
+              <a:rPr lang="en-US" sz="2400" u="sng" dirty="0">
+                <a:solidFill>
+                  <a:schemeClr val="tx2">
+                    <a:lumMod val="60000"/>
+                    <a:lumOff val="40000"/>
+                  </a:schemeClr>
+                </a:solidFill>
+              </a:rPr>
+              <a:t>Nature of Man</a:t>
+            </a:r>
+            <a:r>
+              <a:rPr lang="en-US" sz="2400" dirty="0">
+                <a:solidFill>
+                  <a:schemeClr val="tx2">
+                    <a:lumMod val="60000"/>
+                    <a:lumOff val="40000"/>
+                  </a:schemeClr>
+                </a:solidFill>
+              </a:rPr>
+              <a:t> in Evangelism - </a:t>
+            </a:r>
+            <a:r>
+              <a:rPr lang="en-US" sz="2400" u="sng" dirty="0">
+                <a:solidFill>
+                  <a:schemeClr val="tx2">
+                    <a:lumMod val="60000"/>
+                    <a:lumOff val="40000"/>
+                  </a:schemeClr>
+                </a:solidFill>
+              </a:rPr>
+              <a:t>Objectives</a:t>
+            </a:r>
+            <a:endParaRPr lang="en-US" sz="2400" i="1" u="sng" dirty="0">
+              <a:solidFill>
+                <a:schemeClr val="tx2">
+                  <a:lumMod val="60000"/>
+                  <a:lumOff val="40000"/>
+                </a:schemeClr>
+              </a:solidFill>
+            </a:endParaRPr>
+          </a:p>
+        </p:txBody>
+      </p:sp>
+      <p:sp>
+        <p:nvSpPr>
+          <p:cNvPr id="7" name="TextBox 6">
+            <a:extLst>
+              <a:ext uri="{FF2B5EF4-FFF2-40B4-BE49-F238E27FC236}">
+                <a16:creationId xmlns:a16="http://schemas.microsoft.com/office/drawing/2014/main" id="{1F176B9E-0A91-EB7E-A48C-712785C2F8E9}"/>
+              </a:ext>
+            </a:extLst>
+          </p:cNvPr>
+          <p:cNvSpPr txBox="1"/>
+          <p:nvPr/>
+        </p:nvSpPr>
+        <p:spPr>
+          <a:xfrm>
+            <a:off x="228600" y="1295400"/>
+            <a:ext cx="8686800" cy="3170099"/>
+          </a:xfrm>
+          <a:prstGeom prst="rect">
+            <a:avLst/>
+          </a:prstGeom>
+          <a:noFill/>
+        </p:spPr>
+        <p:txBody>
+          <a:bodyPr wrap="square">
+            <a:spAutoFit/>
+          </a:bodyPr>
+          <a:lstStyle/>
+          <a:p>
+            <a:pPr marL="457200" indent="-457200">
+              <a:buFont typeface="+mj-lt"/>
+              <a:buAutoNum type="arabicPeriod"/>
+            </a:pPr>
+            <a:r>
+              <a:rPr lang="en-US" sz="2000" b="1" dirty="0">
+                <a:latin typeface="+mn-lt"/>
+              </a:rPr>
+              <a:t>Establish the Reality of God’s Existence and Moral Law. </a:t>
+            </a:r>
+          </a:p>
+          <a:p>
+            <a:pPr marL="457200" indent="-457200">
+              <a:buFont typeface="+mj-lt"/>
+              <a:buAutoNum type="arabicPeriod"/>
+            </a:pPr>
+            <a:endParaRPr lang="en-US" sz="2000" b="1" dirty="0">
+              <a:latin typeface="+mn-lt"/>
+            </a:endParaRPr>
+          </a:p>
+          <a:p>
+            <a:pPr marL="457200" indent="-457200">
+              <a:buFont typeface="+mj-lt"/>
+              <a:buAutoNum type="arabicPeriod"/>
+            </a:pPr>
+            <a:r>
+              <a:rPr lang="en-US" sz="2000" b="1" dirty="0">
+                <a:latin typeface="+mn-lt"/>
+              </a:rPr>
+              <a:t>Convict the Conscience Through God’s Law.  </a:t>
+            </a:r>
+          </a:p>
+          <a:p>
+            <a:pPr marL="457200" indent="-457200">
+              <a:buFont typeface="+mj-lt"/>
+              <a:buAutoNum type="arabicPeriod"/>
+            </a:pPr>
+            <a:endParaRPr lang="en-US" sz="2000" b="1" dirty="0">
+              <a:latin typeface="+mn-lt"/>
+            </a:endParaRPr>
+          </a:p>
+          <a:p>
+            <a:pPr marL="457200" indent="-457200">
+              <a:buFont typeface="+mj-lt"/>
+              <a:buAutoNum type="arabicPeriod"/>
+            </a:pPr>
+            <a:r>
+              <a:rPr lang="en-US" sz="2000" b="1" dirty="0">
+                <a:latin typeface="+mn-lt"/>
+              </a:rPr>
+              <a:t>Illustrate the Consequence of Sin (God’s Justice).  </a:t>
+            </a:r>
+          </a:p>
+          <a:p>
+            <a:pPr marL="457200" indent="-457200">
+              <a:buFont typeface="+mj-lt"/>
+              <a:buAutoNum type="arabicPeriod"/>
+            </a:pPr>
+            <a:endParaRPr lang="en-US" sz="2000" b="1" dirty="0">
+              <a:latin typeface="+mn-lt"/>
+            </a:endParaRPr>
+          </a:p>
+          <a:p>
+            <a:pPr marL="457200" indent="-457200">
+              <a:buFont typeface="+mj-lt"/>
+              <a:buAutoNum type="arabicPeriod"/>
+            </a:pPr>
+            <a:r>
+              <a:rPr lang="en-US" sz="2000" b="1" dirty="0">
+                <a:latin typeface="+mn-lt"/>
+              </a:rPr>
+              <a:t>Present the Gospel of Grace. </a:t>
+            </a:r>
+          </a:p>
+          <a:p>
+            <a:pPr marL="457200" indent="-457200">
+              <a:buFont typeface="+mj-lt"/>
+              <a:buAutoNum type="arabicPeriod"/>
+            </a:pPr>
+            <a:endParaRPr lang="en-US" sz="2000" b="1" dirty="0">
+              <a:latin typeface="+mn-lt"/>
+            </a:endParaRPr>
+          </a:p>
+          <a:p>
+            <a:pPr marL="457200" indent="-457200">
+              <a:buFont typeface="+mj-lt"/>
+              <a:buAutoNum type="arabicPeriod"/>
+            </a:pPr>
+            <a:r>
+              <a:rPr lang="en-US" sz="2000" b="1" dirty="0">
+                <a:latin typeface="+mn-lt"/>
+              </a:rPr>
+              <a:t>Call for Repentance, Faith, and a Covenant Relationship via Baptism.  </a:t>
+            </a:r>
+          </a:p>
+        </p:txBody>
+      </p:sp>
+    </p:spTree>
+    <p:extLst>
+      <p:ext uri="{BB962C8B-B14F-4D97-AF65-F5344CB8AC3E}">
+        <p14:creationId xmlns:p14="http://schemas.microsoft.com/office/powerpoint/2010/main" val="2144255864"/>
+      </p:ext>
+    </p:extLst>
+  </p:cSld>
+  <p:clrMapOvr>
+    <a:masterClrMapping/>
+  </p:clrMapOvr>
+  <p:timing>
+    <p:tnLst>
+      <p:par>
+        <p:cTn id="1" dur="indefinite" restart="never" nodeType="tmRoot">
+          <p:childTnLst>
+            <p:seq concurrent="1" nextAc="seek">
+              <p:cTn id="2" dur="indefinite" nodeType="mainSeq">
+                <p:childTnLst>
+                  <p:par>
+                    <p:cTn id="3" fill="hold">
+                      <p:stCondLst>
+                        <p:cond delay="indefinite"/>
+                      </p:stCondLst>
+                      <p:childTnLst>
+                        <p:par>
+                          <p:cTn id="4" fill="hold">
+                            <p:stCondLst>
+                              <p:cond delay="0"/>
+                            </p:stCondLst>
+                            <p:childTnLst>
+                              <p:par>
+                                <p:cTn id="5" presetID="42" presetClass="entr" presetSubtype="0" fill="hold" nodeType="clickEffect">
+                                  <p:stCondLst>
+                                    <p:cond delay="0"/>
+                                  </p:stCondLst>
+                                  <p:childTnLst>
+                                    <p:set>
+                                      <p:cBhvr>
+                                        <p:cTn id="6" dur="1" fill="hold">
+                                          <p:stCondLst>
+                                            <p:cond delay="0"/>
+                                          </p:stCondLst>
+                                        </p:cTn>
+                                        <p:tgtEl>
+                                          <p:spTgt spid="7">
+                                            <p:txEl>
+                                              <p:pRg st="0" end="0"/>
+                                            </p:txEl>
+                                          </p:spTgt>
+                                        </p:tgtEl>
+                                        <p:attrNameLst>
+                                          <p:attrName>style.visibility</p:attrName>
+                                        </p:attrNameLst>
+                                      </p:cBhvr>
+                                      <p:to>
+                                        <p:strVal val="visible"/>
+                                      </p:to>
+                                    </p:set>
+                                    <p:animEffect transition="in" filter="fade">
+                                      <p:cBhvr>
+                                        <p:cTn id="7" dur="1000"/>
+                                        <p:tgtEl>
+                                          <p:spTgt spid="7">
+                                            <p:txEl>
+                                              <p:pRg st="0" end="0"/>
+                                            </p:txEl>
+                                          </p:spTgt>
+                                        </p:tgtEl>
+                                      </p:cBhvr>
+                                    </p:animEffect>
+                                    <p:anim calcmode="lin" valueType="num">
+                                      <p:cBhvr>
+                                        <p:cTn id="8" dur="1000" fill="hold"/>
+                                        <p:tgtEl>
+                                          <p:spTgt spid="7">
+                                            <p:txEl>
+                                              <p:pRg st="0" end="0"/>
+                                            </p:txEl>
+                                          </p:spTgt>
+                                        </p:tgtEl>
+                                        <p:attrNameLst>
+                                          <p:attrName>ppt_x</p:attrName>
+                                        </p:attrNameLst>
+                                      </p:cBhvr>
+                                      <p:tavLst>
+                                        <p:tav tm="0">
+                                          <p:val>
+                                            <p:strVal val="#ppt_x"/>
+                                          </p:val>
+                                        </p:tav>
+                                        <p:tav tm="100000">
+                                          <p:val>
+                                            <p:strVal val="#ppt_x"/>
+                                          </p:val>
+                                        </p:tav>
+                                      </p:tavLst>
+                                    </p:anim>
+                                    <p:anim calcmode="lin" valueType="num">
+                                      <p:cBhvr>
+                                        <p:cTn id="9" dur="1000" fill="hold"/>
+                                        <p:tgtEl>
+                                          <p:spTgt spid="7">
+                                            <p:txEl>
+                                              <p:pRg st="0" end="0"/>
+                                            </p:txEl>
+                                          </p:spTgt>
+                                        </p:tgtEl>
+                                        <p:attrNameLst>
+                                          <p:attrName>ppt_y</p:attrName>
+                                        </p:attrNameLst>
+                                      </p:cBhvr>
+                                      <p:tavLst>
+                                        <p:tav tm="0">
+                                          <p:val>
+                                            <p:strVal val="#ppt_y+.1"/>
+                                          </p:val>
+                                        </p:tav>
+                                        <p:tav tm="100000">
+                                          <p:val>
+                                            <p:strVal val="#ppt_y"/>
+                                          </p:val>
+                                        </p:tav>
+                                      </p:tavLst>
+                                    </p:anim>
+                                  </p:childTnLst>
+                                </p:cTn>
+                              </p:par>
+                            </p:childTnLst>
+                          </p:cTn>
+                        </p:par>
+                      </p:childTnLst>
+                    </p:cTn>
+                  </p:par>
+                  <p:par>
+                    <p:cTn id="10" fill="hold">
+                      <p:stCondLst>
+                        <p:cond delay="indefinite"/>
+                      </p:stCondLst>
+                      <p:childTnLst>
+                        <p:par>
+                          <p:cTn id="11" fill="hold">
+                            <p:stCondLst>
+                              <p:cond delay="0"/>
+                            </p:stCondLst>
+                            <p:childTnLst>
+                              <p:par>
+                                <p:cTn id="12" presetID="42" presetClass="entr" presetSubtype="0" fill="hold" nodeType="clickEffect">
+                                  <p:stCondLst>
+                                    <p:cond delay="0"/>
+                                  </p:stCondLst>
+                                  <p:childTnLst>
+                                    <p:set>
+                                      <p:cBhvr>
+                                        <p:cTn id="13" dur="1" fill="hold">
+                                          <p:stCondLst>
+                                            <p:cond delay="0"/>
+                                          </p:stCondLst>
+                                        </p:cTn>
+                                        <p:tgtEl>
+                                          <p:spTgt spid="7">
+                                            <p:txEl>
+                                              <p:pRg st="2" end="2"/>
+                                            </p:txEl>
+                                          </p:spTgt>
+                                        </p:tgtEl>
+                                        <p:attrNameLst>
+                                          <p:attrName>style.visibility</p:attrName>
+                                        </p:attrNameLst>
+                                      </p:cBhvr>
+                                      <p:to>
+                                        <p:strVal val="visible"/>
+                                      </p:to>
+                                    </p:set>
+                                    <p:animEffect transition="in" filter="fade">
+                                      <p:cBhvr>
+                                        <p:cTn id="14" dur="1000"/>
+                                        <p:tgtEl>
+                                          <p:spTgt spid="7">
+                                            <p:txEl>
+                                              <p:pRg st="2" end="2"/>
+                                            </p:txEl>
+                                          </p:spTgt>
+                                        </p:tgtEl>
+                                      </p:cBhvr>
+                                    </p:animEffect>
+                                    <p:anim calcmode="lin" valueType="num">
+                                      <p:cBhvr>
+                                        <p:cTn id="15" dur="1000" fill="hold"/>
+                                        <p:tgtEl>
+                                          <p:spTgt spid="7">
+                                            <p:txEl>
+                                              <p:pRg st="2" end="2"/>
+                                            </p:txEl>
+                                          </p:spTgt>
+                                        </p:tgtEl>
+                                        <p:attrNameLst>
+                                          <p:attrName>ppt_x</p:attrName>
+                                        </p:attrNameLst>
+                                      </p:cBhvr>
+                                      <p:tavLst>
+                                        <p:tav tm="0">
+                                          <p:val>
+                                            <p:strVal val="#ppt_x"/>
+                                          </p:val>
+                                        </p:tav>
+                                        <p:tav tm="100000">
+                                          <p:val>
+                                            <p:strVal val="#ppt_x"/>
+                                          </p:val>
+                                        </p:tav>
+                                      </p:tavLst>
+                                    </p:anim>
+                                    <p:anim calcmode="lin" valueType="num">
+                                      <p:cBhvr>
+                                        <p:cTn id="16" dur="1000" fill="hold"/>
+                                        <p:tgtEl>
+                                          <p:spTgt spid="7">
+                                            <p:txEl>
+                                              <p:pRg st="2" end="2"/>
+                                            </p:txEl>
+                                          </p:spTgt>
+                                        </p:tgtEl>
+                                        <p:attrNameLst>
+                                          <p:attrName>ppt_y</p:attrName>
+                                        </p:attrNameLst>
+                                      </p:cBhvr>
+                                      <p:tavLst>
+                                        <p:tav tm="0">
+                                          <p:val>
+                                            <p:strVal val="#ppt_y+.1"/>
+                                          </p:val>
+                                        </p:tav>
+                                        <p:tav tm="100000">
+                                          <p:val>
+                                            <p:strVal val="#ppt_y"/>
+                                          </p:val>
+                                        </p:tav>
+                                      </p:tavLst>
+                                    </p:anim>
+                                  </p:childTnLst>
+                                </p:cTn>
+                              </p:par>
+                            </p:childTnLst>
+                          </p:cTn>
+                        </p:par>
+                      </p:childTnLst>
+                    </p:cTn>
+                  </p:par>
+                  <p:par>
+                    <p:cTn id="17" fill="hold">
+                      <p:stCondLst>
+                        <p:cond delay="indefinite"/>
+                      </p:stCondLst>
+                      <p:childTnLst>
+                        <p:par>
+                          <p:cTn id="18" fill="hold">
+                            <p:stCondLst>
+                              <p:cond delay="0"/>
+                            </p:stCondLst>
+                            <p:childTnLst>
+                              <p:par>
+                                <p:cTn id="19" presetID="42" presetClass="entr" presetSubtype="0" fill="hold" nodeType="clickEffect">
+                                  <p:stCondLst>
+                                    <p:cond delay="0"/>
+                                  </p:stCondLst>
+                                  <p:childTnLst>
+                                    <p:set>
+                                      <p:cBhvr>
+                                        <p:cTn id="20" dur="1" fill="hold">
+                                          <p:stCondLst>
+                                            <p:cond delay="0"/>
+                                          </p:stCondLst>
+                                        </p:cTn>
+                                        <p:tgtEl>
+                                          <p:spTgt spid="7">
+                                            <p:txEl>
+                                              <p:pRg st="4" end="4"/>
+                                            </p:txEl>
+                                          </p:spTgt>
+                                        </p:tgtEl>
+                                        <p:attrNameLst>
+                                          <p:attrName>style.visibility</p:attrName>
+                                        </p:attrNameLst>
+                                      </p:cBhvr>
+                                      <p:to>
+                                        <p:strVal val="visible"/>
+                                      </p:to>
+                                    </p:set>
+                                    <p:animEffect transition="in" filter="fade">
+                                      <p:cBhvr>
+                                        <p:cTn id="21" dur="1000"/>
+                                        <p:tgtEl>
+                                          <p:spTgt spid="7">
+                                            <p:txEl>
+                                              <p:pRg st="4" end="4"/>
+                                            </p:txEl>
+                                          </p:spTgt>
+                                        </p:tgtEl>
+                                      </p:cBhvr>
+                                    </p:animEffect>
+                                    <p:anim calcmode="lin" valueType="num">
+                                      <p:cBhvr>
+                                        <p:cTn id="22" dur="1000" fill="hold"/>
+                                        <p:tgtEl>
+                                          <p:spTgt spid="7">
+                                            <p:txEl>
+                                              <p:pRg st="4" end="4"/>
+                                            </p:txEl>
+                                          </p:spTgt>
+                                        </p:tgtEl>
+                                        <p:attrNameLst>
+                                          <p:attrName>ppt_x</p:attrName>
+                                        </p:attrNameLst>
+                                      </p:cBhvr>
+                                      <p:tavLst>
+                                        <p:tav tm="0">
+                                          <p:val>
+                                            <p:strVal val="#ppt_x"/>
+                                          </p:val>
+                                        </p:tav>
+                                        <p:tav tm="100000">
+                                          <p:val>
+                                            <p:strVal val="#ppt_x"/>
+                                          </p:val>
+                                        </p:tav>
+                                      </p:tavLst>
+                                    </p:anim>
+                                    <p:anim calcmode="lin" valueType="num">
+                                      <p:cBhvr>
+                                        <p:cTn id="23" dur="1000" fill="hold"/>
+                                        <p:tgtEl>
+                                          <p:spTgt spid="7">
+                                            <p:txEl>
+                                              <p:pRg st="4" end="4"/>
+                                            </p:txEl>
+                                          </p:spTgt>
+                                        </p:tgtEl>
+                                        <p:attrNameLst>
+                                          <p:attrName>ppt_y</p:attrName>
+                                        </p:attrNameLst>
+                                      </p:cBhvr>
+                                      <p:tavLst>
+                                        <p:tav tm="0">
+                                          <p:val>
+                                            <p:strVal val="#ppt_y+.1"/>
+                                          </p:val>
+                                        </p:tav>
+                                        <p:tav tm="100000">
+                                          <p:val>
+                                            <p:strVal val="#ppt_y"/>
+                                          </p:val>
+                                        </p:tav>
+                                      </p:tavLst>
+                                    </p:anim>
+                                  </p:childTnLst>
+                                </p:cTn>
+                              </p:par>
+                            </p:childTnLst>
+                          </p:cTn>
+                        </p:par>
+                      </p:childTnLst>
+                    </p:cTn>
+                  </p:par>
+                  <p:par>
+                    <p:cTn id="24" fill="hold">
+                      <p:stCondLst>
+                        <p:cond delay="indefinite"/>
+                      </p:stCondLst>
+                      <p:childTnLst>
+                        <p:par>
+                          <p:cTn id="25" fill="hold">
+                            <p:stCondLst>
+                              <p:cond delay="0"/>
+                            </p:stCondLst>
+                            <p:childTnLst>
+                              <p:par>
+                                <p:cTn id="26" presetID="42" presetClass="entr" presetSubtype="0" fill="hold" nodeType="clickEffect">
+                                  <p:stCondLst>
+                                    <p:cond delay="0"/>
+                                  </p:stCondLst>
+                                  <p:childTnLst>
+                                    <p:set>
+                                      <p:cBhvr>
+                                        <p:cTn id="27" dur="1" fill="hold">
+                                          <p:stCondLst>
+                                            <p:cond delay="0"/>
+                                          </p:stCondLst>
+                                        </p:cTn>
+                                        <p:tgtEl>
+                                          <p:spTgt spid="7">
+                                            <p:txEl>
+                                              <p:pRg st="6" end="6"/>
+                                            </p:txEl>
+                                          </p:spTgt>
+                                        </p:tgtEl>
+                                        <p:attrNameLst>
+                                          <p:attrName>style.visibility</p:attrName>
+                                        </p:attrNameLst>
+                                      </p:cBhvr>
+                                      <p:to>
+                                        <p:strVal val="visible"/>
+                                      </p:to>
+                                    </p:set>
+                                    <p:animEffect transition="in" filter="fade">
+                                      <p:cBhvr>
+                                        <p:cTn id="28" dur="1000"/>
+                                        <p:tgtEl>
+                                          <p:spTgt spid="7">
+                                            <p:txEl>
+                                              <p:pRg st="6" end="6"/>
+                                            </p:txEl>
+                                          </p:spTgt>
+                                        </p:tgtEl>
+                                      </p:cBhvr>
+                                    </p:animEffect>
+                                    <p:anim calcmode="lin" valueType="num">
+                                      <p:cBhvr>
+                                        <p:cTn id="29" dur="1000" fill="hold"/>
+                                        <p:tgtEl>
+                                          <p:spTgt spid="7">
+                                            <p:txEl>
+                                              <p:pRg st="6" end="6"/>
+                                            </p:txEl>
+                                          </p:spTgt>
+                                        </p:tgtEl>
+                                        <p:attrNameLst>
+                                          <p:attrName>ppt_x</p:attrName>
+                                        </p:attrNameLst>
+                                      </p:cBhvr>
+                                      <p:tavLst>
+                                        <p:tav tm="0">
+                                          <p:val>
+                                            <p:strVal val="#ppt_x"/>
+                                          </p:val>
+                                        </p:tav>
+                                        <p:tav tm="100000">
+                                          <p:val>
+                                            <p:strVal val="#ppt_x"/>
+                                          </p:val>
+                                        </p:tav>
+                                      </p:tavLst>
+                                    </p:anim>
+                                    <p:anim calcmode="lin" valueType="num">
+                                      <p:cBhvr>
+                                        <p:cTn id="30" dur="1000" fill="hold"/>
+                                        <p:tgtEl>
+                                          <p:spTgt spid="7">
+                                            <p:txEl>
+                                              <p:pRg st="6" end="6"/>
+                                            </p:txEl>
+                                          </p:spTgt>
+                                        </p:tgtEl>
+                                        <p:attrNameLst>
+                                          <p:attrName>ppt_y</p:attrName>
+                                        </p:attrNameLst>
+                                      </p:cBhvr>
+                                      <p:tavLst>
+                                        <p:tav tm="0">
+                                          <p:val>
+                                            <p:strVal val="#ppt_y+.1"/>
+                                          </p:val>
+                                        </p:tav>
+                                        <p:tav tm="100000">
+                                          <p:val>
+                                            <p:strVal val="#ppt_y"/>
+                                          </p:val>
+                                        </p:tav>
+                                      </p:tavLst>
+                                    </p:anim>
+                                  </p:childTnLst>
+                                </p:cTn>
+                              </p:par>
+                            </p:childTnLst>
+                          </p:cTn>
+                        </p:par>
+                      </p:childTnLst>
+                    </p:cTn>
+                  </p:par>
+                  <p:par>
+                    <p:cTn id="31" fill="hold">
+                      <p:stCondLst>
+                        <p:cond delay="indefinite"/>
+                      </p:stCondLst>
+                      <p:childTnLst>
+                        <p:par>
+                          <p:cTn id="32" fill="hold">
+                            <p:stCondLst>
+                              <p:cond delay="0"/>
+                            </p:stCondLst>
+                            <p:childTnLst>
+                              <p:par>
+                                <p:cTn id="33" presetID="42" presetClass="entr" presetSubtype="0" fill="hold" nodeType="clickEffect">
+                                  <p:stCondLst>
+                                    <p:cond delay="0"/>
+                                  </p:stCondLst>
+                                  <p:childTnLst>
+                                    <p:set>
+                                      <p:cBhvr>
+                                        <p:cTn id="34" dur="1" fill="hold">
+                                          <p:stCondLst>
+                                            <p:cond delay="0"/>
+                                          </p:stCondLst>
+                                        </p:cTn>
+                                        <p:tgtEl>
+                                          <p:spTgt spid="7">
+                                            <p:txEl>
+                                              <p:pRg st="8" end="8"/>
+                                            </p:txEl>
+                                          </p:spTgt>
+                                        </p:tgtEl>
+                                        <p:attrNameLst>
+                                          <p:attrName>style.visibility</p:attrName>
+                                        </p:attrNameLst>
+                                      </p:cBhvr>
+                                      <p:to>
+                                        <p:strVal val="visible"/>
+                                      </p:to>
+                                    </p:set>
+                                    <p:animEffect transition="in" filter="fade">
+                                      <p:cBhvr>
+                                        <p:cTn id="35" dur="1000"/>
+                                        <p:tgtEl>
+                                          <p:spTgt spid="7">
+                                            <p:txEl>
+                                              <p:pRg st="8" end="8"/>
+                                            </p:txEl>
+                                          </p:spTgt>
+                                        </p:tgtEl>
+                                      </p:cBhvr>
+                                    </p:animEffect>
+                                    <p:anim calcmode="lin" valueType="num">
+                                      <p:cBhvr>
+                                        <p:cTn id="36" dur="1000" fill="hold"/>
+                                        <p:tgtEl>
+                                          <p:spTgt spid="7">
+                                            <p:txEl>
+                                              <p:pRg st="8" end="8"/>
+                                            </p:txEl>
+                                          </p:spTgt>
+                                        </p:tgtEl>
+                                        <p:attrNameLst>
+                                          <p:attrName>ppt_x</p:attrName>
+                                        </p:attrNameLst>
+                                      </p:cBhvr>
+                                      <p:tavLst>
+                                        <p:tav tm="0">
+                                          <p:val>
+                                            <p:strVal val="#ppt_x"/>
+                                          </p:val>
+                                        </p:tav>
+                                        <p:tav tm="100000">
+                                          <p:val>
+                                            <p:strVal val="#ppt_x"/>
+                                          </p:val>
+                                        </p:tav>
+                                      </p:tavLst>
+                                    </p:anim>
+                                    <p:anim calcmode="lin" valueType="num">
+                                      <p:cBhvr>
+                                        <p:cTn id="37" dur="1000" fill="hold"/>
+                                        <p:tgtEl>
+                                          <p:spTgt spid="7">
+                                            <p:txEl>
+                                              <p:pRg st="8" end="8"/>
+                                            </p:txEl>
+                                          </p:spTgt>
+                                        </p:tgtEl>
+                                        <p:attrNameLst>
+                                          <p:attrName>ppt_y</p:attrName>
+                                        </p:attrNameLst>
+                                      </p:cBhvr>
+                                      <p:tavLst>
+                                        <p:tav tm="0">
+                                          <p:val>
+                                            <p:strVal val="#ppt_y+.1"/>
+                                          </p:val>
+                                        </p:tav>
+                                        <p:tav tm="100000">
+                                          <p:val>
+                                            <p:strVal val="#ppt_y"/>
+                                          </p:val>
+                                        </p:tav>
+                                      </p:tavLst>
+                                    </p:anim>
+                                  </p:childTnLst>
+                                </p:cTn>
+                              </p:par>
+                            </p:childTnLst>
+                          </p:cTn>
+                        </p:par>
+                      </p:childTnLst>
+                    </p:cTn>
+                  </p:par>
+                </p:childTnLst>
+              </p:cTn>
+              <p:prevCondLst>
+                <p:cond evt="onPrev" delay="0">
+                  <p:tgtEl>
+                    <p:sldTgt/>
+                  </p:tgtEl>
+                </p:cond>
+              </p:prevCondLst>
+              <p:nextCondLst>
+                <p:cond evt="onNext" delay="0">
+                  <p:tgtEl>
+                    <p:sldTgt/>
+                  </p:tgtEl>
+                </p:cond>
+              </p:nextCondLst>
+            </p:seq>
+          </p:childTnLst>
+        </p:cTn>
+      </p:par>
+    </p:tnLst>
+  </p:timing>
+</p:sld>
+</file>
+
+<file path=ppt/slides/slide6.xml><?xml version="1.0" encoding="utf-8"?>
+<p:sld xmlns:a="http://schemas.openxmlformats.org/drawingml/2006/main" xmlns:r="http://schemas.openxmlformats.org/officeDocument/2006/relationships" xmlns:p="http://schemas.openxmlformats.org/presentationml/2006/main">
+  <p:cSld>
+    <p:spTree>
+      <p:nvGrpSpPr>
+        <p:cNvPr id="1" name="">
+          <a:extLst>
+            <a:ext uri="{FF2B5EF4-FFF2-40B4-BE49-F238E27FC236}">
+              <a16:creationId xmlns:a16="http://schemas.microsoft.com/office/drawing/2014/main" id="{8FFB3519-FC0E-5831-594D-C2B02635465C}"/>
+            </a:ext>
+          </a:extLst>
+        </p:cNvPr>
+        <p:cNvGrpSpPr/>
+        <p:nvPr/>
+      </p:nvGrpSpPr>
+      <p:grpSpPr>
+        <a:xfrm>
+          <a:off x="0" y="0"/>
+          <a:ext cx="0" cy="0"/>
+          <a:chOff x="0" y="0"/>
+          <a:chExt cx="0" cy="0"/>
+        </a:xfrm>
+      </p:grpSpPr>
+      <p:sp>
+        <p:nvSpPr>
+          <p:cNvPr id="4" name="Title 1">
+            <a:extLst>
+              <a:ext uri="{FF2B5EF4-FFF2-40B4-BE49-F238E27FC236}">
+                <a16:creationId xmlns:a16="http://schemas.microsoft.com/office/drawing/2014/main" id="{A1D69AB1-5441-53C4-3650-5A7BBF835361}"/>
+              </a:ext>
+            </a:extLst>
+          </p:cNvPr>
+          <p:cNvSpPr>
+            <a:spLocks noGrp="1"/>
+          </p:cNvSpPr>
+          <p:nvPr>
+            <p:ph type="title"/>
+          </p:nvPr>
+        </p:nvSpPr>
+        <p:spPr>
+          <a:xfrm>
+            <a:off x="228600" y="7088"/>
+            <a:ext cx="8839200" cy="914400"/>
+          </a:xfrm>
+        </p:spPr>
+        <p:txBody>
+          <a:bodyPr>
+            <a:normAutofit fontScale="90000"/>
+          </a:bodyPr>
+          <a:lstStyle/>
+          <a:p>
+            <a:pPr algn="l"/>
+            <a:r>
+              <a:rPr lang="en-US" sz="3600" dirty="0"/>
+              <a:t>Knowing God – Encouraging Self-Reflection</a:t>
+            </a:r>
+            <a:br>
+              <a:rPr lang="en-US" sz="3600" dirty="0"/>
+            </a:br>
+            <a:r>
+              <a:rPr lang="en-US" sz="2400" dirty="0">
+                <a:solidFill>
+                  <a:schemeClr val="tx2">
+                    <a:lumMod val="60000"/>
+                    <a:lumOff val="40000"/>
+                  </a:schemeClr>
+                </a:solidFill>
+              </a:rPr>
+              <a:t>Leveraging the </a:t>
+            </a:r>
+            <a:r>
+              <a:rPr lang="en-US" sz="2400" u="sng" dirty="0">
+                <a:solidFill>
+                  <a:schemeClr val="tx2">
+                    <a:lumMod val="60000"/>
+                    <a:lumOff val="40000"/>
+                  </a:schemeClr>
+                </a:solidFill>
+              </a:rPr>
+              <a:t>Nature of Man</a:t>
+            </a:r>
+            <a:r>
+              <a:rPr lang="en-US" sz="2400" dirty="0">
+                <a:solidFill>
+                  <a:schemeClr val="tx2">
+                    <a:lumMod val="60000"/>
+                    <a:lumOff val="40000"/>
+                  </a:schemeClr>
+                </a:solidFill>
+              </a:rPr>
+              <a:t> in Evangelism - </a:t>
+            </a:r>
+            <a:r>
+              <a:rPr lang="en-US" sz="2400" u="sng" dirty="0">
+                <a:solidFill>
+                  <a:schemeClr val="tx2">
+                    <a:lumMod val="60000"/>
+                    <a:lumOff val="40000"/>
+                  </a:schemeClr>
+                </a:solidFill>
+              </a:rPr>
+              <a:t>Procedure</a:t>
+            </a:r>
+            <a:endParaRPr lang="en-US" sz="2400" i="1" u="sng" dirty="0">
+              <a:solidFill>
+                <a:schemeClr val="tx2">
+                  <a:lumMod val="60000"/>
+                  <a:lumOff val="40000"/>
+                </a:schemeClr>
+              </a:solidFill>
+            </a:endParaRPr>
+          </a:p>
+        </p:txBody>
+      </p:sp>
+      <p:sp>
+        <p:nvSpPr>
+          <p:cNvPr id="7" name="TextBox 6">
+            <a:extLst>
+              <a:ext uri="{FF2B5EF4-FFF2-40B4-BE49-F238E27FC236}">
+                <a16:creationId xmlns:a16="http://schemas.microsoft.com/office/drawing/2014/main" id="{F2767C95-1792-D2F2-1A27-C72F56AF8A96}"/>
+              </a:ext>
+            </a:extLst>
+          </p:cNvPr>
+          <p:cNvSpPr txBox="1"/>
+          <p:nvPr/>
+        </p:nvSpPr>
+        <p:spPr>
+          <a:xfrm>
+            <a:off x="228600" y="1295400"/>
+            <a:ext cx="8686800" cy="4190314"/>
+          </a:xfrm>
+          <a:prstGeom prst="rect">
+            <a:avLst/>
+          </a:prstGeom>
+          <a:noFill/>
+        </p:spPr>
+        <p:txBody>
+          <a:bodyPr wrap="square">
+            <a:spAutoFit/>
+          </a:bodyPr>
+          <a:lstStyle/>
+          <a:p>
+            <a:pPr marL="457200" indent="-457200">
+              <a:lnSpc>
+                <a:spcPct val="150000"/>
+              </a:lnSpc>
+              <a:buFont typeface="+mj-lt"/>
+              <a:buAutoNum type="arabicPeriod"/>
+            </a:pPr>
+            <a:r>
+              <a:rPr lang="en-US" sz="2000" b="1" dirty="0">
+                <a:latin typeface="+mn-lt"/>
+              </a:rPr>
+              <a:t>Initiate a Friendly, Everyday Conversation</a:t>
+            </a:r>
+          </a:p>
+          <a:p>
+            <a:pPr marL="457200" indent="-457200">
+              <a:lnSpc>
+                <a:spcPct val="150000"/>
+              </a:lnSpc>
+              <a:buFont typeface="+mj-lt"/>
+              <a:buAutoNum type="arabicPeriod"/>
+            </a:pPr>
+            <a:r>
+              <a:rPr lang="en-US" sz="2000" b="1" dirty="0">
+                <a:latin typeface="+mn-lt"/>
+              </a:rPr>
+              <a:t>Transition to Spiritual Topics</a:t>
+            </a:r>
+          </a:p>
+          <a:p>
+            <a:pPr marL="457200" indent="-457200">
+              <a:lnSpc>
+                <a:spcPct val="150000"/>
+              </a:lnSpc>
+              <a:buFont typeface="+mj-lt"/>
+              <a:buAutoNum type="arabicPeriod"/>
+            </a:pPr>
+            <a:r>
+              <a:rPr lang="en-US" sz="2000" b="1" dirty="0">
+                <a:latin typeface="+mn-lt"/>
+              </a:rPr>
+              <a:t>Ask About Personal Goodness</a:t>
+            </a:r>
+          </a:p>
+          <a:p>
+            <a:pPr marL="457200" indent="-457200">
+              <a:lnSpc>
+                <a:spcPct val="150000"/>
+              </a:lnSpc>
+              <a:buFont typeface="+mj-lt"/>
+              <a:buAutoNum type="arabicPeriod"/>
+            </a:pPr>
+            <a:r>
+              <a:rPr lang="en-US" sz="2000" b="1" dirty="0">
+                <a:latin typeface="+mn-lt"/>
+              </a:rPr>
+              <a:t>Use the Ten Commandments as a Moral Standard</a:t>
+            </a:r>
+          </a:p>
+          <a:p>
+            <a:pPr marL="457200" indent="-457200">
+              <a:lnSpc>
+                <a:spcPct val="150000"/>
+              </a:lnSpc>
+              <a:buFont typeface="+mj-lt"/>
+              <a:buAutoNum type="arabicPeriod"/>
+            </a:pPr>
+            <a:r>
+              <a:rPr lang="en-US" sz="2000" b="1" dirty="0">
+                <a:latin typeface="+mn-lt"/>
+              </a:rPr>
+              <a:t>Reveal The Guilty Verdict</a:t>
+            </a:r>
+          </a:p>
+          <a:p>
+            <a:pPr marL="457200" indent="-457200">
+              <a:lnSpc>
+                <a:spcPct val="150000"/>
+              </a:lnSpc>
+              <a:buFont typeface="+mj-lt"/>
+              <a:buAutoNum type="arabicPeriod"/>
+            </a:pPr>
+            <a:r>
+              <a:rPr lang="en-US" sz="2000" b="1" dirty="0">
+                <a:latin typeface="+mn-lt"/>
+              </a:rPr>
+              <a:t>Explain the Consequences of Sin</a:t>
+            </a:r>
+          </a:p>
+          <a:p>
+            <a:pPr marL="457200" indent="-457200">
+              <a:lnSpc>
+                <a:spcPct val="150000"/>
+              </a:lnSpc>
+              <a:buFont typeface="+mj-lt"/>
+              <a:buAutoNum type="arabicPeriod"/>
+            </a:pPr>
+            <a:r>
+              <a:rPr lang="en-US" sz="2000" b="1" dirty="0">
+                <a:latin typeface="+mn-lt"/>
+              </a:rPr>
+              <a:t>Present Jesus Christ as the Solution</a:t>
+            </a:r>
+          </a:p>
+          <a:p>
+            <a:pPr marL="457200" indent="-457200">
+              <a:lnSpc>
+                <a:spcPct val="150000"/>
+              </a:lnSpc>
+              <a:buFont typeface="+mj-lt"/>
+              <a:buAutoNum type="arabicPeriod"/>
+            </a:pPr>
+            <a:r>
+              <a:rPr lang="en-US" sz="2000" b="1" dirty="0">
+                <a:latin typeface="+mn-lt"/>
+              </a:rPr>
+              <a:t>Encourage Repentance, Faith, and Baptism</a:t>
+            </a:r>
+          </a:p>
+          <a:p>
+            <a:pPr marL="457200" indent="-457200">
+              <a:lnSpc>
+                <a:spcPct val="150000"/>
+              </a:lnSpc>
+              <a:buFont typeface="+mj-lt"/>
+              <a:buAutoNum type="arabicPeriod"/>
+            </a:pPr>
+            <a:r>
+              <a:rPr lang="en-US" sz="2000" b="1" dirty="0">
+                <a:latin typeface="+mn-lt"/>
+              </a:rPr>
+              <a:t>Follow-up with Discipleship, Resources, and Encouragement</a:t>
+            </a:r>
+          </a:p>
+        </p:txBody>
+      </p:sp>
+    </p:spTree>
+    <p:extLst>
+      <p:ext uri="{BB962C8B-B14F-4D97-AF65-F5344CB8AC3E}">
+        <p14:creationId xmlns:p14="http://schemas.microsoft.com/office/powerpoint/2010/main" val="2518828991"/>
+      </p:ext>
+    </p:extLst>
+  </p:cSld>
+  <p:clrMapOvr>
+    <a:masterClrMapping/>
+  </p:clrMapOvr>
+  <p:timing>
+    <p:tnLst>
+      <p:par>
+        <p:cTn id="1" dur="indefinite" restart="never" nodeType="tmRoot">
+          <p:childTnLst>
+            <p:seq concurrent="1" nextAc="seek">
+              <p:cTn id="2" dur="indefinite" nodeType="mainSeq">
+                <p:childTnLst>
+                  <p:par>
+                    <p:cTn id="3" fill="hold">
+                      <p:stCondLst>
+                        <p:cond delay="indefinite"/>
+                      </p:stCondLst>
+                      <p:childTnLst>
+                        <p:par>
+                          <p:cTn id="4" fill="hold">
+                            <p:stCondLst>
+                              <p:cond delay="0"/>
+                            </p:stCondLst>
+                            <p:childTnLst>
+                              <p:par>
+                                <p:cTn id="5" presetID="42" presetClass="entr" presetSubtype="0" fill="hold" nodeType="clickEffect">
+                                  <p:stCondLst>
+                                    <p:cond delay="0"/>
+                                  </p:stCondLst>
+                                  <p:childTnLst>
+                                    <p:set>
+                                      <p:cBhvr>
+                                        <p:cTn id="6" dur="1" fill="hold">
+                                          <p:stCondLst>
+                                            <p:cond delay="0"/>
+                                          </p:stCondLst>
+                                        </p:cTn>
+                                        <p:tgtEl>
+                                          <p:spTgt spid="7">
+                                            <p:txEl>
+                                              <p:pRg st="0" end="0"/>
+                                            </p:txEl>
+                                          </p:spTgt>
+                                        </p:tgtEl>
+                                        <p:attrNameLst>
+                                          <p:attrName>style.visibility</p:attrName>
+                                        </p:attrNameLst>
+                                      </p:cBhvr>
+                                      <p:to>
+                                        <p:strVal val="visible"/>
+                                      </p:to>
+                                    </p:set>
+                                    <p:animEffect transition="in" filter="fade">
+                                      <p:cBhvr>
+                                        <p:cTn id="7" dur="1000"/>
+                                        <p:tgtEl>
+                                          <p:spTgt spid="7">
+                                            <p:txEl>
+                                              <p:pRg st="0" end="0"/>
+                                            </p:txEl>
+                                          </p:spTgt>
+                                        </p:tgtEl>
+                                      </p:cBhvr>
+                                    </p:animEffect>
+                                    <p:anim calcmode="lin" valueType="num">
+                                      <p:cBhvr>
+                                        <p:cTn id="8" dur="1000" fill="hold"/>
+                                        <p:tgtEl>
+                                          <p:spTgt spid="7">
+                                            <p:txEl>
+                                              <p:pRg st="0" end="0"/>
+                                            </p:txEl>
+                                          </p:spTgt>
+                                        </p:tgtEl>
+                                        <p:attrNameLst>
+                                          <p:attrName>ppt_x</p:attrName>
+                                        </p:attrNameLst>
+                                      </p:cBhvr>
+                                      <p:tavLst>
+                                        <p:tav tm="0">
+                                          <p:val>
+                                            <p:strVal val="#ppt_x"/>
+                                          </p:val>
+                                        </p:tav>
+                                        <p:tav tm="100000">
+                                          <p:val>
+                                            <p:strVal val="#ppt_x"/>
+                                          </p:val>
+                                        </p:tav>
+                                      </p:tavLst>
+                                    </p:anim>
+                                    <p:anim calcmode="lin" valueType="num">
+                                      <p:cBhvr>
+                                        <p:cTn id="9" dur="1000" fill="hold"/>
+                                        <p:tgtEl>
+                                          <p:spTgt spid="7">
+                                            <p:txEl>
+                                              <p:pRg st="0" end="0"/>
+                                            </p:txEl>
+                                          </p:spTgt>
+                                        </p:tgtEl>
+                                        <p:attrNameLst>
+                                          <p:attrName>ppt_y</p:attrName>
+                                        </p:attrNameLst>
+                                      </p:cBhvr>
+                                      <p:tavLst>
+                                        <p:tav tm="0">
+                                          <p:val>
+                                            <p:strVal val="#ppt_y+.1"/>
+                                          </p:val>
+                                        </p:tav>
+                                        <p:tav tm="100000">
+                                          <p:val>
+                                            <p:strVal val="#ppt_y"/>
+                                          </p:val>
+                                        </p:tav>
+                                      </p:tavLst>
+                                    </p:anim>
+                                  </p:childTnLst>
+                                </p:cTn>
+                              </p:par>
+                            </p:childTnLst>
+                          </p:cTn>
+                        </p:par>
+                      </p:childTnLst>
+                    </p:cTn>
+                  </p:par>
+                  <p:par>
+                    <p:cTn id="10" fill="hold">
+                      <p:stCondLst>
+                        <p:cond delay="indefinite"/>
+                      </p:stCondLst>
+                      <p:childTnLst>
+                        <p:par>
+                          <p:cTn id="11" fill="hold">
+                            <p:stCondLst>
+                              <p:cond delay="0"/>
+                            </p:stCondLst>
+                            <p:childTnLst>
+                              <p:par>
+                                <p:cTn id="12" presetID="42" presetClass="entr" presetSubtype="0" fill="hold" nodeType="clickEffect">
+                                  <p:stCondLst>
+                                    <p:cond delay="0"/>
+                                  </p:stCondLst>
+                                  <p:childTnLst>
+                                    <p:set>
+                                      <p:cBhvr>
+                                        <p:cTn id="13" dur="1" fill="hold">
+                                          <p:stCondLst>
+                                            <p:cond delay="0"/>
+                                          </p:stCondLst>
+                                        </p:cTn>
+                                        <p:tgtEl>
+                                          <p:spTgt spid="7">
+                                            <p:txEl>
+                                              <p:pRg st="1" end="1"/>
+                                            </p:txEl>
+                                          </p:spTgt>
+                                        </p:tgtEl>
+                                        <p:attrNameLst>
+                                          <p:attrName>style.visibility</p:attrName>
+                                        </p:attrNameLst>
+                                      </p:cBhvr>
+                                      <p:to>
+                                        <p:strVal val="visible"/>
+                                      </p:to>
+                                    </p:set>
+                                    <p:animEffect transition="in" filter="fade">
+                                      <p:cBhvr>
+                                        <p:cTn id="14" dur="1000"/>
+                                        <p:tgtEl>
+                                          <p:spTgt spid="7">
+                                            <p:txEl>
+                                              <p:pRg st="1" end="1"/>
+                                            </p:txEl>
+                                          </p:spTgt>
+                                        </p:tgtEl>
+                                      </p:cBhvr>
+                                    </p:animEffect>
+                                    <p:anim calcmode="lin" valueType="num">
+                                      <p:cBhvr>
+                                        <p:cTn id="15" dur="1000" fill="hold"/>
+                                        <p:tgtEl>
+                                          <p:spTgt spid="7">
+                                            <p:txEl>
+                                              <p:pRg st="1" end="1"/>
+                                            </p:txEl>
+                                          </p:spTgt>
+                                        </p:tgtEl>
+                                        <p:attrNameLst>
+                                          <p:attrName>ppt_x</p:attrName>
+                                        </p:attrNameLst>
+                                      </p:cBhvr>
+                                      <p:tavLst>
+                                        <p:tav tm="0">
+                                          <p:val>
+                                            <p:strVal val="#ppt_x"/>
+                                          </p:val>
+                                        </p:tav>
+                                        <p:tav tm="100000">
+                                          <p:val>
+                                            <p:strVal val="#ppt_x"/>
+                                          </p:val>
+                                        </p:tav>
+                                      </p:tavLst>
+                                    </p:anim>
+                                    <p:anim calcmode="lin" valueType="num">
+                                      <p:cBhvr>
+                                        <p:cTn id="16" dur="1000" fill="hold"/>
+                                        <p:tgtEl>
+                                          <p:spTgt spid="7">
+                                            <p:txEl>
+                                              <p:pRg st="1" end="1"/>
+                                            </p:txEl>
+                                          </p:spTgt>
+                                        </p:tgtEl>
+                                        <p:attrNameLst>
+                                          <p:attrName>ppt_y</p:attrName>
+                                        </p:attrNameLst>
+                                      </p:cBhvr>
+                                      <p:tavLst>
+                                        <p:tav tm="0">
+                                          <p:val>
+                                            <p:strVal val="#ppt_y+.1"/>
+                                          </p:val>
+                                        </p:tav>
+                                        <p:tav tm="100000">
+                                          <p:val>
+                                            <p:strVal val="#ppt_y"/>
+                                          </p:val>
+                                        </p:tav>
+                                      </p:tavLst>
+                                    </p:anim>
+                                  </p:childTnLst>
+                                </p:cTn>
+                              </p:par>
+                            </p:childTnLst>
+                          </p:cTn>
+                        </p:par>
+                      </p:childTnLst>
+                    </p:cTn>
+                  </p:par>
+                  <p:par>
+                    <p:cTn id="17" fill="hold">
+                      <p:stCondLst>
+                        <p:cond delay="indefinite"/>
+                      </p:stCondLst>
+                      <p:childTnLst>
+                        <p:par>
+                          <p:cTn id="18" fill="hold">
+                            <p:stCondLst>
+                              <p:cond delay="0"/>
+                            </p:stCondLst>
+                            <p:childTnLst>
+                              <p:par>
+                                <p:cTn id="19" presetID="42" presetClass="entr" presetSubtype="0" fill="hold" nodeType="clickEffect">
+                                  <p:stCondLst>
+                                    <p:cond delay="0"/>
+                                  </p:stCondLst>
+                                  <p:childTnLst>
+                                    <p:set>
+                                      <p:cBhvr>
+                                        <p:cTn id="20" dur="1" fill="hold">
+                                          <p:stCondLst>
+                                            <p:cond delay="0"/>
+                                          </p:stCondLst>
+                                        </p:cTn>
+                                        <p:tgtEl>
+                                          <p:spTgt spid="7">
+                                            <p:txEl>
+                                              <p:pRg st="2" end="2"/>
+                                            </p:txEl>
+                                          </p:spTgt>
+                                        </p:tgtEl>
+                                        <p:attrNameLst>
+                                          <p:attrName>style.visibility</p:attrName>
+                                        </p:attrNameLst>
+                                      </p:cBhvr>
+                                      <p:to>
+                                        <p:strVal val="visible"/>
+                                      </p:to>
+                                    </p:set>
+                                    <p:animEffect transition="in" filter="fade">
+                                      <p:cBhvr>
+                                        <p:cTn id="21" dur="1000"/>
+                                        <p:tgtEl>
+                                          <p:spTgt spid="7">
+                                            <p:txEl>
+                                              <p:pRg st="2" end="2"/>
+                                            </p:txEl>
+                                          </p:spTgt>
+                                        </p:tgtEl>
+                                      </p:cBhvr>
+                                    </p:animEffect>
+                                    <p:anim calcmode="lin" valueType="num">
+                                      <p:cBhvr>
+                                        <p:cTn id="22" dur="1000" fill="hold"/>
+                                        <p:tgtEl>
+                                          <p:spTgt spid="7">
+                                            <p:txEl>
+                                              <p:pRg st="2" end="2"/>
+                                            </p:txEl>
+                                          </p:spTgt>
+                                        </p:tgtEl>
+                                        <p:attrNameLst>
+                                          <p:attrName>ppt_x</p:attrName>
+                                        </p:attrNameLst>
+                                      </p:cBhvr>
+                                      <p:tavLst>
+                                        <p:tav tm="0">
+                                          <p:val>
+                                            <p:strVal val="#ppt_x"/>
+                                          </p:val>
+                                        </p:tav>
+                                        <p:tav tm="100000">
+                                          <p:val>
+                                            <p:strVal val="#ppt_x"/>
+                                          </p:val>
+                                        </p:tav>
+                                      </p:tavLst>
+                                    </p:anim>
+                                    <p:anim calcmode="lin" valueType="num">
+                                      <p:cBhvr>
+                                        <p:cTn id="23" dur="1000" fill="hold"/>
+                                        <p:tgtEl>
+                                          <p:spTgt spid="7">
+                                            <p:txEl>
+                                              <p:pRg st="2" end="2"/>
+                                            </p:txEl>
+                                          </p:spTgt>
+                                        </p:tgtEl>
+                                        <p:attrNameLst>
+                                          <p:attrName>ppt_y</p:attrName>
+                                        </p:attrNameLst>
+                                      </p:cBhvr>
+                                      <p:tavLst>
+                                        <p:tav tm="0">
+                                          <p:val>
+                                            <p:strVal val="#ppt_y+.1"/>
+                                          </p:val>
+                                        </p:tav>
+                                        <p:tav tm="100000">
+                                          <p:val>
+                                            <p:strVal val="#ppt_y"/>
+                                          </p:val>
+                                        </p:tav>
+                                      </p:tavLst>
+                                    </p:anim>
+                                  </p:childTnLst>
+                                </p:cTn>
+                              </p:par>
+                            </p:childTnLst>
+                          </p:cTn>
+                        </p:par>
+                      </p:childTnLst>
+                    </p:cTn>
+                  </p:par>
+                  <p:par>
+                    <p:cTn id="24" fill="hold">
+                      <p:stCondLst>
+                        <p:cond delay="indefinite"/>
+                      </p:stCondLst>
+                      <p:childTnLst>
+                        <p:par>
+                          <p:cTn id="25" fill="hold">
+                            <p:stCondLst>
+                              <p:cond delay="0"/>
+                            </p:stCondLst>
+                            <p:childTnLst>
+                              <p:par>
+                                <p:cTn id="26" presetID="42" presetClass="entr" presetSubtype="0" fill="hold" nodeType="clickEffect">
+                                  <p:stCondLst>
+                                    <p:cond delay="0"/>
+                                  </p:stCondLst>
+                                  <p:childTnLst>
+                                    <p:set>
+                                      <p:cBhvr>
+                                        <p:cTn id="27" dur="1" fill="hold">
+                                          <p:stCondLst>
+                                            <p:cond delay="0"/>
+                                          </p:stCondLst>
+                                        </p:cTn>
+                                        <p:tgtEl>
+                                          <p:spTgt spid="7">
+                                            <p:txEl>
+                                              <p:pRg st="3" end="3"/>
+                                            </p:txEl>
+                                          </p:spTgt>
+                                        </p:tgtEl>
+                                        <p:attrNameLst>
+                                          <p:attrName>style.visibility</p:attrName>
+                                        </p:attrNameLst>
+                                      </p:cBhvr>
+                                      <p:to>
+                                        <p:strVal val="visible"/>
+                                      </p:to>
+                                    </p:set>
+                                    <p:animEffect transition="in" filter="fade">
+                                      <p:cBhvr>
+                                        <p:cTn id="28" dur="1000"/>
+                                        <p:tgtEl>
+                                          <p:spTgt spid="7">
+                                            <p:txEl>
+                                              <p:pRg st="3" end="3"/>
+                                            </p:txEl>
+                                          </p:spTgt>
+                                        </p:tgtEl>
+                                      </p:cBhvr>
+                                    </p:animEffect>
+                                    <p:anim calcmode="lin" valueType="num">
+                                      <p:cBhvr>
+                                        <p:cTn id="29" dur="1000" fill="hold"/>
+                                        <p:tgtEl>
+                                          <p:spTgt spid="7">
+                                            <p:txEl>
+                                              <p:pRg st="3" end="3"/>
+                                            </p:txEl>
+                                          </p:spTgt>
+                                        </p:tgtEl>
+                                        <p:attrNameLst>
+                                          <p:attrName>ppt_x</p:attrName>
+                                        </p:attrNameLst>
+                                      </p:cBhvr>
+                                      <p:tavLst>
+                                        <p:tav tm="0">
+                                          <p:val>
+                                            <p:strVal val="#ppt_x"/>
+                                          </p:val>
+                                        </p:tav>
+                                        <p:tav tm="100000">
+                                          <p:val>
+                                            <p:strVal val="#ppt_x"/>
+                                          </p:val>
+                                        </p:tav>
+                                      </p:tavLst>
+                                    </p:anim>
+                                    <p:anim calcmode="lin" valueType="num">
+                                      <p:cBhvr>
+                                        <p:cTn id="30" dur="1000" fill="hold"/>
+                                        <p:tgtEl>
+                                          <p:spTgt spid="7">
+                                            <p:txEl>
+                                              <p:pRg st="3" end="3"/>
+                                            </p:txEl>
+                                          </p:spTgt>
+                                        </p:tgtEl>
+                                        <p:attrNameLst>
+                                          <p:attrName>ppt_y</p:attrName>
+                                        </p:attrNameLst>
+                                      </p:cBhvr>
+                                      <p:tavLst>
+                                        <p:tav tm="0">
+                                          <p:val>
+                                            <p:strVal val="#ppt_y+.1"/>
+                                          </p:val>
+                                        </p:tav>
+                                        <p:tav tm="100000">
+                                          <p:val>
+                                            <p:strVal val="#ppt_y"/>
+                                          </p:val>
+                                        </p:tav>
+                                      </p:tavLst>
+                                    </p:anim>
+                                  </p:childTnLst>
+                                </p:cTn>
+                              </p:par>
+                            </p:childTnLst>
+                          </p:cTn>
+                        </p:par>
+                      </p:childTnLst>
+                    </p:cTn>
+                  </p:par>
+                  <p:par>
+                    <p:cTn id="31" fill="hold">
+                      <p:stCondLst>
+                        <p:cond delay="indefinite"/>
+                      </p:stCondLst>
+                      <p:childTnLst>
+                        <p:par>
+                          <p:cTn id="32" fill="hold">
+                            <p:stCondLst>
+                              <p:cond delay="0"/>
+                            </p:stCondLst>
+                            <p:childTnLst>
+                              <p:par>
+                                <p:cTn id="33" presetID="42" presetClass="entr" presetSubtype="0" fill="hold" nodeType="clickEffect">
+                                  <p:stCondLst>
+                                    <p:cond delay="0"/>
+                                  </p:stCondLst>
+                                  <p:childTnLst>
+                                    <p:set>
+                                      <p:cBhvr>
+                                        <p:cTn id="34" dur="1" fill="hold">
+                                          <p:stCondLst>
+                                            <p:cond delay="0"/>
+                                          </p:stCondLst>
+                                        </p:cTn>
+                                        <p:tgtEl>
+                                          <p:spTgt spid="7">
+                                            <p:txEl>
+                                              <p:pRg st="4" end="4"/>
+                                            </p:txEl>
+                                          </p:spTgt>
+                                        </p:tgtEl>
+                                        <p:attrNameLst>
+                                          <p:attrName>style.visibility</p:attrName>
+                                        </p:attrNameLst>
+                                      </p:cBhvr>
+                                      <p:to>
+                                        <p:strVal val="visible"/>
+                                      </p:to>
+                                    </p:set>
+                                    <p:animEffect transition="in" filter="fade">
+                                      <p:cBhvr>
+                                        <p:cTn id="35" dur="1000"/>
+                                        <p:tgtEl>
+                                          <p:spTgt spid="7">
+                                            <p:txEl>
+                                              <p:pRg st="4" end="4"/>
+                                            </p:txEl>
+                                          </p:spTgt>
+                                        </p:tgtEl>
+                                      </p:cBhvr>
+                                    </p:animEffect>
+                                    <p:anim calcmode="lin" valueType="num">
+                                      <p:cBhvr>
+                                        <p:cTn id="36" dur="1000" fill="hold"/>
+                                        <p:tgtEl>
+                                          <p:spTgt spid="7">
+                                            <p:txEl>
+                                              <p:pRg st="4" end="4"/>
+                                            </p:txEl>
+                                          </p:spTgt>
+                                        </p:tgtEl>
+                                        <p:attrNameLst>
+                                          <p:attrName>ppt_x</p:attrName>
+                                        </p:attrNameLst>
+                                      </p:cBhvr>
+                                      <p:tavLst>
+                                        <p:tav tm="0">
+                                          <p:val>
+                                            <p:strVal val="#ppt_x"/>
+                                          </p:val>
+                                        </p:tav>
+                                        <p:tav tm="100000">
+                                          <p:val>
+                                            <p:strVal val="#ppt_x"/>
+                                          </p:val>
+                                        </p:tav>
+                                      </p:tavLst>
+                                    </p:anim>
+                                    <p:anim calcmode="lin" valueType="num">
+                                      <p:cBhvr>
+                                        <p:cTn id="37" dur="1000" fill="hold"/>
+                                        <p:tgtEl>
+                                          <p:spTgt spid="7">
+                                            <p:txEl>
+                                              <p:pRg st="4" end="4"/>
+                                            </p:txEl>
+                                          </p:spTgt>
+                                        </p:tgtEl>
+                                        <p:attrNameLst>
+                                          <p:attrName>ppt_y</p:attrName>
+                                        </p:attrNameLst>
+                                      </p:cBhvr>
+                                      <p:tavLst>
+                                        <p:tav tm="0">
+                                          <p:val>
+                                            <p:strVal val="#ppt_y+.1"/>
+                                          </p:val>
+                                        </p:tav>
+                                        <p:tav tm="100000">
+                                          <p:val>
+                                            <p:strVal val="#ppt_y"/>
+                                          </p:val>
+                                        </p:tav>
+                                      </p:tavLst>
+                                    </p:anim>
+                                  </p:childTnLst>
+                                </p:cTn>
+                              </p:par>
+                            </p:childTnLst>
+                          </p:cTn>
+                        </p:par>
+                      </p:childTnLst>
+                    </p:cTn>
+                  </p:par>
+                  <p:par>
+                    <p:cTn id="38" fill="hold">
+                      <p:stCondLst>
+                        <p:cond delay="indefinite"/>
+                      </p:stCondLst>
+                      <p:childTnLst>
+                        <p:par>
+                          <p:cTn id="39" fill="hold">
+                            <p:stCondLst>
+                              <p:cond delay="0"/>
+                            </p:stCondLst>
+                            <p:childTnLst>
+                              <p:par>
+                                <p:cTn id="40" presetID="42" presetClass="entr" presetSubtype="0" fill="hold" nodeType="clickEffect">
+                                  <p:stCondLst>
+                                    <p:cond delay="0"/>
+                                  </p:stCondLst>
+                                  <p:childTnLst>
+                                    <p:set>
+                                      <p:cBhvr>
+                                        <p:cTn id="41" dur="1" fill="hold">
+                                          <p:stCondLst>
+                                            <p:cond delay="0"/>
+                                          </p:stCondLst>
+                                        </p:cTn>
+                                        <p:tgtEl>
+                                          <p:spTgt spid="7">
+                                            <p:txEl>
+                                              <p:pRg st="5" end="5"/>
+                                            </p:txEl>
+                                          </p:spTgt>
+                                        </p:tgtEl>
+                                        <p:attrNameLst>
+                                          <p:attrName>style.visibility</p:attrName>
+                                        </p:attrNameLst>
+                                      </p:cBhvr>
+                                      <p:to>
+                                        <p:strVal val="visible"/>
+                                      </p:to>
+                                    </p:set>
+                                    <p:animEffect transition="in" filter="fade">
+                                      <p:cBhvr>
+                                        <p:cTn id="42" dur="1000"/>
+                                        <p:tgtEl>
+                                          <p:spTgt spid="7">
+                                            <p:txEl>
+                                              <p:pRg st="5" end="5"/>
+                                            </p:txEl>
+                                          </p:spTgt>
+                                        </p:tgtEl>
+                                      </p:cBhvr>
+                                    </p:animEffect>
+                                    <p:anim calcmode="lin" valueType="num">
+                                      <p:cBhvr>
+                                        <p:cTn id="43" dur="1000" fill="hold"/>
+                                        <p:tgtEl>
+                                          <p:spTgt spid="7">
+                                            <p:txEl>
+                                              <p:pRg st="5" end="5"/>
+                                            </p:txEl>
+                                          </p:spTgt>
+                                        </p:tgtEl>
+                                        <p:attrNameLst>
+                                          <p:attrName>ppt_x</p:attrName>
+                                        </p:attrNameLst>
+                                      </p:cBhvr>
+                                      <p:tavLst>
+                                        <p:tav tm="0">
+                                          <p:val>
+                                            <p:strVal val="#ppt_x"/>
+                                          </p:val>
+                                        </p:tav>
+                                        <p:tav tm="100000">
+                                          <p:val>
+                                            <p:strVal val="#ppt_x"/>
+                                          </p:val>
+                                        </p:tav>
+                                      </p:tavLst>
+                                    </p:anim>
+                                    <p:anim calcmode="lin" valueType="num">
+                                      <p:cBhvr>
+                                        <p:cTn id="44" dur="1000" fill="hold"/>
+                                        <p:tgtEl>
+                                          <p:spTgt spid="7">
+                                            <p:txEl>
+                                              <p:pRg st="5" end="5"/>
+                                            </p:txEl>
+                                          </p:spTgt>
+                                        </p:tgtEl>
+                                        <p:attrNameLst>
+                                          <p:attrName>ppt_y</p:attrName>
+                                        </p:attrNameLst>
+                                      </p:cBhvr>
+                                      <p:tavLst>
+                                        <p:tav tm="0">
+                                          <p:val>
+                                            <p:strVal val="#ppt_y+.1"/>
+                                          </p:val>
+                                        </p:tav>
+                                        <p:tav tm="100000">
+                                          <p:val>
+                                            <p:strVal val="#ppt_y"/>
+                                          </p:val>
+                                        </p:tav>
+                                      </p:tavLst>
+                                    </p:anim>
+                                  </p:childTnLst>
+                                </p:cTn>
+                              </p:par>
+                            </p:childTnLst>
+                          </p:cTn>
+                        </p:par>
+                      </p:childTnLst>
+                    </p:cTn>
+                  </p:par>
+                  <p:par>
+                    <p:cTn id="45" fill="hold">
+                      <p:stCondLst>
+                        <p:cond delay="indefinite"/>
+                      </p:stCondLst>
+                      <p:childTnLst>
+                        <p:par>
+                          <p:cTn id="46" fill="hold">
+                            <p:stCondLst>
+                              <p:cond delay="0"/>
+                            </p:stCondLst>
+                            <p:childTnLst>
+                              <p:par>
+                                <p:cTn id="47" presetID="42" presetClass="entr" presetSubtype="0" fill="hold" nodeType="clickEffect">
+                                  <p:stCondLst>
+                                    <p:cond delay="0"/>
+                                  </p:stCondLst>
+                                  <p:childTnLst>
+                                    <p:set>
+                                      <p:cBhvr>
+                                        <p:cTn id="48" dur="1" fill="hold">
+                                          <p:stCondLst>
+                                            <p:cond delay="0"/>
+                                          </p:stCondLst>
+                                        </p:cTn>
+                                        <p:tgtEl>
+                                          <p:spTgt spid="7">
+                                            <p:txEl>
+                                              <p:pRg st="6" end="6"/>
+                                            </p:txEl>
+                                          </p:spTgt>
+                                        </p:tgtEl>
+                                        <p:attrNameLst>
+                                          <p:attrName>style.visibility</p:attrName>
+                                        </p:attrNameLst>
+                                      </p:cBhvr>
+                                      <p:to>
+                                        <p:strVal val="visible"/>
+                                      </p:to>
+                                    </p:set>
+                                    <p:animEffect transition="in" filter="fade">
+                                      <p:cBhvr>
+                                        <p:cTn id="49" dur="1000"/>
+                                        <p:tgtEl>
+                                          <p:spTgt spid="7">
+                                            <p:txEl>
+                                              <p:pRg st="6" end="6"/>
+                                            </p:txEl>
+                                          </p:spTgt>
+                                        </p:tgtEl>
+                                      </p:cBhvr>
+                                    </p:animEffect>
+                                    <p:anim calcmode="lin" valueType="num">
+                                      <p:cBhvr>
+                                        <p:cTn id="50" dur="1000" fill="hold"/>
+                                        <p:tgtEl>
+                                          <p:spTgt spid="7">
+                                            <p:txEl>
+                                              <p:pRg st="6" end="6"/>
+                                            </p:txEl>
+                                          </p:spTgt>
+                                        </p:tgtEl>
+                                        <p:attrNameLst>
+                                          <p:attrName>ppt_x</p:attrName>
+                                        </p:attrNameLst>
+                                      </p:cBhvr>
+                                      <p:tavLst>
+                                        <p:tav tm="0">
+                                          <p:val>
+                                            <p:strVal val="#ppt_x"/>
+                                          </p:val>
+                                        </p:tav>
+                                        <p:tav tm="100000">
+                                          <p:val>
+                                            <p:strVal val="#ppt_x"/>
+                                          </p:val>
+                                        </p:tav>
+                                      </p:tavLst>
+                                    </p:anim>
+                                    <p:anim calcmode="lin" valueType="num">
+                                      <p:cBhvr>
+                                        <p:cTn id="51" dur="1000" fill="hold"/>
+                                        <p:tgtEl>
+                                          <p:spTgt spid="7">
+                                            <p:txEl>
+                                              <p:pRg st="6" end="6"/>
+                                            </p:txEl>
+                                          </p:spTgt>
+                                        </p:tgtEl>
+                                        <p:attrNameLst>
+                                          <p:attrName>ppt_y</p:attrName>
+                                        </p:attrNameLst>
+                                      </p:cBhvr>
+                                      <p:tavLst>
+                                        <p:tav tm="0">
+                                          <p:val>
+                                            <p:strVal val="#ppt_y+.1"/>
+                                          </p:val>
+                                        </p:tav>
+                                        <p:tav tm="100000">
+                                          <p:val>
+                                            <p:strVal val="#ppt_y"/>
+                                          </p:val>
+                                        </p:tav>
+                                      </p:tavLst>
+                                    </p:anim>
+                                  </p:childTnLst>
+                                </p:cTn>
+                              </p:par>
+                            </p:childTnLst>
+                          </p:cTn>
+                        </p:par>
+                      </p:childTnLst>
+                    </p:cTn>
+                  </p:par>
+                  <p:par>
+                    <p:cTn id="52" fill="hold">
+                      <p:stCondLst>
+                        <p:cond delay="indefinite"/>
+                      </p:stCondLst>
+                      <p:childTnLst>
+                        <p:par>
+                          <p:cTn id="53" fill="hold">
+                            <p:stCondLst>
+                              <p:cond delay="0"/>
+                            </p:stCondLst>
+                            <p:childTnLst>
+                              <p:par>
+                                <p:cTn id="54" presetID="42" presetClass="entr" presetSubtype="0" fill="hold" nodeType="clickEffect">
+                                  <p:stCondLst>
+                                    <p:cond delay="0"/>
+                                  </p:stCondLst>
+                                  <p:childTnLst>
+                                    <p:set>
+                                      <p:cBhvr>
+                                        <p:cTn id="55" dur="1" fill="hold">
+                                          <p:stCondLst>
+                                            <p:cond delay="0"/>
+                                          </p:stCondLst>
+                                        </p:cTn>
+                                        <p:tgtEl>
+                                          <p:spTgt spid="7">
+                                            <p:txEl>
+                                              <p:pRg st="7" end="7"/>
+                                            </p:txEl>
+                                          </p:spTgt>
+                                        </p:tgtEl>
+                                        <p:attrNameLst>
+                                          <p:attrName>style.visibility</p:attrName>
+                                        </p:attrNameLst>
+                                      </p:cBhvr>
+                                      <p:to>
+                                        <p:strVal val="visible"/>
+                                      </p:to>
+                                    </p:set>
+                                    <p:animEffect transition="in" filter="fade">
+                                      <p:cBhvr>
+                                        <p:cTn id="56" dur="1000"/>
+                                        <p:tgtEl>
+                                          <p:spTgt spid="7">
+                                            <p:txEl>
+                                              <p:pRg st="7" end="7"/>
+                                            </p:txEl>
+                                          </p:spTgt>
+                                        </p:tgtEl>
+                                      </p:cBhvr>
+                                    </p:animEffect>
+                                    <p:anim calcmode="lin" valueType="num">
+                                      <p:cBhvr>
+                                        <p:cTn id="57" dur="1000" fill="hold"/>
+                                        <p:tgtEl>
+                                          <p:spTgt spid="7">
+                                            <p:txEl>
+                                              <p:pRg st="7" end="7"/>
+                                            </p:txEl>
+                                          </p:spTgt>
+                                        </p:tgtEl>
+                                        <p:attrNameLst>
+                                          <p:attrName>ppt_x</p:attrName>
+                                        </p:attrNameLst>
+                                      </p:cBhvr>
+                                      <p:tavLst>
+                                        <p:tav tm="0">
+                                          <p:val>
+                                            <p:strVal val="#ppt_x"/>
+                                          </p:val>
+                                        </p:tav>
+                                        <p:tav tm="100000">
+                                          <p:val>
+                                            <p:strVal val="#ppt_x"/>
+                                          </p:val>
+                                        </p:tav>
+                                      </p:tavLst>
+                                    </p:anim>
+                                    <p:anim calcmode="lin" valueType="num">
+                                      <p:cBhvr>
+                                        <p:cTn id="58" dur="1000" fill="hold"/>
+                                        <p:tgtEl>
+                                          <p:spTgt spid="7">
+                                            <p:txEl>
+                                              <p:pRg st="7" end="7"/>
+                                            </p:txEl>
+                                          </p:spTgt>
+                                        </p:tgtEl>
+                                        <p:attrNameLst>
+                                          <p:attrName>ppt_y</p:attrName>
+                                        </p:attrNameLst>
+                                      </p:cBhvr>
+                                      <p:tavLst>
+                                        <p:tav tm="0">
+                                          <p:val>
+                                            <p:strVal val="#ppt_y+.1"/>
+                                          </p:val>
+                                        </p:tav>
+                                        <p:tav tm="100000">
+                                          <p:val>
+                                            <p:strVal val="#ppt_y"/>
+                                          </p:val>
+                                        </p:tav>
+                                      </p:tavLst>
+                                    </p:anim>
+                                  </p:childTnLst>
+                                </p:cTn>
+                              </p:par>
+                            </p:childTnLst>
+                          </p:cTn>
+                        </p:par>
+                      </p:childTnLst>
+                    </p:cTn>
+                  </p:par>
+                  <p:par>
+                    <p:cTn id="59" fill="hold">
+                      <p:stCondLst>
+                        <p:cond delay="indefinite"/>
+                      </p:stCondLst>
+                      <p:childTnLst>
+                        <p:par>
+                          <p:cTn id="60" fill="hold">
+                            <p:stCondLst>
+                              <p:cond delay="0"/>
+                            </p:stCondLst>
+                            <p:childTnLst>
+                              <p:par>
+                                <p:cTn id="61" presetID="42" presetClass="entr" presetSubtype="0" fill="hold" nodeType="clickEffect">
+                                  <p:stCondLst>
+                                    <p:cond delay="0"/>
+                                  </p:stCondLst>
+                                  <p:childTnLst>
+                                    <p:set>
+                                      <p:cBhvr>
+                                        <p:cTn id="62" dur="1" fill="hold">
+                                          <p:stCondLst>
+                                            <p:cond delay="0"/>
+                                          </p:stCondLst>
+                                        </p:cTn>
+                                        <p:tgtEl>
+                                          <p:spTgt spid="7">
+                                            <p:txEl>
+                                              <p:pRg st="8" end="8"/>
+                                            </p:txEl>
+                                          </p:spTgt>
+                                        </p:tgtEl>
+                                        <p:attrNameLst>
+                                          <p:attrName>style.visibility</p:attrName>
+                                        </p:attrNameLst>
+                                      </p:cBhvr>
+                                      <p:to>
+                                        <p:strVal val="visible"/>
+                                      </p:to>
+                                    </p:set>
+                                    <p:animEffect transition="in" filter="fade">
+                                      <p:cBhvr>
+                                        <p:cTn id="63" dur="1000"/>
+                                        <p:tgtEl>
+                                          <p:spTgt spid="7">
+                                            <p:txEl>
+                                              <p:pRg st="8" end="8"/>
+                                            </p:txEl>
+                                          </p:spTgt>
+                                        </p:tgtEl>
+                                      </p:cBhvr>
+                                    </p:animEffect>
+                                    <p:anim calcmode="lin" valueType="num">
+                                      <p:cBhvr>
+                                        <p:cTn id="64" dur="1000" fill="hold"/>
+                                        <p:tgtEl>
+                                          <p:spTgt spid="7">
+                                            <p:txEl>
+                                              <p:pRg st="8" end="8"/>
+                                            </p:txEl>
+                                          </p:spTgt>
+                                        </p:tgtEl>
+                                        <p:attrNameLst>
+                                          <p:attrName>ppt_x</p:attrName>
+                                        </p:attrNameLst>
+                                      </p:cBhvr>
+                                      <p:tavLst>
+                                        <p:tav tm="0">
+                                          <p:val>
+                                            <p:strVal val="#ppt_x"/>
+                                          </p:val>
+                                        </p:tav>
+                                        <p:tav tm="100000">
+                                          <p:val>
+                                            <p:strVal val="#ppt_x"/>
+                                          </p:val>
+                                        </p:tav>
+                                      </p:tavLst>
+                                    </p:anim>
+                                    <p:anim calcmode="lin" valueType="num">
+                                      <p:cBhvr>
+                                        <p:cTn id="65" dur="1000" fill="hold"/>
+                                        <p:tgtEl>
+                                          <p:spTgt spid="7">
+                                            <p:txEl>
+                                              <p:pRg st="8" end="8"/>
+                                            </p:txEl>
+                                          </p:spTgt>
+                                        </p:tgtEl>
+                                        <p:attrNameLst>
+                                          <p:attrName>ppt_y</p:attrName>
+                                        </p:attrNameLst>
+                                      </p:cBhvr>
+                                      <p:tavLst>
+                                        <p:tav tm="0">
+                                          <p:val>
+                                            <p:strVal val="#ppt_y+.1"/>
+                                          </p:val>
+                                        </p:tav>
+                                        <p:tav tm="100000">
+                                          <p:val>
+                                            <p:strVal val="#ppt_y"/>
+                                          </p:val>
+                                        </p:tav>
+                                      </p:tavLst>
+                                    </p:anim>
+                                  </p:childTnLst>
+                                </p:cTn>
+                              </p:par>
+                            </p:childTnLst>
+                          </p:cTn>
+                        </p:par>
+                      </p:childTnLst>
+                    </p:cTn>
+                  </p:par>
+                </p:childTnLst>
+              </p:cTn>
+              <p:prevCondLst>
+                <p:cond evt="onPrev" delay="0">
+                  <p:tgtEl>
+                    <p:sldTgt/>
+                  </p:tgtEl>
+                </p:cond>
+              </p:prevCondLst>
+              <p:nextCondLst>
+                <p:cond evt="onNext" delay="0">
+                  <p:tgtEl>
+                    <p:sldTgt/>
+                  </p:tgtEl>
+                </p:cond>
+              </p:nextCondLst>
+            </p:seq>
+          </p:childTnLst>
+        </p:cTn>
+      </p:par>
+    </p:tnLst>
+  </p:timing>
+</p:sld>
+</file>
+
+<file path=ppt/slides/slide7.xml><?xml version="1.0" encoding="utf-8"?>
 <p:sld xmlns:a="http://schemas.openxmlformats.org/drawingml/2006/main" xmlns:r="http://schemas.openxmlformats.org/officeDocument/2006/relationships" xmlns:p="http://schemas.openxmlformats.org/presentationml/2006/main">
   <p:cSld>
     <p:spTree>
@@ -6005,1035 +13179,7 @@
 </p:sld>
 </file>
 
-<file path=ppt/slides/slide5.xml><?xml version="1.0" encoding="utf-8"?>
-<p:sld xmlns:a="http://schemas.openxmlformats.org/drawingml/2006/main" xmlns:r="http://schemas.openxmlformats.org/officeDocument/2006/relationships" xmlns:p="http://schemas.openxmlformats.org/presentationml/2006/main" show="0">
-  <p:cSld>
-    <p:spTree>
-      <p:nvGrpSpPr>
-        <p:cNvPr id="1" name="">
-          <a:extLst>
-            <a:ext uri="{FF2B5EF4-FFF2-40B4-BE49-F238E27FC236}">
-              <a16:creationId xmlns:a16="http://schemas.microsoft.com/office/drawing/2014/main" id="{CEFD780E-16BB-83ED-5052-FB094C4CE3F2}"/>
-            </a:ext>
-          </a:extLst>
-        </p:cNvPr>
-        <p:cNvGrpSpPr/>
-        <p:nvPr/>
-      </p:nvGrpSpPr>
-      <p:grpSpPr>
-        <a:xfrm>
-          <a:off x="0" y="0"/>
-          <a:ext cx="0" cy="0"/>
-          <a:chOff x="0" y="0"/>
-          <a:chExt cx="0" cy="0"/>
-        </a:xfrm>
-      </p:grpSpPr>
-      <p:sp>
-        <p:nvSpPr>
-          <p:cNvPr id="2" name="Title 1">
-            <a:extLst>
-              <a:ext uri="{FF2B5EF4-FFF2-40B4-BE49-F238E27FC236}">
-                <a16:creationId xmlns:a16="http://schemas.microsoft.com/office/drawing/2014/main" id="{69F9038C-A589-6823-2EB8-B4E49682D967}"/>
-              </a:ext>
-            </a:extLst>
-          </p:cNvPr>
-          <p:cNvSpPr>
-            <a:spLocks noGrp="1"/>
-          </p:cNvSpPr>
-          <p:nvPr>
-            <p:ph type="title"/>
-          </p:nvPr>
-        </p:nvSpPr>
-        <p:spPr>
-          <a:xfrm>
-            <a:off x="457200" y="0"/>
-            <a:ext cx="8229600" cy="914400"/>
-          </a:xfrm>
-        </p:spPr>
-        <p:txBody>
-          <a:bodyPr>
-            <a:normAutofit fontScale="90000"/>
-          </a:bodyPr>
-          <a:lstStyle/>
-          <a:p>
-            <a:pPr algn="l"/>
-            <a:r>
-              <a:rPr lang="en-US" sz="3600" dirty="0"/>
-              <a:t>A quick review…</a:t>
-            </a:r>
-            <a:br>
-              <a:rPr lang="en-US" dirty="0"/>
-            </a:br>
-            <a:r>
-              <a:rPr lang="en-US" sz="2400" dirty="0">
-                <a:solidFill>
-                  <a:schemeClr val="tx2">
-                    <a:lumMod val="60000"/>
-                    <a:lumOff val="40000"/>
-                  </a:schemeClr>
-                </a:solidFill>
-              </a:rPr>
-              <a:t>Truth, The Nature of Mankind, and Worldviews</a:t>
-            </a:r>
-          </a:p>
-        </p:txBody>
-      </p:sp>
-      <p:sp>
-        <p:nvSpPr>
-          <p:cNvPr id="5" name="Scroll: Horizontal 3">
-            <a:extLst>
-              <a:ext uri="{FF2B5EF4-FFF2-40B4-BE49-F238E27FC236}">
-                <a16:creationId xmlns:a16="http://schemas.microsoft.com/office/drawing/2014/main" id="{E1785E24-9EC4-E403-5A7A-5B947EB38332}"/>
-              </a:ext>
-            </a:extLst>
-          </p:cNvPr>
-          <p:cNvSpPr/>
-          <p:nvPr/>
-        </p:nvSpPr>
-        <p:spPr>
-          <a:xfrm>
-            <a:off x="457200" y="229618"/>
-            <a:ext cx="8307977" cy="6628382"/>
-          </a:xfrm>
-          <a:prstGeom prst="horizontalScroll">
-            <a:avLst/>
-          </a:prstGeom>
-          <a:solidFill>
-            <a:schemeClr val="accent6">
-              <a:lumMod val="75000"/>
-            </a:schemeClr>
-          </a:solidFill>
-        </p:spPr>
-        <p:style>
-          <a:lnRef idx="2">
-            <a:schemeClr val="accent1">
-              <a:shade val="50000"/>
-            </a:schemeClr>
-          </a:lnRef>
-          <a:fillRef idx="1">
-            <a:schemeClr val="accent1"/>
-          </a:fillRef>
-          <a:effectRef idx="0">
-            <a:schemeClr val="accent1"/>
-          </a:effectRef>
-          <a:fontRef idx="minor">
-            <a:schemeClr val="lt1"/>
-          </a:fontRef>
-        </p:style>
-        <p:txBody>
-          <a:bodyPr rtlCol="0" anchor="ctr"/>
-          <a:lstStyle/>
-          <a:p>
-            <a:pPr marL="285750" indent="-285750">
-              <a:buFont typeface="Arial" panose="020B0604020202020204" pitchFamily="34" charset="0"/>
-              <a:buChar char="•"/>
-            </a:pPr>
-            <a:r>
-              <a:rPr lang="en-US" b="1" dirty="0"/>
-              <a:t>Truth</a:t>
-            </a:r>
-            <a:r>
-              <a:rPr lang="en-US" dirty="0"/>
-              <a:t> is objective, knowable, and </a:t>
-            </a:r>
-            <a:r>
-              <a:rPr lang="en-US" u="sng" dirty="0"/>
-              <a:t>personified</a:t>
-            </a:r>
-            <a:r>
-              <a:rPr lang="en-US" dirty="0"/>
-              <a:t> in Jesus of Nazareth. (John 14:6-11; John 18:37; Acts 2:22)</a:t>
-            </a:r>
-          </a:p>
-          <a:p>
-            <a:endParaRPr lang="en-US" dirty="0"/>
-          </a:p>
-          <a:p>
-            <a:pPr marL="285750" indent="-285750">
-              <a:buFont typeface="Arial" panose="020B0604020202020204" pitchFamily="34" charset="0"/>
-              <a:buChar char="•"/>
-            </a:pPr>
-            <a:r>
-              <a:rPr lang="en-US" dirty="0"/>
-              <a:t>The </a:t>
-            </a:r>
-            <a:r>
-              <a:rPr lang="en-US" b="1" dirty="0"/>
-              <a:t>Natural Man</a:t>
-            </a:r>
-            <a:r>
-              <a:rPr lang="en-US" dirty="0"/>
-              <a:t> recognizes God’s creativity and intelligence in the created order; </a:t>
-            </a:r>
-            <a:r>
-              <a:rPr lang="en-US" i="1" dirty="0"/>
-              <a:t>but suppresses the truth in unrighteousness</a:t>
-            </a:r>
-            <a:r>
-              <a:rPr lang="en-US" dirty="0"/>
-              <a:t>. (Romans 1)</a:t>
-            </a:r>
-          </a:p>
-          <a:p>
-            <a:pPr marL="285750" indent="-285750">
-              <a:buFont typeface="Arial" panose="020B0604020202020204" pitchFamily="34" charset="0"/>
-              <a:buChar char="•"/>
-            </a:pPr>
-            <a:endParaRPr lang="en-US" dirty="0"/>
-          </a:p>
-          <a:p>
-            <a:pPr marL="285750" indent="-285750">
-              <a:buFont typeface="Arial" panose="020B0604020202020204" pitchFamily="34" charset="0"/>
-              <a:buChar char="•"/>
-            </a:pPr>
-            <a:r>
-              <a:rPr lang="en-US" dirty="0"/>
-              <a:t>The </a:t>
-            </a:r>
-            <a:r>
-              <a:rPr lang="en-US" b="1" dirty="0"/>
-              <a:t>Moral Man</a:t>
-            </a:r>
-            <a:r>
-              <a:rPr lang="en-US" dirty="0"/>
-              <a:t> recognizes how things ought to be; </a:t>
-            </a:r>
-            <a:r>
-              <a:rPr lang="en-US" i="1" dirty="0"/>
-              <a:t>but falls short of God’s goodness revealed via his own conscience and rationality</a:t>
-            </a:r>
-            <a:r>
-              <a:rPr lang="en-US" dirty="0"/>
-              <a:t>. (Romans 2)</a:t>
-            </a:r>
-          </a:p>
-          <a:p>
-            <a:pPr marL="285750" indent="-285750">
-              <a:buFont typeface="Arial" panose="020B0604020202020204" pitchFamily="34" charset="0"/>
-              <a:buChar char="•"/>
-            </a:pPr>
-            <a:endParaRPr lang="en-US" dirty="0"/>
-          </a:p>
-          <a:p>
-            <a:pPr marL="285750" indent="-285750">
-              <a:buFont typeface="Arial" panose="020B0604020202020204" pitchFamily="34" charset="0"/>
-              <a:buChar char="•"/>
-            </a:pPr>
-            <a:r>
-              <a:rPr lang="en-US" dirty="0"/>
-              <a:t>The </a:t>
-            </a:r>
-            <a:r>
-              <a:rPr lang="en-US" b="1" dirty="0"/>
-              <a:t>Religious Man</a:t>
-            </a:r>
-            <a:r>
-              <a:rPr lang="en-US" dirty="0"/>
-              <a:t> recognizes that God exists, and that God has expectations; </a:t>
-            </a:r>
-            <a:r>
-              <a:rPr lang="en-US" i="1" dirty="0"/>
-              <a:t>but succumbs to selfish pride, artificial authority, arrogance, and hypocrisy</a:t>
-            </a:r>
-            <a:r>
-              <a:rPr lang="en-US" dirty="0"/>
-              <a:t>. (Romans 3)</a:t>
-            </a:r>
-          </a:p>
-          <a:p>
-            <a:endParaRPr lang="en-US" dirty="0"/>
-          </a:p>
-          <a:p>
-            <a:pPr marL="285750" indent="-285750">
-              <a:buFont typeface="Arial" panose="020B0604020202020204" pitchFamily="34" charset="0"/>
-              <a:buChar char="•"/>
-            </a:pPr>
-            <a:r>
-              <a:rPr lang="en-US" dirty="0"/>
-              <a:t>The </a:t>
-            </a:r>
-            <a:r>
-              <a:rPr lang="en-US" b="1" dirty="0"/>
-              <a:t>Just Man </a:t>
-            </a:r>
-            <a:r>
-              <a:rPr lang="en-US" dirty="0"/>
-              <a:t>relies upon God’s promise, lives by faith; </a:t>
-            </a:r>
-            <a:r>
-              <a:rPr lang="en-US" i="1" dirty="0"/>
-              <a:t>and receives the blessing of imputed righteousness. </a:t>
-            </a:r>
-            <a:r>
-              <a:rPr lang="en-US" dirty="0"/>
-              <a:t>(Romans 4) </a:t>
-            </a:r>
-          </a:p>
-          <a:p>
-            <a:pPr marL="285750" indent="-285750">
-              <a:buFont typeface="Arial" panose="020B0604020202020204" pitchFamily="34" charset="0"/>
-              <a:buChar char="•"/>
-            </a:pPr>
-            <a:endParaRPr lang="en-US" dirty="0"/>
-          </a:p>
-        </p:txBody>
-      </p:sp>
-      <p:sp>
-        <p:nvSpPr>
-          <p:cNvPr id="3" name="TextBox 2">
-            <a:extLst>
-              <a:ext uri="{FF2B5EF4-FFF2-40B4-BE49-F238E27FC236}">
-                <a16:creationId xmlns:a16="http://schemas.microsoft.com/office/drawing/2014/main" id="{83EB2878-5A97-E86C-4891-CF7A2C641EAB}"/>
-              </a:ext>
-            </a:extLst>
-          </p:cNvPr>
-          <p:cNvSpPr txBox="1"/>
-          <p:nvPr/>
-        </p:nvSpPr>
-        <p:spPr>
-          <a:xfrm>
-            <a:off x="8251152" y="6496970"/>
-            <a:ext cx="511679" cy="246221"/>
-          </a:xfrm>
-          <a:prstGeom prst="rect">
-            <a:avLst/>
-          </a:prstGeom>
-          <a:noFill/>
-        </p:spPr>
-        <p:txBody>
-          <a:bodyPr wrap="none" rtlCol="0">
-            <a:spAutoFit/>
-          </a:bodyPr>
-          <a:lstStyle/>
-          <a:p>
-            <a:r>
-              <a:rPr lang="en-US" sz="1000" dirty="0"/>
-              <a:t>NKJV</a:t>
-            </a:r>
-          </a:p>
-        </p:txBody>
-      </p:sp>
-    </p:spTree>
-    <p:extLst>
-      <p:ext uri="{BB962C8B-B14F-4D97-AF65-F5344CB8AC3E}">
-        <p14:creationId xmlns:p14="http://schemas.microsoft.com/office/powerpoint/2010/main" val="3830492099"/>
-      </p:ext>
-    </p:extLst>
-  </p:cSld>
-  <p:clrMapOvr>
-    <a:masterClrMapping/>
-  </p:clrMapOvr>
-  <p:timing>
-    <p:tnLst>
-      <p:par>
-        <p:cTn id="1" dur="indefinite" restart="never" nodeType="tmRoot">
-          <p:childTnLst>
-            <p:seq concurrent="1" nextAc="seek">
-              <p:cTn id="2" dur="indefinite" nodeType="mainSeq">
-                <p:childTnLst>
-                  <p:par>
-                    <p:cTn id="3" fill="hold">
-                      <p:stCondLst>
-                        <p:cond delay="indefinite"/>
-                      </p:stCondLst>
-                      <p:childTnLst>
-                        <p:par>
-                          <p:cTn id="4" fill="hold">
-                            <p:stCondLst>
-                              <p:cond delay="0"/>
-                            </p:stCondLst>
-                            <p:childTnLst>
-                              <p:par>
-                                <p:cTn id="5" presetID="42" presetClass="entr" presetSubtype="0" fill="hold" grpId="0" nodeType="clickEffect">
-                                  <p:stCondLst>
-                                    <p:cond delay="0"/>
-                                  </p:stCondLst>
-                                  <p:childTnLst>
-                                    <p:set>
-                                      <p:cBhvr>
-                                        <p:cTn id="6" dur="1" fill="hold">
-                                          <p:stCondLst>
-                                            <p:cond delay="0"/>
-                                          </p:stCondLst>
-                                        </p:cTn>
-                                        <p:tgtEl>
-                                          <p:spTgt spid="5"/>
-                                        </p:tgtEl>
-                                        <p:attrNameLst>
-                                          <p:attrName>style.visibility</p:attrName>
-                                        </p:attrNameLst>
-                                      </p:cBhvr>
-                                      <p:to>
-                                        <p:strVal val="visible"/>
-                                      </p:to>
-                                    </p:set>
-                                    <p:animEffect transition="in" filter="fade">
-                                      <p:cBhvr>
-                                        <p:cTn id="7" dur="1000"/>
-                                        <p:tgtEl>
-                                          <p:spTgt spid="5"/>
-                                        </p:tgtEl>
-                                      </p:cBhvr>
-                                    </p:animEffect>
-                                    <p:anim calcmode="lin" valueType="num">
-                                      <p:cBhvr>
-                                        <p:cTn id="8" dur="1000" fill="hold"/>
-                                        <p:tgtEl>
-                                          <p:spTgt spid="5"/>
-                                        </p:tgtEl>
-                                        <p:attrNameLst>
-                                          <p:attrName>ppt_x</p:attrName>
-                                        </p:attrNameLst>
-                                      </p:cBhvr>
-                                      <p:tavLst>
-                                        <p:tav tm="0">
-                                          <p:val>
-                                            <p:strVal val="#ppt_x"/>
-                                          </p:val>
-                                        </p:tav>
-                                        <p:tav tm="100000">
-                                          <p:val>
-                                            <p:strVal val="#ppt_x"/>
-                                          </p:val>
-                                        </p:tav>
-                                      </p:tavLst>
-                                    </p:anim>
-                                    <p:anim calcmode="lin" valueType="num">
-                                      <p:cBhvr>
-                                        <p:cTn id="9" dur="1000" fill="hold"/>
-                                        <p:tgtEl>
-                                          <p:spTgt spid="5"/>
-                                        </p:tgtEl>
-                                        <p:attrNameLst>
-                                          <p:attrName>ppt_y</p:attrName>
-                                        </p:attrNameLst>
-                                      </p:cBhvr>
-                                      <p:tavLst>
-                                        <p:tav tm="0">
-                                          <p:val>
-                                            <p:strVal val="#ppt_y+.1"/>
-                                          </p:val>
-                                        </p:tav>
-                                        <p:tav tm="100000">
-                                          <p:val>
-                                            <p:strVal val="#ppt_y"/>
-                                          </p:val>
-                                        </p:tav>
-                                      </p:tavLst>
-                                    </p:anim>
-                                  </p:childTnLst>
-                                </p:cTn>
-                              </p:par>
-                            </p:childTnLst>
-                          </p:cTn>
-                        </p:par>
-                      </p:childTnLst>
-                    </p:cTn>
-                  </p:par>
-                  <p:par>
-                    <p:cTn id="10" fill="hold">
-                      <p:stCondLst>
-                        <p:cond delay="indefinite"/>
-                      </p:stCondLst>
-                      <p:childTnLst>
-                        <p:par>
-                          <p:cTn id="11" fill="hold">
-                            <p:stCondLst>
-                              <p:cond delay="0"/>
-                            </p:stCondLst>
-                            <p:childTnLst>
-                              <p:par>
-                                <p:cTn id="12" presetID="42" presetClass="entr" presetSubtype="0" fill="hold" nodeType="clickEffect">
-                                  <p:stCondLst>
-                                    <p:cond delay="0"/>
-                                  </p:stCondLst>
-                                  <p:childTnLst>
-                                    <p:set>
-                                      <p:cBhvr>
-                                        <p:cTn id="13" dur="1" fill="hold">
-                                          <p:stCondLst>
-                                            <p:cond delay="0"/>
-                                          </p:stCondLst>
-                                        </p:cTn>
-                                        <p:tgtEl>
-                                          <p:spTgt spid="5">
-                                            <p:txEl>
-                                              <p:pRg st="0" end="0"/>
-                                            </p:txEl>
-                                          </p:spTgt>
-                                        </p:tgtEl>
-                                        <p:attrNameLst>
-                                          <p:attrName>style.visibility</p:attrName>
-                                        </p:attrNameLst>
-                                      </p:cBhvr>
-                                      <p:to>
-                                        <p:strVal val="visible"/>
-                                      </p:to>
-                                    </p:set>
-                                    <p:animEffect transition="in" filter="fade">
-                                      <p:cBhvr>
-                                        <p:cTn id="14" dur="1000"/>
-                                        <p:tgtEl>
-                                          <p:spTgt spid="5">
-                                            <p:txEl>
-                                              <p:pRg st="0" end="0"/>
-                                            </p:txEl>
-                                          </p:spTgt>
-                                        </p:tgtEl>
-                                      </p:cBhvr>
-                                    </p:animEffect>
-                                    <p:anim calcmode="lin" valueType="num">
-                                      <p:cBhvr>
-                                        <p:cTn id="15" dur="1000" fill="hold"/>
-                                        <p:tgtEl>
-                                          <p:spTgt spid="5">
-                                            <p:txEl>
-                                              <p:pRg st="0" end="0"/>
-                                            </p:txEl>
-                                          </p:spTgt>
-                                        </p:tgtEl>
-                                        <p:attrNameLst>
-                                          <p:attrName>ppt_x</p:attrName>
-                                        </p:attrNameLst>
-                                      </p:cBhvr>
-                                      <p:tavLst>
-                                        <p:tav tm="0">
-                                          <p:val>
-                                            <p:strVal val="#ppt_x"/>
-                                          </p:val>
-                                        </p:tav>
-                                        <p:tav tm="100000">
-                                          <p:val>
-                                            <p:strVal val="#ppt_x"/>
-                                          </p:val>
-                                        </p:tav>
-                                      </p:tavLst>
-                                    </p:anim>
-                                    <p:anim calcmode="lin" valueType="num">
-                                      <p:cBhvr>
-                                        <p:cTn id="16" dur="1000" fill="hold"/>
-                                        <p:tgtEl>
-                                          <p:spTgt spid="5">
-                                            <p:txEl>
-                                              <p:pRg st="0" end="0"/>
-                                            </p:txEl>
-                                          </p:spTgt>
-                                        </p:tgtEl>
-                                        <p:attrNameLst>
-                                          <p:attrName>ppt_y</p:attrName>
-                                        </p:attrNameLst>
-                                      </p:cBhvr>
-                                      <p:tavLst>
-                                        <p:tav tm="0">
-                                          <p:val>
-                                            <p:strVal val="#ppt_y+.1"/>
-                                          </p:val>
-                                        </p:tav>
-                                        <p:tav tm="100000">
-                                          <p:val>
-                                            <p:strVal val="#ppt_y"/>
-                                          </p:val>
-                                        </p:tav>
-                                      </p:tavLst>
-                                    </p:anim>
-                                  </p:childTnLst>
-                                </p:cTn>
-                              </p:par>
-                            </p:childTnLst>
-                          </p:cTn>
-                        </p:par>
-                      </p:childTnLst>
-                    </p:cTn>
-                  </p:par>
-                  <p:par>
-                    <p:cTn id="17" fill="hold">
-                      <p:stCondLst>
-                        <p:cond delay="indefinite"/>
-                      </p:stCondLst>
-                      <p:childTnLst>
-                        <p:par>
-                          <p:cTn id="18" fill="hold">
-                            <p:stCondLst>
-                              <p:cond delay="0"/>
-                            </p:stCondLst>
-                            <p:childTnLst>
-                              <p:par>
-                                <p:cTn id="19" presetID="42" presetClass="entr" presetSubtype="0" fill="hold" nodeType="clickEffect">
-                                  <p:stCondLst>
-                                    <p:cond delay="0"/>
-                                  </p:stCondLst>
-                                  <p:childTnLst>
-                                    <p:set>
-                                      <p:cBhvr>
-                                        <p:cTn id="20" dur="1" fill="hold">
-                                          <p:stCondLst>
-                                            <p:cond delay="0"/>
-                                          </p:stCondLst>
-                                        </p:cTn>
-                                        <p:tgtEl>
-                                          <p:spTgt spid="5">
-                                            <p:txEl>
-                                              <p:pRg st="2" end="2"/>
-                                            </p:txEl>
-                                          </p:spTgt>
-                                        </p:tgtEl>
-                                        <p:attrNameLst>
-                                          <p:attrName>style.visibility</p:attrName>
-                                        </p:attrNameLst>
-                                      </p:cBhvr>
-                                      <p:to>
-                                        <p:strVal val="visible"/>
-                                      </p:to>
-                                    </p:set>
-                                    <p:animEffect transition="in" filter="fade">
-                                      <p:cBhvr>
-                                        <p:cTn id="21" dur="1000"/>
-                                        <p:tgtEl>
-                                          <p:spTgt spid="5">
-                                            <p:txEl>
-                                              <p:pRg st="2" end="2"/>
-                                            </p:txEl>
-                                          </p:spTgt>
-                                        </p:tgtEl>
-                                      </p:cBhvr>
-                                    </p:animEffect>
-                                    <p:anim calcmode="lin" valueType="num">
-                                      <p:cBhvr>
-                                        <p:cTn id="22" dur="1000" fill="hold"/>
-                                        <p:tgtEl>
-                                          <p:spTgt spid="5">
-                                            <p:txEl>
-                                              <p:pRg st="2" end="2"/>
-                                            </p:txEl>
-                                          </p:spTgt>
-                                        </p:tgtEl>
-                                        <p:attrNameLst>
-                                          <p:attrName>ppt_x</p:attrName>
-                                        </p:attrNameLst>
-                                      </p:cBhvr>
-                                      <p:tavLst>
-                                        <p:tav tm="0">
-                                          <p:val>
-                                            <p:strVal val="#ppt_x"/>
-                                          </p:val>
-                                        </p:tav>
-                                        <p:tav tm="100000">
-                                          <p:val>
-                                            <p:strVal val="#ppt_x"/>
-                                          </p:val>
-                                        </p:tav>
-                                      </p:tavLst>
-                                    </p:anim>
-                                    <p:anim calcmode="lin" valueType="num">
-                                      <p:cBhvr>
-                                        <p:cTn id="23" dur="1000" fill="hold"/>
-                                        <p:tgtEl>
-                                          <p:spTgt spid="5">
-                                            <p:txEl>
-                                              <p:pRg st="2" end="2"/>
-                                            </p:txEl>
-                                          </p:spTgt>
-                                        </p:tgtEl>
-                                        <p:attrNameLst>
-                                          <p:attrName>ppt_y</p:attrName>
-                                        </p:attrNameLst>
-                                      </p:cBhvr>
-                                      <p:tavLst>
-                                        <p:tav tm="0">
-                                          <p:val>
-                                            <p:strVal val="#ppt_y+.1"/>
-                                          </p:val>
-                                        </p:tav>
-                                        <p:tav tm="100000">
-                                          <p:val>
-                                            <p:strVal val="#ppt_y"/>
-                                          </p:val>
-                                        </p:tav>
-                                      </p:tavLst>
-                                    </p:anim>
-                                  </p:childTnLst>
-                                </p:cTn>
-                              </p:par>
-                            </p:childTnLst>
-                          </p:cTn>
-                        </p:par>
-                      </p:childTnLst>
-                    </p:cTn>
-                  </p:par>
-                  <p:par>
-                    <p:cTn id="24" fill="hold">
-                      <p:stCondLst>
-                        <p:cond delay="indefinite"/>
-                      </p:stCondLst>
-                      <p:childTnLst>
-                        <p:par>
-                          <p:cTn id="25" fill="hold">
-                            <p:stCondLst>
-                              <p:cond delay="0"/>
-                            </p:stCondLst>
-                            <p:childTnLst>
-                              <p:par>
-                                <p:cTn id="26" presetID="42" presetClass="entr" presetSubtype="0" fill="hold" nodeType="clickEffect">
-                                  <p:stCondLst>
-                                    <p:cond delay="0"/>
-                                  </p:stCondLst>
-                                  <p:childTnLst>
-                                    <p:set>
-                                      <p:cBhvr>
-                                        <p:cTn id="27" dur="1" fill="hold">
-                                          <p:stCondLst>
-                                            <p:cond delay="0"/>
-                                          </p:stCondLst>
-                                        </p:cTn>
-                                        <p:tgtEl>
-                                          <p:spTgt spid="5">
-                                            <p:txEl>
-                                              <p:pRg st="4" end="4"/>
-                                            </p:txEl>
-                                          </p:spTgt>
-                                        </p:tgtEl>
-                                        <p:attrNameLst>
-                                          <p:attrName>style.visibility</p:attrName>
-                                        </p:attrNameLst>
-                                      </p:cBhvr>
-                                      <p:to>
-                                        <p:strVal val="visible"/>
-                                      </p:to>
-                                    </p:set>
-                                    <p:animEffect transition="in" filter="fade">
-                                      <p:cBhvr>
-                                        <p:cTn id="28" dur="1000"/>
-                                        <p:tgtEl>
-                                          <p:spTgt spid="5">
-                                            <p:txEl>
-                                              <p:pRg st="4" end="4"/>
-                                            </p:txEl>
-                                          </p:spTgt>
-                                        </p:tgtEl>
-                                      </p:cBhvr>
-                                    </p:animEffect>
-                                    <p:anim calcmode="lin" valueType="num">
-                                      <p:cBhvr>
-                                        <p:cTn id="29" dur="1000" fill="hold"/>
-                                        <p:tgtEl>
-                                          <p:spTgt spid="5">
-                                            <p:txEl>
-                                              <p:pRg st="4" end="4"/>
-                                            </p:txEl>
-                                          </p:spTgt>
-                                        </p:tgtEl>
-                                        <p:attrNameLst>
-                                          <p:attrName>ppt_x</p:attrName>
-                                        </p:attrNameLst>
-                                      </p:cBhvr>
-                                      <p:tavLst>
-                                        <p:tav tm="0">
-                                          <p:val>
-                                            <p:strVal val="#ppt_x"/>
-                                          </p:val>
-                                        </p:tav>
-                                        <p:tav tm="100000">
-                                          <p:val>
-                                            <p:strVal val="#ppt_x"/>
-                                          </p:val>
-                                        </p:tav>
-                                      </p:tavLst>
-                                    </p:anim>
-                                    <p:anim calcmode="lin" valueType="num">
-                                      <p:cBhvr>
-                                        <p:cTn id="30" dur="1000" fill="hold"/>
-                                        <p:tgtEl>
-                                          <p:spTgt spid="5">
-                                            <p:txEl>
-                                              <p:pRg st="4" end="4"/>
-                                            </p:txEl>
-                                          </p:spTgt>
-                                        </p:tgtEl>
-                                        <p:attrNameLst>
-                                          <p:attrName>ppt_y</p:attrName>
-                                        </p:attrNameLst>
-                                      </p:cBhvr>
-                                      <p:tavLst>
-                                        <p:tav tm="0">
-                                          <p:val>
-                                            <p:strVal val="#ppt_y+.1"/>
-                                          </p:val>
-                                        </p:tav>
-                                        <p:tav tm="100000">
-                                          <p:val>
-                                            <p:strVal val="#ppt_y"/>
-                                          </p:val>
-                                        </p:tav>
-                                      </p:tavLst>
-                                    </p:anim>
-                                  </p:childTnLst>
-                                </p:cTn>
-                              </p:par>
-                            </p:childTnLst>
-                          </p:cTn>
-                        </p:par>
-                      </p:childTnLst>
-                    </p:cTn>
-                  </p:par>
-                  <p:par>
-                    <p:cTn id="31" fill="hold">
-                      <p:stCondLst>
-                        <p:cond delay="indefinite"/>
-                      </p:stCondLst>
-                      <p:childTnLst>
-                        <p:par>
-                          <p:cTn id="32" fill="hold">
-                            <p:stCondLst>
-                              <p:cond delay="0"/>
-                            </p:stCondLst>
-                            <p:childTnLst>
-                              <p:par>
-                                <p:cTn id="33" presetID="42" presetClass="entr" presetSubtype="0" fill="hold" nodeType="clickEffect">
-                                  <p:stCondLst>
-                                    <p:cond delay="0"/>
-                                  </p:stCondLst>
-                                  <p:childTnLst>
-                                    <p:set>
-                                      <p:cBhvr>
-                                        <p:cTn id="34" dur="1" fill="hold">
-                                          <p:stCondLst>
-                                            <p:cond delay="0"/>
-                                          </p:stCondLst>
-                                        </p:cTn>
-                                        <p:tgtEl>
-                                          <p:spTgt spid="5">
-                                            <p:txEl>
-                                              <p:pRg st="6" end="6"/>
-                                            </p:txEl>
-                                          </p:spTgt>
-                                        </p:tgtEl>
-                                        <p:attrNameLst>
-                                          <p:attrName>style.visibility</p:attrName>
-                                        </p:attrNameLst>
-                                      </p:cBhvr>
-                                      <p:to>
-                                        <p:strVal val="visible"/>
-                                      </p:to>
-                                    </p:set>
-                                    <p:animEffect transition="in" filter="fade">
-                                      <p:cBhvr>
-                                        <p:cTn id="35" dur="1000"/>
-                                        <p:tgtEl>
-                                          <p:spTgt spid="5">
-                                            <p:txEl>
-                                              <p:pRg st="6" end="6"/>
-                                            </p:txEl>
-                                          </p:spTgt>
-                                        </p:tgtEl>
-                                      </p:cBhvr>
-                                    </p:animEffect>
-                                    <p:anim calcmode="lin" valueType="num">
-                                      <p:cBhvr>
-                                        <p:cTn id="36" dur="1000" fill="hold"/>
-                                        <p:tgtEl>
-                                          <p:spTgt spid="5">
-                                            <p:txEl>
-                                              <p:pRg st="6" end="6"/>
-                                            </p:txEl>
-                                          </p:spTgt>
-                                        </p:tgtEl>
-                                        <p:attrNameLst>
-                                          <p:attrName>ppt_x</p:attrName>
-                                        </p:attrNameLst>
-                                      </p:cBhvr>
-                                      <p:tavLst>
-                                        <p:tav tm="0">
-                                          <p:val>
-                                            <p:strVal val="#ppt_x"/>
-                                          </p:val>
-                                        </p:tav>
-                                        <p:tav tm="100000">
-                                          <p:val>
-                                            <p:strVal val="#ppt_x"/>
-                                          </p:val>
-                                        </p:tav>
-                                      </p:tavLst>
-                                    </p:anim>
-                                    <p:anim calcmode="lin" valueType="num">
-                                      <p:cBhvr>
-                                        <p:cTn id="37" dur="1000" fill="hold"/>
-                                        <p:tgtEl>
-                                          <p:spTgt spid="5">
-                                            <p:txEl>
-                                              <p:pRg st="6" end="6"/>
-                                            </p:txEl>
-                                          </p:spTgt>
-                                        </p:tgtEl>
-                                        <p:attrNameLst>
-                                          <p:attrName>ppt_y</p:attrName>
-                                        </p:attrNameLst>
-                                      </p:cBhvr>
-                                      <p:tavLst>
-                                        <p:tav tm="0">
-                                          <p:val>
-                                            <p:strVal val="#ppt_y+.1"/>
-                                          </p:val>
-                                        </p:tav>
-                                        <p:tav tm="100000">
-                                          <p:val>
-                                            <p:strVal val="#ppt_y"/>
-                                          </p:val>
-                                        </p:tav>
-                                      </p:tavLst>
-                                    </p:anim>
-                                  </p:childTnLst>
-                                </p:cTn>
-                              </p:par>
-                            </p:childTnLst>
-                          </p:cTn>
-                        </p:par>
-                      </p:childTnLst>
-                    </p:cTn>
-                  </p:par>
-                  <p:par>
-                    <p:cTn id="38" fill="hold">
-                      <p:stCondLst>
-                        <p:cond delay="indefinite"/>
-                      </p:stCondLst>
-                      <p:childTnLst>
-                        <p:par>
-                          <p:cTn id="39" fill="hold">
-                            <p:stCondLst>
-                              <p:cond delay="0"/>
-                            </p:stCondLst>
-                            <p:childTnLst>
-                              <p:par>
-                                <p:cTn id="40" presetID="42" presetClass="entr" presetSubtype="0" fill="hold" nodeType="clickEffect">
-                                  <p:stCondLst>
-                                    <p:cond delay="0"/>
-                                  </p:stCondLst>
-                                  <p:childTnLst>
-                                    <p:set>
-                                      <p:cBhvr>
-                                        <p:cTn id="41" dur="1" fill="hold">
-                                          <p:stCondLst>
-                                            <p:cond delay="0"/>
-                                          </p:stCondLst>
-                                        </p:cTn>
-                                        <p:tgtEl>
-                                          <p:spTgt spid="5">
-                                            <p:txEl>
-                                              <p:pRg st="8" end="8"/>
-                                            </p:txEl>
-                                          </p:spTgt>
-                                        </p:tgtEl>
-                                        <p:attrNameLst>
-                                          <p:attrName>style.visibility</p:attrName>
-                                        </p:attrNameLst>
-                                      </p:cBhvr>
-                                      <p:to>
-                                        <p:strVal val="visible"/>
-                                      </p:to>
-                                    </p:set>
-                                    <p:animEffect transition="in" filter="fade">
-                                      <p:cBhvr>
-                                        <p:cTn id="42" dur="1000"/>
-                                        <p:tgtEl>
-                                          <p:spTgt spid="5">
-                                            <p:txEl>
-                                              <p:pRg st="8" end="8"/>
-                                            </p:txEl>
-                                          </p:spTgt>
-                                        </p:tgtEl>
-                                      </p:cBhvr>
-                                    </p:animEffect>
-                                    <p:anim calcmode="lin" valueType="num">
-                                      <p:cBhvr>
-                                        <p:cTn id="43" dur="1000" fill="hold"/>
-                                        <p:tgtEl>
-                                          <p:spTgt spid="5">
-                                            <p:txEl>
-                                              <p:pRg st="8" end="8"/>
-                                            </p:txEl>
-                                          </p:spTgt>
-                                        </p:tgtEl>
-                                        <p:attrNameLst>
-                                          <p:attrName>ppt_x</p:attrName>
-                                        </p:attrNameLst>
-                                      </p:cBhvr>
-                                      <p:tavLst>
-                                        <p:tav tm="0">
-                                          <p:val>
-                                            <p:strVal val="#ppt_x"/>
-                                          </p:val>
-                                        </p:tav>
-                                        <p:tav tm="100000">
-                                          <p:val>
-                                            <p:strVal val="#ppt_x"/>
-                                          </p:val>
-                                        </p:tav>
-                                      </p:tavLst>
-                                    </p:anim>
-                                    <p:anim calcmode="lin" valueType="num">
-                                      <p:cBhvr>
-                                        <p:cTn id="44" dur="1000" fill="hold"/>
-                                        <p:tgtEl>
-                                          <p:spTgt spid="5">
-                                            <p:txEl>
-                                              <p:pRg st="8" end="8"/>
-                                            </p:txEl>
-                                          </p:spTgt>
-                                        </p:tgtEl>
-                                        <p:attrNameLst>
-                                          <p:attrName>ppt_y</p:attrName>
-                                        </p:attrNameLst>
-                                      </p:cBhvr>
-                                      <p:tavLst>
-                                        <p:tav tm="0">
-                                          <p:val>
-                                            <p:strVal val="#ppt_y+.1"/>
-                                          </p:val>
-                                        </p:tav>
-                                        <p:tav tm="100000">
-                                          <p:val>
-                                            <p:strVal val="#ppt_y"/>
-                                          </p:val>
-                                        </p:tav>
-                                      </p:tavLst>
-                                    </p:anim>
-                                  </p:childTnLst>
-                                </p:cTn>
-                              </p:par>
-                            </p:childTnLst>
-                          </p:cTn>
-                        </p:par>
-                      </p:childTnLst>
-                    </p:cTn>
-                  </p:par>
-                </p:childTnLst>
-              </p:cTn>
-              <p:prevCondLst>
-                <p:cond evt="onPrev" delay="0">
-                  <p:tgtEl>
-                    <p:sldTgt/>
-                  </p:tgtEl>
-                </p:cond>
-              </p:prevCondLst>
-              <p:nextCondLst>
-                <p:cond evt="onNext" delay="0">
-                  <p:tgtEl>
-                    <p:sldTgt/>
-                  </p:tgtEl>
-                </p:cond>
-              </p:nextCondLst>
-            </p:seq>
-          </p:childTnLst>
-        </p:cTn>
-      </p:par>
-    </p:tnLst>
-    <p:bldLst>
-      <p:bldP spid="5" grpId="0" animBg="1"/>
-    </p:bldLst>
-  </p:timing>
-</p:sld>
-</file>
-
-<file path=ppt/slides/slide6.xml><?xml version="1.0" encoding="utf-8"?>
+<file path=ppt/slides/slide8.xml><?xml version="1.0" encoding="utf-8"?>
 <p:sld xmlns:a="http://schemas.openxmlformats.org/drawingml/2006/main" xmlns:r="http://schemas.openxmlformats.org/officeDocument/2006/relationships" xmlns:p="http://schemas.openxmlformats.org/presentationml/2006/main">
   <p:cSld>
     <p:spTree>
@@ -7146,7 +13292,19 @@
               <a:rPr lang="en-US" sz="2000" b="1" dirty="0">
                 <a:latin typeface="+mn-lt"/>
               </a:rPr>
-              <a:t>Focus: Creation as revelation of God’s existence and attributes.</a:t>
+              <a:t>Focus: </a:t>
+            </a:r>
+            <a:r>
+              <a:rPr lang="en-US" sz="2000" b="1" u="sng" dirty="0">
+                <a:latin typeface="+mn-lt"/>
+              </a:rPr>
+              <a:t>Creation as revelation</a:t>
+            </a:r>
+            <a:r>
+              <a:rPr lang="en-US" sz="2000" b="1" dirty="0">
+                <a:latin typeface="+mn-lt"/>
+              </a:rPr>
+              <a:t> of God’s existence and attributes.</a:t>
             </a:r>
             <a:r>
               <a:rPr lang="en-US" sz="2000" dirty="0">
@@ -7862,7 +14020,7 @@
 </p:sld>
 </file>
 
-<file path=ppt/slides/slide7.xml><?xml version="1.0" encoding="utf-8"?>
+<file path=ppt/slides/slide9.xml><?xml version="1.0" encoding="utf-8"?>
 <p:sld xmlns:a="http://schemas.openxmlformats.org/drawingml/2006/main" xmlns:r="http://schemas.openxmlformats.org/officeDocument/2006/relationships" xmlns:p="http://schemas.openxmlformats.org/presentationml/2006/main">
   <p:cSld>
     <p:spTree>
@@ -7975,7 +14133,19 @@
               <a:rPr lang="en-US" sz="2000" b="1" dirty="0">
                 <a:latin typeface="+mn-lt"/>
               </a:rPr>
-              <a:t>Focus: Universal moral standards as inner testimony to God’s character.</a:t>
+              <a:t>Focus: </a:t>
+            </a:r>
+            <a:r>
+              <a:rPr lang="en-US" sz="2000" b="1" u="sng" dirty="0">
+                <a:latin typeface="+mn-lt"/>
+              </a:rPr>
+              <a:t>Universal moral standards</a:t>
+            </a:r>
+            <a:r>
+              <a:rPr lang="en-US" sz="2000" b="1" dirty="0">
+                <a:latin typeface="+mn-lt"/>
+              </a:rPr>
+              <a:t> as inner testimony to God’s character.</a:t>
             </a:r>
             <a:r>
               <a:rPr lang="en-US" sz="2000" dirty="0">
@@ -8675,392 +14845,6 @@
       </p:par>
     </p:tnLst>
   </p:timing>
-</p:sld>
-</file>
-
-<file path=ppt/slides/slide8.xml><?xml version="1.0" encoding="utf-8"?>
-<p:sld xmlns:a="http://schemas.openxmlformats.org/drawingml/2006/main" xmlns:r="http://schemas.openxmlformats.org/officeDocument/2006/relationships" xmlns:p="http://schemas.openxmlformats.org/presentationml/2006/main">
-  <p:cSld>
-    <p:spTree>
-      <p:nvGrpSpPr>
-        <p:cNvPr id="1" name="">
-          <a:extLst>
-            <a:ext uri="{FF2B5EF4-FFF2-40B4-BE49-F238E27FC236}">
-              <a16:creationId xmlns:a16="http://schemas.microsoft.com/office/drawing/2014/main" id="{C4A0F12E-7211-DA54-2AFA-00D4BE282E7A}"/>
-            </a:ext>
-          </a:extLst>
-        </p:cNvPr>
-        <p:cNvGrpSpPr/>
-        <p:nvPr/>
-      </p:nvGrpSpPr>
-      <p:grpSpPr>
-        <a:xfrm>
-          <a:off x="0" y="0"/>
-          <a:ext cx="0" cy="0"/>
-          <a:chOff x="0" y="0"/>
-          <a:chExt cx="0" cy="0"/>
-        </a:xfrm>
-      </p:grpSpPr>
-      <p:sp>
-        <p:nvSpPr>
-          <p:cNvPr id="4" name="Title 1">
-            <a:extLst>
-              <a:ext uri="{FF2B5EF4-FFF2-40B4-BE49-F238E27FC236}">
-                <a16:creationId xmlns:a16="http://schemas.microsoft.com/office/drawing/2014/main" id="{0171F756-A16B-FC2A-C039-F22A8CD99D1A}"/>
-              </a:ext>
-            </a:extLst>
-          </p:cNvPr>
-          <p:cNvSpPr>
-            <a:spLocks noGrp="1"/>
-          </p:cNvSpPr>
-          <p:nvPr>
-            <p:ph type="title"/>
-          </p:nvPr>
-        </p:nvSpPr>
-        <p:spPr>
-          <a:xfrm>
-            <a:off x="228600" y="7088"/>
-            <a:ext cx="8839200" cy="914400"/>
-          </a:xfrm>
-        </p:spPr>
-        <p:txBody>
-          <a:bodyPr>
-            <a:normAutofit fontScale="90000"/>
-          </a:bodyPr>
-          <a:lstStyle/>
-          <a:p>
-            <a:pPr algn="l"/>
-            <a:r>
-              <a:rPr lang="en-US" sz="3600" dirty="0"/>
-              <a:t>Knowing God – Encouraging Self-Reflection</a:t>
-            </a:r>
-            <a:br>
-              <a:rPr lang="en-US" sz="3600" dirty="0"/>
-            </a:br>
-            <a:r>
-              <a:rPr lang="en-US" sz="2400" dirty="0">
-                <a:solidFill>
-                  <a:schemeClr val="tx2">
-                    <a:lumMod val="60000"/>
-                    <a:lumOff val="40000"/>
-                  </a:schemeClr>
-                </a:solidFill>
-              </a:rPr>
-              <a:t>Questions for the “Religious Man” of Romans 2, 3</a:t>
-            </a:r>
-            <a:endParaRPr lang="en-US" sz="2400" i="1" u="sng" dirty="0">
-              <a:solidFill>
-                <a:schemeClr val="tx2">
-                  <a:lumMod val="60000"/>
-                  <a:lumOff val="40000"/>
-                </a:schemeClr>
-              </a:solidFill>
-            </a:endParaRPr>
-          </a:p>
-        </p:txBody>
-      </p:sp>
-      <p:sp>
-        <p:nvSpPr>
-          <p:cNvPr id="7" name="TextBox 6">
-            <a:extLst>
-              <a:ext uri="{FF2B5EF4-FFF2-40B4-BE49-F238E27FC236}">
-                <a16:creationId xmlns:a16="http://schemas.microsoft.com/office/drawing/2014/main" id="{C94C18F1-EA63-25F5-3DA2-098D88F51D2B}"/>
-              </a:ext>
-            </a:extLst>
-          </p:cNvPr>
-          <p:cNvSpPr txBox="1"/>
-          <p:nvPr/>
-        </p:nvSpPr>
-        <p:spPr>
-          <a:xfrm>
-            <a:off x="76200" y="990600"/>
-            <a:ext cx="8991600" cy="5632311"/>
-          </a:xfrm>
-          <a:prstGeom prst="rect">
-            <a:avLst/>
-          </a:prstGeom>
-          <a:noFill/>
-        </p:spPr>
-        <p:txBody>
-          <a:bodyPr wrap="square">
-            <a:spAutoFit/>
-          </a:bodyPr>
-          <a:lstStyle/>
-          <a:p>
-            <a:r>
-              <a:rPr lang="en-US" sz="2000" b="1" dirty="0">
-                <a:latin typeface="+mn-lt"/>
-              </a:rPr>
-              <a:t>Focus: The innate desire for God and love for others as evidence of divine revelation.</a:t>
-            </a:r>
-          </a:p>
-          <a:p>
-            <a:endParaRPr lang="en-US" sz="2000" dirty="0">
-              <a:latin typeface="+mn-lt"/>
-            </a:endParaRPr>
-          </a:p>
-          <a:p>
-            <a:pPr marL="342900" indent="-342900">
-              <a:buFontTx/>
-              <a:buChar char="-"/>
-            </a:pPr>
-            <a:r>
-              <a:rPr lang="en-US" sz="2000" b="1" dirty="0">
-                <a:latin typeface="+mn-lt"/>
-              </a:rPr>
-              <a:t>“You are seeking a relationship with the divine. Have you considered why this longing is universal across cultures and time, and what that might suggest about a God who designed us to know Him?” </a:t>
-            </a:r>
-          </a:p>
-          <a:p>
-            <a:r>
-              <a:rPr lang="en-US" sz="2000" dirty="0">
-                <a:latin typeface="+mn-lt"/>
-              </a:rPr>
-              <a:t> </a:t>
-            </a:r>
-          </a:p>
-          <a:p>
-            <a:pPr marL="342900" indent="-342900">
-              <a:buFontTx/>
-              <a:buChar char="-"/>
-            </a:pPr>
-            <a:r>
-              <a:rPr lang="en-US" sz="2000" b="1" dirty="0">
-                <a:latin typeface="+mn-lt"/>
-              </a:rPr>
-              <a:t>“Your heart tells you there must be more than what you see around you. Where do you think this spiritual hunger comes from, if not from a Creator who wants to be known?”  </a:t>
-            </a:r>
-          </a:p>
-          <a:p>
-            <a:endParaRPr lang="en-US" sz="2000" dirty="0">
-              <a:latin typeface="+mn-lt"/>
-            </a:endParaRPr>
-          </a:p>
-          <a:p>
-            <a:pPr marL="342900" indent="-342900">
-              <a:buFontTx/>
-              <a:buChar char="-"/>
-            </a:pPr>
-            <a:r>
-              <a:rPr lang="en-US" sz="2000" b="1" dirty="0">
-                <a:latin typeface="+mn-lt"/>
-              </a:rPr>
-              <a:t>“You believe in loving your neighbor, but why should love be a fundamental good unless there is a God who Himself is love and made us in His image?”  </a:t>
-            </a:r>
-          </a:p>
-          <a:p>
-            <a:endParaRPr lang="en-US" sz="2000" dirty="0">
-              <a:latin typeface="+mn-lt"/>
-            </a:endParaRPr>
-          </a:p>
-          <a:p>
-            <a:pPr marL="342900" indent="-342900">
-              <a:buFontTx/>
-              <a:buChar char="-"/>
-            </a:pPr>
-            <a:r>
-              <a:rPr lang="en-US" sz="2000" b="1" dirty="0">
-                <a:latin typeface="+mn-lt"/>
-              </a:rPr>
-              <a:t>“When you pray or meditate, do you sense that you’re reaching out to someone real and personal? Could that Someone be the God who spoke through the prophets and ultimately through Jesus Christ?”</a:t>
-            </a:r>
-          </a:p>
-        </p:txBody>
-      </p:sp>
-    </p:spTree>
-    <p:extLst>
-      <p:ext uri="{BB962C8B-B14F-4D97-AF65-F5344CB8AC3E}">
-        <p14:creationId xmlns:p14="http://schemas.microsoft.com/office/powerpoint/2010/main" val="1407116002"/>
-      </p:ext>
-    </p:extLst>
-  </p:cSld>
-  <p:clrMapOvr>
-    <a:masterClrMapping/>
-  </p:clrMapOvr>
-</p:sld>
-</file>
-
-<file path=ppt/slides/slide9.xml><?xml version="1.0" encoding="utf-8"?>
-<p:sld xmlns:a="http://schemas.openxmlformats.org/drawingml/2006/main" xmlns:r="http://schemas.openxmlformats.org/officeDocument/2006/relationships" xmlns:p="http://schemas.openxmlformats.org/presentationml/2006/main">
-  <p:cSld>
-    <p:spTree>
-      <p:nvGrpSpPr>
-        <p:cNvPr id="1" name="">
-          <a:extLst>
-            <a:ext uri="{FF2B5EF4-FFF2-40B4-BE49-F238E27FC236}">
-              <a16:creationId xmlns:a16="http://schemas.microsoft.com/office/drawing/2014/main" id="{E4047451-AEDC-DD1E-3E50-0211C6E181B1}"/>
-            </a:ext>
-          </a:extLst>
-        </p:cNvPr>
-        <p:cNvGrpSpPr/>
-        <p:nvPr/>
-      </p:nvGrpSpPr>
-      <p:grpSpPr>
-        <a:xfrm>
-          <a:off x="0" y="0"/>
-          <a:ext cx="0" cy="0"/>
-          <a:chOff x="0" y="0"/>
-          <a:chExt cx="0" cy="0"/>
-        </a:xfrm>
-      </p:grpSpPr>
-      <p:sp>
-        <p:nvSpPr>
-          <p:cNvPr id="4" name="Title 1">
-            <a:extLst>
-              <a:ext uri="{FF2B5EF4-FFF2-40B4-BE49-F238E27FC236}">
-                <a16:creationId xmlns:a16="http://schemas.microsoft.com/office/drawing/2014/main" id="{60BA9067-B60B-D7FC-F21C-8DC0B0D83170}"/>
-              </a:ext>
-            </a:extLst>
-          </p:cNvPr>
-          <p:cNvSpPr>
-            <a:spLocks noGrp="1"/>
-          </p:cNvSpPr>
-          <p:nvPr>
-            <p:ph type="title"/>
-          </p:nvPr>
-        </p:nvSpPr>
-        <p:spPr>
-          <a:xfrm>
-            <a:off x="228600" y="7088"/>
-            <a:ext cx="8839200" cy="914400"/>
-          </a:xfrm>
-        </p:spPr>
-        <p:txBody>
-          <a:bodyPr>
-            <a:normAutofit fontScale="90000"/>
-          </a:bodyPr>
-          <a:lstStyle/>
-          <a:p>
-            <a:pPr algn="l"/>
-            <a:r>
-              <a:rPr lang="en-US" sz="3600" dirty="0"/>
-              <a:t>Knowing God – Encouraging Self-Reflection</a:t>
-            </a:r>
-            <a:br>
-              <a:rPr lang="en-US" sz="3600" dirty="0"/>
-            </a:br>
-            <a:r>
-              <a:rPr lang="en-US" sz="2400" dirty="0">
-                <a:solidFill>
-                  <a:schemeClr val="tx2">
-                    <a:lumMod val="60000"/>
-                    <a:lumOff val="40000"/>
-                  </a:schemeClr>
-                </a:solidFill>
-              </a:rPr>
-              <a:t>Questions for the “Just Man” of Romans 4</a:t>
-            </a:r>
-            <a:endParaRPr lang="en-US" sz="2400" i="1" u="sng" dirty="0">
-              <a:solidFill>
-                <a:schemeClr val="tx2">
-                  <a:lumMod val="60000"/>
-                  <a:lumOff val="40000"/>
-                </a:schemeClr>
-              </a:solidFill>
-            </a:endParaRPr>
-          </a:p>
-        </p:txBody>
-      </p:sp>
-      <p:sp>
-        <p:nvSpPr>
-          <p:cNvPr id="7" name="TextBox 6">
-            <a:extLst>
-              <a:ext uri="{FF2B5EF4-FFF2-40B4-BE49-F238E27FC236}">
-                <a16:creationId xmlns:a16="http://schemas.microsoft.com/office/drawing/2014/main" id="{CA7CD438-CFC5-107B-0244-14B4F2F073FF}"/>
-              </a:ext>
-            </a:extLst>
-          </p:cNvPr>
-          <p:cNvSpPr txBox="1"/>
-          <p:nvPr/>
-        </p:nvSpPr>
-        <p:spPr>
-          <a:xfrm>
-            <a:off x="76200" y="990600"/>
-            <a:ext cx="8991600" cy="5940088"/>
-          </a:xfrm>
-          <a:prstGeom prst="rect">
-            <a:avLst/>
-          </a:prstGeom>
-          <a:noFill/>
-        </p:spPr>
-        <p:txBody>
-          <a:bodyPr wrap="square">
-            <a:spAutoFit/>
-          </a:bodyPr>
-          <a:lstStyle/>
-          <a:p>
-            <a:r>
-              <a:rPr lang="en-US" sz="2000" b="1" dirty="0"/>
-              <a:t>Focus: Faith as the channel through which we are made right with God, illustrated by Abraham and fulfilled in Christ.</a:t>
-            </a:r>
-          </a:p>
-          <a:p>
-            <a:endParaRPr lang="en-US" sz="2000" b="1" dirty="0"/>
-          </a:p>
-          <a:p>
-            <a:pPr marL="342900" indent="-342900">
-              <a:buFontTx/>
-              <a:buChar char="-"/>
-            </a:pPr>
-            <a:r>
-              <a:rPr lang="en-US" sz="2000" b="1" dirty="0"/>
-              <a:t>“You trust that God keeps His promises, as Abraham did. Why would you believe that God is both faithful and true unless He has revealed Himself as unchanging, trustworthy, and righteous?”  </a:t>
-            </a:r>
-          </a:p>
-          <a:p>
-            <a:endParaRPr lang="en-US" sz="2000" b="1" dirty="0"/>
-          </a:p>
-          <a:p>
-            <a:pPr marL="342900" indent="-342900">
-              <a:buFontTx/>
-              <a:buChar char="-"/>
-            </a:pPr>
-            <a:r>
-              <a:rPr lang="en-US" sz="2000" b="1" dirty="0"/>
-              <a:t>“Your faith points beyond your own goodness to something greater. If your moral efforts are never perfect, on what basis can you stand before a holy God, if not on the righteousness He provides by faith?”  </a:t>
-            </a:r>
-          </a:p>
-          <a:p>
-            <a:endParaRPr lang="en-US" sz="2000" b="1" dirty="0"/>
-          </a:p>
-          <a:p>
-            <a:pPr marL="342900" indent="-342900">
-              <a:buFontTx/>
-              <a:buChar char="-"/>
-            </a:pPr>
-            <a:r>
-              <a:rPr lang="en-US" sz="2000" b="1" dirty="0"/>
-              <a:t>“Consider Abraham: he trusted God’s word before it was fulfilled. Has God’s faithfulness to Abraham and to countless believers since not shown that He is real and that we can be certain of His character?” </a:t>
-            </a:r>
-          </a:p>
-          <a:p>
-            <a:r>
-              <a:rPr lang="en-US" sz="2000" b="1" dirty="0"/>
-              <a:t> </a:t>
-            </a:r>
-          </a:p>
-          <a:p>
-            <a:pPr marL="342900" indent="-342900">
-              <a:buFontTx/>
-              <a:buChar char="-"/>
-            </a:pPr>
-            <a:r>
-              <a:rPr lang="en-US" sz="2000" b="1" dirty="0"/>
-              <a:t>“When you put your faith in Jesus Christ as the Just One, how does this confirm for you that God has revealed Himself in history, both through His written word and through the life, death, and resurrection of Jesus?”</a:t>
-            </a:r>
-          </a:p>
-        </p:txBody>
-      </p:sp>
-    </p:spTree>
-    <p:extLst>
-      <p:ext uri="{BB962C8B-B14F-4D97-AF65-F5344CB8AC3E}">
-        <p14:creationId xmlns:p14="http://schemas.microsoft.com/office/powerpoint/2010/main" val="1763214525"/>
-      </p:ext>
-    </p:extLst>
-  </p:cSld>
-  <p:clrMapOvr>
-    <a:masterClrMapping/>
-  </p:clrMapOvr>
 </p:sld>
 </file>
 
